--- a/2.pptx
+++ b/2.pptx
@@ -5,7 +5,7 @@
     <p:sldMasterId id="2147483648" r:id="rId1"/>
   </p:sldMasterIdLst>
   <p:notesMasterIdLst>
-    <p:notesMasterId r:id="rId32"/>
+    <p:notesMasterId r:id="rId36"/>
   </p:notesMasterIdLst>
   <p:sldIdLst>
     <p:sldId id="256" r:id="rId2"/>
@@ -27,17 +27,21 @@
     <p:sldId id="285" r:id="rId18"/>
     <p:sldId id="294" r:id="rId19"/>
     <p:sldId id="260" r:id="rId20"/>
-    <p:sldId id="304" r:id="rId21"/>
-    <p:sldId id="305" r:id="rId22"/>
-    <p:sldId id="276" r:id="rId23"/>
-    <p:sldId id="308" r:id="rId24"/>
-    <p:sldId id="309" r:id="rId25"/>
-    <p:sldId id="311" r:id="rId26"/>
-    <p:sldId id="270" r:id="rId27"/>
-    <p:sldId id="271" r:id="rId28"/>
-    <p:sldId id="284" r:id="rId29"/>
-    <p:sldId id="290" r:id="rId30"/>
-    <p:sldId id="293" r:id="rId31"/>
+    <p:sldId id="314" r:id="rId21"/>
+    <p:sldId id="304" r:id="rId22"/>
+    <p:sldId id="313" r:id="rId23"/>
+    <p:sldId id="305" r:id="rId24"/>
+    <p:sldId id="276" r:id="rId25"/>
+    <p:sldId id="308" r:id="rId26"/>
+    <p:sldId id="315" r:id="rId27"/>
+    <p:sldId id="309" r:id="rId28"/>
+    <p:sldId id="311" r:id="rId29"/>
+    <p:sldId id="312" r:id="rId30"/>
+    <p:sldId id="284" r:id="rId31"/>
+    <p:sldId id="290" r:id="rId32"/>
+    <p:sldId id="293" r:id="rId33"/>
+    <p:sldId id="270" r:id="rId34"/>
+    <p:sldId id="271" r:id="rId35"/>
   </p:sldIdLst>
   <p:sldSz cx="12192000" cy="6858000"/>
   <p:notesSz cx="6858000" cy="9144000"/>
@@ -229,7 +233,7 @@
           <a:p>
             <a:fld id="{06253CCA-C154-4C2A-AEFE-CC2D929D183B}" type="datetimeFigureOut">
               <a:rPr lang="en-DE" smtClean="0"/>
-              <a:t>10/07/2023</a:t>
+              <a:t>04/08/2023</a:t>
             </a:fld>
             <a:endParaRPr lang="en-DE"/>
           </a:p>
@@ -650,7 +654,7 @@
           <a:p>
             <a:fld id="{42E8E644-D276-4DA5-987A-D63DAAA33BD0}" type="datetime8">
               <a:rPr lang="en-DE" smtClean="0"/>
-              <a:t>10/07/2023 20:12</a:t>
+              <a:t>04/08/2023 16:45</a:t>
             </a:fld>
             <a:endParaRPr lang="en-DE"/>
           </a:p>
@@ -858,7 +862,7 @@
           <a:p>
             <a:fld id="{2724B65E-FD4B-475C-A887-7EDCD0F4154A}" type="datetime8">
               <a:rPr lang="en-DE" smtClean="0"/>
-              <a:t>10/07/2023 20:12</a:t>
+              <a:t>04/08/2023 16:45</a:t>
             </a:fld>
             <a:endParaRPr lang="en-DE"/>
           </a:p>
@@ -1072,7 +1076,7 @@
           <a:p>
             <a:fld id="{C8772E8A-454B-4915-9369-9DA315FC76CD}" type="datetime8">
               <a:rPr lang="en-DE" smtClean="0"/>
-              <a:t>10/07/2023 20:12</a:t>
+              <a:t>04/08/2023 16:45</a:t>
             </a:fld>
             <a:endParaRPr lang="en-DE"/>
           </a:p>
@@ -1310,7 +1314,7 @@
           <a:p>
             <a:fld id="{2F9D6868-781B-48C4-ABDE-62829052F3A0}" type="datetime8">
               <a:rPr lang="en-DE" smtClean="0"/>
-              <a:t>10/07/2023 20:12</a:t>
+              <a:t>04/08/2023 16:45</a:t>
             </a:fld>
             <a:endParaRPr lang="en-DE"/>
           </a:p>
@@ -1590,7 +1594,7 @@
           <a:p>
             <a:fld id="{6CC3553B-829D-434F-9F2A-86E292237545}" type="datetime8">
               <a:rPr lang="en-DE" smtClean="0"/>
-              <a:t>10/07/2023 20:12</a:t>
+              <a:t>04/08/2023 16:45</a:t>
             </a:fld>
             <a:endParaRPr lang="en-DE"/>
           </a:p>
@@ -1862,7 +1866,7 @@
           <a:p>
             <a:fld id="{B1CBD070-8511-4873-912B-437831413ADA}" type="datetime8">
               <a:rPr lang="en-DE" smtClean="0"/>
-              <a:t>10/07/2023 20:12</a:t>
+              <a:t>04/08/2023 16:45</a:t>
             </a:fld>
             <a:endParaRPr lang="en-DE"/>
           </a:p>
@@ -2281,7 +2285,7 @@
           <a:p>
             <a:fld id="{D61BB191-F273-473D-BFE5-64A112D07C53}" type="datetime8">
               <a:rPr lang="en-DE" smtClean="0"/>
-              <a:t>10/07/2023 20:12</a:t>
+              <a:t>04/08/2023 16:45</a:t>
             </a:fld>
             <a:endParaRPr lang="en-DE"/>
           </a:p>
@@ -2427,7 +2431,7 @@
           <a:p>
             <a:fld id="{4DB94E3E-9206-4D0A-BAA9-9D117F490EE5}" type="datetime8">
               <a:rPr lang="en-DE" smtClean="0"/>
-              <a:t>10/07/2023 20:12</a:t>
+              <a:t>04/08/2023 16:45</a:t>
             </a:fld>
             <a:endParaRPr lang="en-DE"/>
           </a:p>
@@ -2544,7 +2548,7 @@
           <a:p>
             <a:fld id="{765BAEEF-D2B5-4CA8-A315-D36CC8206B8A}" type="datetime8">
               <a:rPr lang="en-DE" smtClean="0"/>
-              <a:t>10/07/2023 20:12</a:t>
+              <a:t>04/08/2023 16:45</a:t>
             </a:fld>
             <a:endParaRPr lang="en-DE"/>
           </a:p>
@@ -2861,7 +2865,7 @@
           <a:p>
             <a:fld id="{9F17F83F-410E-4DFC-8C83-BED89E14F7F5}" type="datetime8">
               <a:rPr lang="en-DE" smtClean="0"/>
-              <a:t>10/07/2023 20:12</a:t>
+              <a:t>04/08/2023 16:45</a:t>
             </a:fld>
             <a:endParaRPr lang="en-DE"/>
           </a:p>
@@ -3154,7 +3158,7 @@
           <a:p>
             <a:fld id="{5458C089-3892-466E-88BE-555E9B870723}" type="datetime8">
               <a:rPr lang="en-DE" smtClean="0"/>
-              <a:t>10/07/2023 20:12</a:t>
+              <a:t>04/08/2023 16:45</a:t>
             </a:fld>
             <a:endParaRPr lang="en-DE"/>
           </a:p>
@@ -3401,7 +3405,7 @@
           <a:p>
             <a:fld id="{0CE1139C-6158-4BB0-9CA3-212422006199}" type="datetime8">
               <a:rPr lang="en-DE" smtClean="0"/>
-              <a:t>10/07/2023 20:12</a:t>
+              <a:t>04/08/2023 16:45</a:t>
             </a:fld>
             <a:endParaRPr lang="en-DE"/>
           </a:p>
@@ -3887,22 +3891,9 @@
           <a:lstStyle/>
           <a:p>
             <a:r>
-              <a:rPr lang="en-US"/>
+              <a:rPr lang="en-US" dirty="0"/>
               <a:t>Fausto Carcassi</a:t>
             </a:r>
-          </a:p>
-          <a:p>
-            <a:r>
-              <a:rPr lang="en-US" dirty="0"/>
-              <a:t>10:40 – 12:30</a:t>
-            </a:r>
-          </a:p>
-          <a:p>
-            <a:r>
-              <a:rPr lang="en-US" dirty="0"/>
-              <a:t>(1h50m)</a:t>
-            </a:r>
-            <a:endParaRPr lang="en-DE" dirty="0"/>
           </a:p>
         </p:txBody>
       </p:sp>
@@ -13261,12 +13252,70 @@
           </a:p>
         </p:txBody>
       </p:sp>
+      <p:sp>
+        <p:nvSpPr>
+          <p:cNvPr id="4" name="Footer Placeholder 3">
+            <a:extLst>
+              <a:ext uri="{FF2B5EF4-FFF2-40B4-BE49-F238E27FC236}">
+                <a16:creationId xmlns:a16="http://schemas.microsoft.com/office/drawing/2014/main" id="{126B765E-5494-937B-D99A-7EAB4DEDA786}"/>
+              </a:ext>
+            </a:extLst>
+          </p:cNvPr>
+          <p:cNvSpPr>
+            <a:spLocks noGrp="1"/>
+          </p:cNvSpPr>
+          <p:nvPr>
+            <p:ph type="ftr" sz="quarter" idx="11"/>
+          </p:nvPr>
+        </p:nvSpPr>
+        <p:spPr/>
+        <p:txBody>
+          <a:bodyPr/>
+          <a:lstStyle/>
+          <a:p>
+            <a:r>
+              <a:rPr lang="en-US"/>
+              <a:t>Fausto Carcassi – A day with the pLoT</a:t>
+            </a:r>
+            <a:endParaRPr lang="en-DE"/>
+          </a:p>
+        </p:txBody>
+      </p:sp>
+      <p:sp>
+        <p:nvSpPr>
+          <p:cNvPr id="6" name="Slide Number Placeholder 5">
+            <a:extLst>
+              <a:ext uri="{FF2B5EF4-FFF2-40B4-BE49-F238E27FC236}">
+                <a16:creationId xmlns:a16="http://schemas.microsoft.com/office/drawing/2014/main" id="{9334D067-50A7-C2B3-E484-4F3851E3C97B}"/>
+              </a:ext>
+            </a:extLst>
+          </p:cNvPr>
+          <p:cNvSpPr>
+            <a:spLocks noGrp="1"/>
+          </p:cNvSpPr>
+          <p:nvPr>
+            <p:ph type="sldNum" sz="quarter" idx="12"/>
+          </p:nvPr>
+        </p:nvSpPr>
+        <p:spPr/>
+        <p:txBody>
+          <a:bodyPr/>
+          <a:lstStyle/>
+          <a:p>
+            <a:fld id="{87C6F9F5-FD91-41AF-9631-9F406EBEB36A}" type="slidenum">
+              <a:rPr lang="en-DE" smtClean="0"/>
+              <a:t>2</a:t>
+            </a:fld>
+            <a:endParaRPr lang="en-DE"/>
+          </a:p>
+        </p:txBody>
+      </p:sp>
       <p:graphicFrame>
         <p:nvGraphicFramePr>
-          <p:cNvPr id="5" name="Content Placeholder 3">
+          <p:cNvPr id="7" name="Content Placeholder 3">
             <a:extLst>
               <a:ext uri="{FF2B5EF4-FFF2-40B4-BE49-F238E27FC236}">
-                <a16:creationId xmlns:a16="http://schemas.microsoft.com/office/drawing/2014/main" id="{3C075DF2-4729-43E8-848C-35166BF735B3}"/>
+                <a16:creationId xmlns:a16="http://schemas.microsoft.com/office/drawing/2014/main" id="{4B6EC636-53EA-17DD-CA05-C498F8942104}"/>
               </a:ext>
             </a:extLst>
           </p:cNvPr>
@@ -13276,28 +13325,28 @@
           <p:nvPr>
             <p:extLst>
               <p:ext uri="{D42A27DB-BD31-4B8C-83A1-F6EECF244321}">
-                <p14:modId xmlns:p14="http://schemas.microsoft.com/office/powerpoint/2010/main" val="1604199404"/>
+                <p14:modId xmlns:p14="http://schemas.microsoft.com/office/powerpoint/2010/main" val="2588427066"/>
               </p:ext>
             </p:extLst>
           </p:nvPr>
         </p:nvGraphicFramePr>
         <p:xfrm>
-          <a:off x="6974286" y="2100086"/>
-          <a:ext cx="4429103" cy="3802416"/>
+          <a:off x="6995886" y="2695172"/>
+          <a:ext cx="4743580" cy="3040416"/>
         </p:xfrm>
         <a:graphic>
           <a:graphicData uri="http://schemas.openxmlformats.org/drawingml/2006/table">
             <a:tbl>
               <a:tblPr/>
               <a:tblGrid>
-                <a:gridCol w="1314096">
+                <a:gridCol w="890209">
                   <a:extLst>
                     <a:ext uri="{9D8B030D-6E8A-4147-A177-3AD203B41FA5}">
                       <a16:colId xmlns:a16="http://schemas.microsoft.com/office/drawing/2014/main" val="337463267"/>
                     </a:ext>
                   </a:extLst>
                 </a:gridCol>
-                <a:gridCol w="3115007">
+                <a:gridCol w="3853371">
                   <a:extLst>
                     <a:ext uri="{9D8B030D-6E8A-4147-A177-3AD203B41FA5}">
                       <a16:colId xmlns:a16="http://schemas.microsoft.com/office/drawing/2014/main" val="3286455243"/>
@@ -13313,11 +13362,14 @@
                     <a:p>
                       <a:pPr algn="r" fontAlgn="base" latinLnBrk="0"/>
                       <a:r>
-                        <a:rPr lang="en-DE" sz="1600" b="0" dirty="0">
+                        <a:rPr lang="en-US" sz="1600" b="0" dirty="0">
                           <a:effectLst/>
                         </a:rPr>
-                        <a:t>9:00-10:20</a:t>
+                        <a:t>Part I</a:t>
                       </a:r>
+                      <a:endParaRPr lang="en-DE" sz="1600" b="0" dirty="0">
+                        <a:effectLst/>
+                      </a:endParaRPr>
                     </a:p>
                   </a:txBody>
                   <a:tcPr marL="137160" marR="137160" marT="137160" marB="137160" anchor="ctr">
@@ -13366,16 +13418,7 @@
                         <a:rPr lang="en-US" sz="1600" b="0" dirty="0">
                           <a:effectLst/>
                         </a:rPr>
-                        <a:t>Introduction: </a:t>
-                      </a:r>
-                    </a:p>
-                    <a:p>
-                      <a:pPr fontAlgn="base" latinLnBrk="0"/>
-                      <a:r>
-                        <a:rPr lang="en-US" sz="1600" b="0" dirty="0">
-                          <a:effectLst/>
-                        </a:rPr>
-                        <a:t>On the very idea of an </a:t>
+                        <a:t>Introduction: On the very idea of an </a:t>
                       </a:r>
                       <a:r>
                         <a:rPr lang="en-US" sz="1600" b="0" dirty="0" err="1">
@@ -13438,11 +13481,14 @@
                     <a:p>
                       <a:pPr algn="r" fontAlgn="base" latinLnBrk="0"/>
                       <a:r>
-                        <a:rPr lang="en-DE" sz="1600" b="1" dirty="0">
+                        <a:rPr lang="en-US" sz="1600" b="1" dirty="0">
                           <a:effectLst/>
                         </a:rPr>
-                        <a:t>10:40-12:30</a:t>
+                        <a:t>Part II</a:t>
                       </a:r>
+                      <a:endParaRPr lang="en-DE" sz="1600" b="1" dirty="0">
+                        <a:effectLst/>
+                      </a:endParaRPr>
                     </a:p>
                   </a:txBody>
                   <a:tcPr marL="137160" marR="137160" marT="137160" marB="137160" anchor="ctr">
@@ -13545,117 +13591,10 @@
                     <a:p>
                       <a:pPr algn="r" fontAlgn="base" latinLnBrk="0"/>
                       <a:r>
-                        <a:rPr lang="en-DE" sz="1600">
-                          <a:effectLst/>
-                        </a:rPr>
-                        <a:t>12:30-13:30</a:t>
-                      </a:r>
-                    </a:p>
-                  </a:txBody>
-                  <a:tcPr marL="137160" marR="137160" marT="137160" marB="137160" anchor="ctr">
-                    <a:lnL>
-                      <a:noFill/>
-                    </a:lnL>
-                    <a:lnR w="12700" cap="flat" cmpd="sng" algn="ctr">
-                      <a:solidFill>
-                        <a:schemeClr val="tx1"/>
-                      </a:solidFill>
-                      <a:prstDash val="solid"/>
-                      <a:round/>
-                      <a:headEnd type="none" w="med" len="med"/>
-                      <a:tailEnd type="none" w="med" len="med"/>
-                    </a:lnR>
-                    <a:lnT w="12700" cap="flat" cmpd="sng" algn="ctr">
-                      <a:solidFill>
-                        <a:schemeClr val="tx1"/>
-                      </a:solidFill>
-                      <a:prstDash val="solid"/>
-                      <a:round/>
-                      <a:headEnd type="none" w="med" len="med"/>
-                      <a:tailEnd type="none" w="med" len="med"/>
-                    </a:lnT>
-                    <a:lnB w="12700" cap="flat" cmpd="sng" algn="ctr">
-                      <a:solidFill>
-                        <a:schemeClr val="tx1"/>
-                      </a:solidFill>
-                      <a:prstDash val="solid"/>
-                      <a:round/>
-                      <a:headEnd type="none" w="med" len="med"/>
-                      <a:tailEnd type="none" w="med" len="med"/>
-                    </a:lnB>
-                    <a:solidFill>
-                      <a:srgbClr val="F2F7FC"/>
-                    </a:solidFill>
-                  </a:tcPr>
-                </a:tc>
-                <a:tc>
-                  <a:txBody>
-                    <a:bodyPr/>
-                    <a:lstStyle/>
-                    <a:p>
-                      <a:pPr fontAlgn="base" latinLnBrk="0"/>
-                      <a:r>
                         <a:rPr lang="en-US" sz="1600" dirty="0">
                           <a:effectLst/>
                         </a:rPr>
-                        <a:t>Lunch</a:t>
-                      </a:r>
-                    </a:p>
-                  </a:txBody>
-                  <a:tcPr marL="137160" marR="137160" marT="137160" marB="137160" anchor="ctr">
-                    <a:lnL w="12700" cap="flat" cmpd="sng" algn="ctr">
-                      <a:solidFill>
-                        <a:schemeClr val="tx1"/>
-                      </a:solidFill>
-                      <a:prstDash val="solid"/>
-                      <a:round/>
-                      <a:headEnd type="none" w="med" len="med"/>
-                      <a:tailEnd type="none" w="med" len="med"/>
-                    </a:lnL>
-                    <a:lnR>
-                      <a:noFill/>
-                    </a:lnR>
-                    <a:lnT w="12700" cap="flat" cmpd="sng" algn="ctr">
-                      <a:solidFill>
-                        <a:schemeClr val="tx1"/>
-                      </a:solidFill>
-                      <a:prstDash val="solid"/>
-                      <a:round/>
-                      <a:headEnd type="none" w="med" len="med"/>
-                      <a:tailEnd type="none" w="med" len="med"/>
-                    </a:lnT>
-                    <a:lnB w="12700" cap="flat" cmpd="sng" algn="ctr">
-                      <a:solidFill>
-                        <a:schemeClr val="tx1"/>
-                      </a:solidFill>
-                      <a:prstDash val="solid"/>
-                      <a:round/>
-                      <a:headEnd type="none" w="med" len="med"/>
-                      <a:tailEnd type="none" w="med" len="med"/>
-                    </a:lnB>
-                    <a:solidFill>
-                      <a:srgbClr val="F2F7FC"/>
-                    </a:solidFill>
-                  </a:tcPr>
-                </a:tc>
-                <a:extLst>
-                  <a:ext uri="{0D108BD9-81ED-4DB2-BD59-A6C34878D82A}">
-                    <a16:rowId xmlns:a16="http://schemas.microsoft.com/office/drawing/2014/main" val="2830688470"/>
-                  </a:ext>
-                </a:extLst>
-              </a:tr>
-              <a:tr h="569604">
-                <a:tc>
-                  <a:txBody>
-                    <a:bodyPr/>
-                    <a:lstStyle/>
-                    <a:p>
-                      <a:pPr algn="r" fontAlgn="base" latinLnBrk="0"/>
-                      <a:r>
-                        <a:rPr lang="en-US" sz="1600" dirty="0">
-                          <a:effectLst/>
-                        </a:rPr>
-                        <a:t>13:30-15:00</a:t>
+                        <a:t>Part III</a:t>
                       </a:r>
                     </a:p>
                   </a:txBody>
@@ -13771,7 +13710,7 @@
                         <a:rPr lang="en-US" sz="1600" dirty="0">
                           <a:effectLst/>
                         </a:rPr>
-                        <a:t>15:20-16:30</a:t>
+                        <a:t>Part IV</a:t>
                       </a:r>
                     </a:p>
                   </a:txBody>
@@ -13875,11 +13814,14 @@
                     <a:p>
                       <a:pPr algn="r" fontAlgn="base" latinLnBrk="0"/>
                       <a:r>
-                        <a:rPr lang="en-DE" sz="1600" dirty="0">
+                        <a:rPr lang="en-US" sz="1600" dirty="0">
                           <a:effectLst/>
                         </a:rPr>
-                        <a:t>16:30-17:00</a:t>
+                        <a:t>Part V</a:t>
                       </a:r>
+                      <a:endParaRPr lang="en-DE" sz="1600" dirty="0">
+                        <a:effectLst/>
+                      </a:endParaRPr>
                     </a:p>
                   </a:txBody>
                   <a:tcPr marL="137160" marR="137160" marT="137160" marB="137160" anchor="ctr">
@@ -13922,7 +13864,7 @@
                         <a:rPr lang="en-US" sz="1600" dirty="0">
                           <a:effectLst/>
                         </a:rPr>
-                        <a:t>Summary</a:t>
+                        <a:t>Summary &amp; Future prospects</a:t>
                       </a:r>
                     </a:p>
                   </a:txBody>
@@ -13966,64 +13908,6 @@
           </a:graphicData>
         </a:graphic>
       </p:graphicFrame>
-      <p:sp>
-        <p:nvSpPr>
-          <p:cNvPr id="4" name="Footer Placeholder 3">
-            <a:extLst>
-              <a:ext uri="{FF2B5EF4-FFF2-40B4-BE49-F238E27FC236}">
-                <a16:creationId xmlns:a16="http://schemas.microsoft.com/office/drawing/2014/main" id="{126B765E-5494-937B-D99A-7EAB4DEDA786}"/>
-              </a:ext>
-            </a:extLst>
-          </p:cNvPr>
-          <p:cNvSpPr>
-            <a:spLocks noGrp="1"/>
-          </p:cNvSpPr>
-          <p:nvPr>
-            <p:ph type="ftr" sz="quarter" idx="11"/>
-          </p:nvPr>
-        </p:nvSpPr>
-        <p:spPr/>
-        <p:txBody>
-          <a:bodyPr/>
-          <a:lstStyle/>
-          <a:p>
-            <a:r>
-              <a:rPr lang="en-US"/>
-              <a:t>Fausto Carcassi – A day with the pLoT</a:t>
-            </a:r>
-            <a:endParaRPr lang="en-DE"/>
-          </a:p>
-        </p:txBody>
-      </p:sp>
-      <p:sp>
-        <p:nvSpPr>
-          <p:cNvPr id="6" name="Slide Number Placeholder 5">
-            <a:extLst>
-              <a:ext uri="{FF2B5EF4-FFF2-40B4-BE49-F238E27FC236}">
-                <a16:creationId xmlns:a16="http://schemas.microsoft.com/office/drawing/2014/main" id="{9334D067-50A7-C2B3-E484-4F3851E3C97B}"/>
-              </a:ext>
-            </a:extLst>
-          </p:cNvPr>
-          <p:cNvSpPr>
-            <a:spLocks noGrp="1"/>
-          </p:cNvSpPr>
-          <p:nvPr>
-            <p:ph type="sldNum" sz="quarter" idx="12"/>
-          </p:nvPr>
-        </p:nvSpPr>
-        <p:spPr/>
-        <p:txBody>
-          <a:bodyPr/>
-          <a:lstStyle/>
-          <a:p>
-            <a:fld id="{87C6F9F5-FD91-41AF-9631-9F406EBEB36A}" type="slidenum">
-              <a:rPr lang="en-DE" smtClean="0"/>
-              <a:t>2</a:t>
-            </a:fld>
-            <a:endParaRPr lang="en-DE"/>
-          </a:p>
-        </p:txBody>
-      </p:sp>
     </p:spTree>
     <p:extLst>
       <p:ext uri="{BB962C8B-B14F-4D97-AF65-F5344CB8AC3E}">
@@ -14236,6 +14120,325 @@
           <p:cNvPr id="2" name="Title 1">
             <a:extLst>
               <a:ext uri="{FF2B5EF4-FFF2-40B4-BE49-F238E27FC236}">
+                <a16:creationId xmlns:a16="http://schemas.microsoft.com/office/drawing/2014/main" id="{E183C27C-D851-B4D9-ACE1-2FC4CDCA97BF}"/>
+              </a:ext>
+            </a:extLst>
+          </p:cNvPr>
+          <p:cNvSpPr>
+            <a:spLocks noGrp="1"/>
+          </p:cNvSpPr>
+          <p:nvPr>
+            <p:ph type="title"/>
+          </p:nvPr>
+        </p:nvSpPr>
+        <p:spPr/>
+        <p:txBody>
+          <a:bodyPr/>
+          <a:lstStyle/>
+          <a:p>
+            <a:r>
+              <a:rPr lang="en-US" dirty="0"/>
+              <a:t>Probability &amp; conditional probability</a:t>
+            </a:r>
+            <a:endParaRPr lang="en-DE" dirty="0"/>
+          </a:p>
+        </p:txBody>
+      </p:sp>
+      <p:sp>
+        <p:nvSpPr>
+          <p:cNvPr id="3" name="Content Placeholder 2">
+            <a:extLst>
+              <a:ext uri="{FF2B5EF4-FFF2-40B4-BE49-F238E27FC236}">
+                <a16:creationId xmlns:a16="http://schemas.microsoft.com/office/drawing/2014/main" id="{559F45C1-C215-52BA-5291-2A6D2DD9DFDF}"/>
+              </a:ext>
+            </a:extLst>
+          </p:cNvPr>
+          <p:cNvSpPr>
+            <a:spLocks noGrp="1"/>
+          </p:cNvSpPr>
+          <p:nvPr>
+            <p:ph idx="1"/>
+          </p:nvPr>
+        </p:nvSpPr>
+        <p:spPr/>
+        <p:txBody>
+          <a:bodyPr>
+            <a:normAutofit fontScale="92500" lnSpcReduction="20000"/>
+          </a:bodyPr>
+          <a:lstStyle/>
+          <a:p>
+            <a:pPr marL="0" indent="0">
+              <a:buNone/>
+            </a:pPr>
+            <a:r>
+              <a:rPr lang="en-US" dirty="0"/>
+              <a:t>What is probability?</a:t>
+            </a:r>
+          </a:p>
+          <a:p>
+            <a:r>
+              <a:rPr lang="en-US" dirty="0"/>
+              <a:t>Feature of system in the world </a:t>
+            </a:r>
+          </a:p>
+          <a:p>
+            <a:pPr lvl="1"/>
+            <a:r>
+              <a:rPr lang="en-US" sz="2000" dirty="0"/>
+              <a:t>Dice </a:t>
+            </a:r>
+            <a:r>
+              <a:rPr lang="en-US" sz="2000" dirty="0" err="1"/>
+              <a:t>behaviour</a:t>
+            </a:r>
+            <a:r>
+              <a:rPr lang="en-US" sz="2000" dirty="0"/>
+              <a:t> over many rolls</a:t>
+            </a:r>
+          </a:p>
+          <a:p>
+            <a:r>
+              <a:rPr lang="en-US" dirty="0"/>
+              <a:t>Degree of support btw propositions</a:t>
+            </a:r>
+          </a:p>
+          <a:p>
+            <a:pPr lvl="1"/>
+            <a:r>
+              <a:rPr lang="en-US" sz="2000" dirty="0"/>
+              <a:t>“Given that it’s raining, we’ll </a:t>
+            </a:r>
+            <a:r>
+              <a:rPr lang="en-US" sz="2000" i="1" dirty="0"/>
+              <a:t>probably</a:t>
+            </a:r>
+            <a:r>
+              <a:rPr lang="en-US" sz="2000" dirty="0"/>
+              <a:t> get wet”</a:t>
+            </a:r>
+          </a:p>
+          <a:p>
+            <a:r>
+              <a:rPr lang="en-US" dirty="0"/>
+              <a:t>Strength or degree of a belief, or </a:t>
+            </a:r>
+            <a:r>
+              <a:rPr lang="en-US" i="1" dirty="0"/>
+              <a:t>credence</a:t>
+            </a:r>
+          </a:p>
+          <a:p>
+            <a:pPr lvl="1"/>
+            <a:r>
+              <a:rPr lang="en-US" sz="2000" dirty="0"/>
+              <a:t>“I think George is </a:t>
+            </a:r>
+            <a:r>
+              <a:rPr lang="en-US" sz="2000" i="1" dirty="0"/>
+              <a:t>probably</a:t>
+            </a:r>
+            <a:r>
+              <a:rPr lang="en-US" sz="2000" dirty="0"/>
+              <a:t> at the party”</a:t>
+            </a:r>
+            <a:endParaRPr lang="en-US" dirty="0"/>
+          </a:p>
+          <a:p>
+            <a:pPr marL="0" indent="0">
+              <a:buNone/>
+            </a:pPr>
+            <a:r>
+              <a:rPr lang="en-US" dirty="0"/>
+              <a:t>We write </a:t>
+            </a:r>
+          </a:p>
+          <a:p>
+            <a:r>
+              <a:rPr lang="en-US" dirty="0"/>
+              <a:t>P(A) for “credence of A”</a:t>
+            </a:r>
+          </a:p>
+          <a:p>
+            <a:r>
+              <a:rPr lang="en-US" dirty="0"/>
+              <a:t>P(A | B) for “credence of A given B”</a:t>
+            </a:r>
+          </a:p>
+          <a:p>
+            <a:pPr marL="0" indent="0">
+              <a:buNone/>
+            </a:pPr>
+            <a:r>
+              <a:rPr lang="en-US" dirty="0"/>
+              <a:t>In general, P(A | B) ≠ P(B | A)</a:t>
+            </a:r>
+          </a:p>
+          <a:p>
+            <a:r>
+              <a:rPr lang="en-US" dirty="0"/>
+              <a:t>P(X flies | X is a Kakapo) is </a:t>
+            </a:r>
+            <a:r>
+              <a:rPr lang="en-US" b="1" dirty="0"/>
+              <a:t>high</a:t>
+            </a:r>
+            <a:r>
+              <a:rPr lang="en-US" dirty="0"/>
+              <a:t>, P(X is a Kakapo | X flies) is </a:t>
+            </a:r>
+            <a:r>
+              <a:rPr lang="en-US" b="1" dirty="0"/>
+              <a:t>low</a:t>
+            </a:r>
+            <a:endParaRPr lang="en-DE" dirty="0"/>
+          </a:p>
+        </p:txBody>
+      </p:sp>
+      <p:sp>
+        <p:nvSpPr>
+          <p:cNvPr id="4" name="Footer Placeholder 3">
+            <a:extLst>
+              <a:ext uri="{FF2B5EF4-FFF2-40B4-BE49-F238E27FC236}">
+                <a16:creationId xmlns:a16="http://schemas.microsoft.com/office/drawing/2014/main" id="{3C762B24-3D6E-0417-F032-8A5512AF2C1A}"/>
+              </a:ext>
+            </a:extLst>
+          </p:cNvPr>
+          <p:cNvSpPr>
+            <a:spLocks noGrp="1"/>
+          </p:cNvSpPr>
+          <p:nvPr>
+            <p:ph type="ftr" sz="quarter" idx="11"/>
+          </p:nvPr>
+        </p:nvSpPr>
+        <p:spPr/>
+        <p:txBody>
+          <a:bodyPr/>
+          <a:lstStyle/>
+          <a:p>
+            <a:r>
+              <a:rPr lang="en-US"/>
+              <a:t>Fausto Carcassi – A day with the pLoT</a:t>
+            </a:r>
+            <a:endParaRPr lang="en-DE"/>
+          </a:p>
+        </p:txBody>
+      </p:sp>
+      <p:sp>
+        <p:nvSpPr>
+          <p:cNvPr id="5" name="Slide Number Placeholder 4">
+            <a:extLst>
+              <a:ext uri="{FF2B5EF4-FFF2-40B4-BE49-F238E27FC236}">
+                <a16:creationId xmlns:a16="http://schemas.microsoft.com/office/drawing/2014/main" id="{2DF14216-071D-BF9E-F8AE-38CC20F11EBF}"/>
+              </a:ext>
+            </a:extLst>
+          </p:cNvPr>
+          <p:cNvSpPr>
+            <a:spLocks noGrp="1"/>
+          </p:cNvSpPr>
+          <p:nvPr>
+            <p:ph type="sldNum" sz="quarter" idx="12"/>
+          </p:nvPr>
+        </p:nvSpPr>
+        <p:spPr/>
+        <p:txBody>
+          <a:bodyPr/>
+          <a:lstStyle/>
+          <a:p>
+            <a:fld id="{87C6F9F5-FD91-41AF-9631-9F406EBEB36A}" type="slidenum">
+              <a:rPr lang="en-DE" smtClean="0"/>
+              <a:t>20</a:t>
+            </a:fld>
+            <a:endParaRPr lang="en-DE"/>
+          </a:p>
+        </p:txBody>
+      </p:sp>
+      <p:pic>
+        <p:nvPicPr>
+          <p:cNvPr id="1026" name="Picture 2" descr="THE 10 RAREST BIRDS IN THE WORLD – Nature Anywhere">
+            <a:extLst>
+              <a:ext uri="{FF2B5EF4-FFF2-40B4-BE49-F238E27FC236}">
+                <a16:creationId xmlns:a16="http://schemas.microsoft.com/office/drawing/2014/main" id="{02FB5B73-5527-C597-164A-2F66B499C43E}"/>
+              </a:ext>
+            </a:extLst>
+          </p:cNvPr>
+          <p:cNvPicPr>
+            <a:picLocks noChangeAspect="1" noChangeArrowheads="1"/>
+          </p:cNvPicPr>
+          <p:nvPr/>
+        </p:nvPicPr>
+        <p:blipFill>
+          <a:blip r:embed="rId2">
+            <a:extLst>
+              <a:ext uri="{28A0092B-C50C-407E-A947-70E740481C1C}">
+                <a14:useLocalDpi xmlns:a14="http://schemas.microsoft.com/office/drawing/2010/main" val="0"/>
+              </a:ext>
+            </a:extLst>
+          </a:blip>
+          <a:srcRect/>
+          <a:stretch>
+            <a:fillRect/>
+          </a:stretch>
+        </p:blipFill>
+        <p:spPr bwMode="auto">
+          <a:xfrm>
+            <a:off x="7171266" y="1924957"/>
+            <a:ext cx="3008085" cy="3008085"/>
+          </a:xfrm>
+          <a:prstGeom prst="rect">
+            <a:avLst/>
+          </a:prstGeom>
+          <a:noFill/>
+          <a:ln>
+            <a:solidFill>
+              <a:schemeClr val="tx1"/>
+            </a:solidFill>
+          </a:ln>
+          <a:extLst>
+            <a:ext uri="{909E8E84-426E-40DD-AFC4-6F175D3DCCD1}">
+              <a14:hiddenFill xmlns:a14="http://schemas.microsoft.com/office/drawing/2010/main">
+                <a:solidFill>
+                  <a:srgbClr val="FFFFFF"/>
+                </a:solidFill>
+              </a14:hiddenFill>
+            </a:ext>
+          </a:extLst>
+        </p:spPr>
+      </p:pic>
+    </p:spTree>
+    <p:extLst>
+      <p:ext uri="{BB962C8B-B14F-4D97-AF65-F5344CB8AC3E}">
+        <p14:creationId xmlns:p14="http://schemas.microsoft.com/office/powerpoint/2010/main" val="2153857431"/>
+      </p:ext>
+    </p:extLst>
+  </p:cSld>
+  <p:clrMapOvr>
+    <a:masterClrMapping/>
+  </p:clrMapOvr>
+</p:sld>
+</file>
+
+<file path=ppt/slides/slide21.xml><?xml version="1.0" encoding="utf-8"?>
+<p:sld xmlns:a="http://schemas.openxmlformats.org/drawingml/2006/main" xmlns:r="http://schemas.openxmlformats.org/officeDocument/2006/relationships" xmlns:p="http://schemas.openxmlformats.org/presentationml/2006/main">
+  <p:cSld>
+    <p:spTree>
+      <p:nvGrpSpPr>
+        <p:cNvPr id="1" name=""/>
+        <p:cNvGrpSpPr/>
+        <p:nvPr/>
+      </p:nvGrpSpPr>
+      <p:grpSpPr>
+        <a:xfrm>
+          <a:off x="0" y="0"/>
+          <a:ext cx="0" cy="0"/>
+          <a:chOff x="0" y="0"/>
+          <a:chExt cx="0" cy="0"/>
+        </a:xfrm>
+      </p:grpSpPr>
+      <p:sp>
+        <p:nvSpPr>
+          <p:cNvPr id="2" name="Title 1">
+            <a:extLst>
+              <a:ext uri="{FF2B5EF4-FFF2-40B4-BE49-F238E27FC236}">
                 <a16:creationId xmlns:a16="http://schemas.microsoft.com/office/drawing/2014/main" id="{FF70D06A-9529-EC6D-8718-9EA2AF1D3077}"/>
               </a:ext>
             </a:extLst>
@@ -14288,9 +14491,12 @@
           </a:bodyPr>
           <a:lstStyle/>
           <a:p>
+            <a:pPr marL="0" indent="0">
+              <a:buNone/>
+            </a:pPr>
             <a:r>
               <a:rPr lang="en-US" dirty="0"/>
-              <a:t>Question: “Is my new haircut better than previous one?”</a:t>
+              <a:t>Question: “Is my new haircut better than the old one?”</a:t>
             </a:r>
           </a:p>
           <a:p>
@@ -14431,7 +14637,7 @@
           <a:p>
             <a:fld id="{87C6F9F5-FD91-41AF-9631-9F406EBEB36A}" type="slidenum">
               <a:rPr lang="en-DE" smtClean="0"/>
-              <a:t>20</a:t>
+              <a:t>21</a:t>
             </a:fld>
             <a:endParaRPr lang="en-DE"/>
           </a:p>
@@ -15095,7 +15301,264 @@
 </p:sld>
 </file>
 
-<file path=ppt/slides/slide21.xml><?xml version="1.0" encoding="utf-8"?>
+<file path=ppt/slides/slide22.xml><?xml version="1.0" encoding="utf-8"?>
+<p:sld xmlns:a="http://schemas.openxmlformats.org/drawingml/2006/main" xmlns:r="http://schemas.openxmlformats.org/officeDocument/2006/relationships" xmlns:p="http://schemas.openxmlformats.org/presentationml/2006/main">
+  <p:cSld>
+    <p:spTree>
+      <p:nvGrpSpPr>
+        <p:cNvPr id="1" name=""/>
+        <p:cNvGrpSpPr/>
+        <p:nvPr/>
+      </p:nvGrpSpPr>
+      <p:grpSpPr>
+        <a:xfrm>
+          <a:off x="0" y="0"/>
+          <a:ext cx="0" cy="0"/>
+          <a:chOff x="0" y="0"/>
+          <a:chExt cx="0" cy="0"/>
+        </a:xfrm>
+      </p:grpSpPr>
+      <p:sp>
+        <p:nvSpPr>
+          <p:cNvPr id="2" name="Title 1">
+            <a:extLst>
+              <a:ext uri="{FF2B5EF4-FFF2-40B4-BE49-F238E27FC236}">
+                <a16:creationId xmlns:a16="http://schemas.microsoft.com/office/drawing/2014/main" id="{E183C27C-D851-B4D9-ACE1-2FC4CDCA97BF}"/>
+              </a:ext>
+            </a:extLst>
+          </p:cNvPr>
+          <p:cNvSpPr>
+            <a:spLocks noGrp="1"/>
+          </p:cNvSpPr>
+          <p:nvPr>
+            <p:ph type="title"/>
+          </p:nvPr>
+        </p:nvSpPr>
+        <p:spPr/>
+        <p:txBody>
+          <a:bodyPr/>
+          <a:lstStyle/>
+          <a:p>
+            <a:r>
+              <a:rPr lang="en-US" dirty="0"/>
+              <a:t>A motivating example</a:t>
+            </a:r>
+            <a:endParaRPr lang="en-DE" dirty="0"/>
+          </a:p>
+        </p:txBody>
+      </p:sp>
+      <p:sp>
+        <p:nvSpPr>
+          <p:cNvPr id="3" name="Content Placeholder 2">
+            <a:extLst>
+              <a:ext uri="{FF2B5EF4-FFF2-40B4-BE49-F238E27FC236}">
+                <a16:creationId xmlns:a16="http://schemas.microsoft.com/office/drawing/2014/main" id="{559F45C1-C215-52BA-5291-2A6D2DD9DFDF}"/>
+              </a:ext>
+            </a:extLst>
+          </p:cNvPr>
+          <p:cNvSpPr>
+            <a:spLocks noGrp="1"/>
+          </p:cNvSpPr>
+          <p:nvPr>
+            <p:ph idx="1"/>
+          </p:nvPr>
+        </p:nvSpPr>
+        <p:spPr/>
+        <p:txBody>
+          <a:bodyPr/>
+          <a:lstStyle/>
+          <a:p>
+            <a:endParaRPr lang="en-DE" dirty="0"/>
+          </a:p>
+        </p:txBody>
+      </p:sp>
+      <p:sp>
+        <p:nvSpPr>
+          <p:cNvPr id="4" name="Footer Placeholder 3">
+            <a:extLst>
+              <a:ext uri="{FF2B5EF4-FFF2-40B4-BE49-F238E27FC236}">
+                <a16:creationId xmlns:a16="http://schemas.microsoft.com/office/drawing/2014/main" id="{3C762B24-3D6E-0417-F032-8A5512AF2C1A}"/>
+              </a:ext>
+            </a:extLst>
+          </p:cNvPr>
+          <p:cNvSpPr>
+            <a:spLocks noGrp="1"/>
+          </p:cNvSpPr>
+          <p:nvPr>
+            <p:ph type="ftr" sz="quarter" idx="11"/>
+          </p:nvPr>
+        </p:nvSpPr>
+        <p:spPr/>
+        <p:txBody>
+          <a:bodyPr/>
+          <a:lstStyle/>
+          <a:p>
+            <a:r>
+              <a:rPr lang="en-US"/>
+              <a:t>Fausto Carcassi – A day with the pLoT</a:t>
+            </a:r>
+            <a:endParaRPr lang="en-DE"/>
+          </a:p>
+        </p:txBody>
+      </p:sp>
+      <p:sp>
+        <p:nvSpPr>
+          <p:cNvPr id="5" name="Slide Number Placeholder 4">
+            <a:extLst>
+              <a:ext uri="{FF2B5EF4-FFF2-40B4-BE49-F238E27FC236}">
+                <a16:creationId xmlns:a16="http://schemas.microsoft.com/office/drawing/2014/main" id="{2DF14216-071D-BF9E-F8AE-38CC20F11EBF}"/>
+              </a:ext>
+            </a:extLst>
+          </p:cNvPr>
+          <p:cNvSpPr>
+            <a:spLocks noGrp="1"/>
+          </p:cNvSpPr>
+          <p:nvPr>
+            <p:ph type="sldNum" sz="quarter" idx="12"/>
+          </p:nvPr>
+        </p:nvSpPr>
+        <p:spPr/>
+        <p:txBody>
+          <a:bodyPr/>
+          <a:lstStyle/>
+          <a:p>
+            <a:fld id="{87C6F9F5-FD91-41AF-9631-9F406EBEB36A}" type="slidenum">
+              <a:rPr lang="en-DE" smtClean="0"/>
+              <a:t>22</a:t>
+            </a:fld>
+            <a:endParaRPr lang="en-DE"/>
+          </a:p>
+        </p:txBody>
+      </p:sp>
+      <p:pic>
+        <p:nvPicPr>
+          <p:cNvPr id="22" name="Picture 21" descr="\documentclass{article}&#10;\usepackage{amsmath, mathtools}&#10;\pagestyle{empty}&#10;\begin{document}&#10;\begin{equation*}&#10;P(\text{Improvement} \mid \text{`Yes' from mum}) = &#10;\frac{&#10;P(\text{`Yes' from mum} \mid \text{Improvement}) P(\text{Improvement})&#10;}{&#10;P(D)&#10;}&#10;\end{equation*}&#10;\end{document}" title="IguanaTex Bitmap Display">
+            <a:extLst>
+              <a:ext uri="{FF2B5EF4-FFF2-40B4-BE49-F238E27FC236}">
+                <a16:creationId xmlns:a16="http://schemas.microsoft.com/office/drawing/2014/main" id="{C305985D-22D4-E834-4328-A74F66C70F77}"/>
+              </a:ext>
+            </a:extLst>
+          </p:cNvPr>
+          <p:cNvPicPr>
+            <a:picLocks noChangeAspect="1"/>
+          </p:cNvPicPr>
+          <p:nvPr>
+            <p:custDataLst>
+              <p:tags r:id="rId1"/>
+            </p:custDataLst>
+          </p:nvPr>
+        </p:nvPicPr>
+        <p:blipFill>
+          <a:blip r:embed="rId3">
+            <a:extLst>
+              <a:ext uri="{28A0092B-C50C-407E-A947-70E740481C1C}">
+                <a14:useLocalDpi xmlns:a14="http://schemas.microsoft.com/office/drawing/2010/main" val="0"/>
+              </a:ext>
+            </a:extLst>
+          </a:blip>
+          <a:stretch>
+            <a:fillRect/>
+          </a:stretch>
+        </p:blipFill>
+        <p:spPr>
+          <a:xfrm>
+            <a:off x="1550915" y="2450442"/>
+            <a:ext cx="9090170" cy="558038"/>
+          </a:xfrm>
+          <a:prstGeom prst="rect">
+            <a:avLst/>
+          </a:prstGeom>
+        </p:spPr>
+      </p:pic>
+    </p:spTree>
+    <p:extLst>
+      <p:ext uri="{BB962C8B-B14F-4D97-AF65-F5344CB8AC3E}">
+        <p14:creationId xmlns:p14="http://schemas.microsoft.com/office/powerpoint/2010/main" val="520205890"/>
+      </p:ext>
+    </p:extLst>
+  </p:cSld>
+  <p:clrMapOvr>
+    <a:masterClrMapping/>
+  </p:clrMapOvr>
+  <p:timing>
+    <p:tnLst>
+      <p:par>
+        <p:cTn id="1" dur="indefinite" restart="never" nodeType="tmRoot">
+          <p:childTnLst>
+            <p:seq concurrent="1" nextAc="seek">
+              <p:cTn id="2" dur="indefinite" nodeType="mainSeq">
+                <p:childTnLst>
+                  <p:par>
+                    <p:cTn id="3" fill="hold">
+                      <p:stCondLst>
+                        <p:cond delay="indefinite"/>
+                      </p:stCondLst>
+                      <p:childTnLst>
+                        <p:par>
+                          <p:cTn id="4" fill="hold">
+                            <p:stCondLst>
+                              <p:cond delay="0"/>
+                            </p:stCondLst>
+                            <p:childTnLst>
+                              <p:par>
+                                <p:cTn id="5" presetID="1" presetClass="entr" presetSubtype="0" fill="hold" nodeType="clickEffect">
+                                  <p:stCondLst>
+                                    <p:cond delay="0"/>
+                                  </p:stCondLst>
+                                  <p:childTnLst>
+                                    <p:set>
+                                      <p:cBhvr>
+                                        <p:cTn id="6" dur="1" fill="hold">
+                                          <p:stCondLst>
+                                            <p:cond delay="0"/>
+                                          </p:stCondLst>
+                                        </p:cTn>
+                                        <p:tgtEl>
+                                          <p:spTgt spid="22"/>
+                                        </p:tgtEl>
+                                        <p:attrNameLst>
+                                          <p:attrName>style.visibility</p:attrName>
+                                        </p:attrNameLst>
+                                      </p:cBhvr>
+                                      <p:to>
+                                        <p:strVal val="visible"/>
+                                      </p:to>
+                                    </p:set>
+                                  </p:childTnLst>
+                                </p:cTn>
+                              </p:par>
+                            </p:childTnLst>
+                          </p:cTn>
+                        </p:par>
+                      </p:childTnLst>
+                    </p:cTn>
+                  </p:par>
+                </p:childTnLst>
+              </p:cTn>
+              <p:prevCondLst>
+                <p:cond evt="onPrev" delay="0">
+                  <p:tgtEl>
+                    <p:sldTgt/>
+                  </p:tgtEl>
+                </p:cond>
+              </p:prevCondLst>
+              <p:nextCondLst>
+                <p:cond evt="onNext" delay="0">
+                  <p:tgtEl>
+                    <p:sldTgt/>
+                  </p:tgtEl>
+                </p:cond>
+              </p:nextCondLst>
+            </p:seq>
+          </p:childTnLst>
+        </p:cTn>
+      </p:par>
+    </p:tnLst>
+  </p:timing>
+</p:sld>
+</file>
+
+<file path=ppt/slides/slide23.xml><?xml version="1.0" encoding="utf-8"?>
 <p:sld xmlns:a="http://schemas.openxmlformats.org/drawingml/2006/main" xmlns:r="http://schemas.openxmlformats.org/officeDocument/2006/relationships" xmlns:p="http://schemas.openxmlformats.org/presentationml/2006/main">
   <p:cSld>
     <p:spTree>
@@ -15342,7 +15805,7 @@
           <a:p>
             <a:fld id="{87C6F9F5-FD91-41AF-9631-9F406EBEB36A}" type="slidenum">
               <a:rPr lang="en-DE" smtClean="0"/>
-              <a:t>21</a:t>
+              <a:t>23</a:t>
             </a:fld>
             <a:endParaRPr lang="en-DE"/>
           </a:p>
@@ -15681,7 +16144,7 @@
 </p:sld>
 </file>
 
-<file path=ppt/slides/slide22.xml><?xml version="1.0" encoding="utf-8"?>
+<file path=ppt/slides/slide24.xml><?xml version="1.0" encoding="utf-8"?>
 <p:sld xmlns:a="http://schemas.openxmlformats.org/drawingml/2006/main" xmlns:r="http://schemas.openxmlformats.org/officeDocument/2006/relationships" xmlns:p="http://schemas.openxmlformats.org/presentationml/2006/main">
   <p:cSld>
     <p:spTree>
@@ -15954,7 +16417,7 @@
           <a:p>
             <a:fld id="{87C6F9F5-FD91-41AF-9631-9F406EBEB36A}" type="slidenum">
               <a:rPr lang="en-DE" smtClean="0"/>
-              <a:t>22</a:t>
+              <a:t>24</a:t>
             </a:fld>
             <a:endParaRPr lang="en-DE"/>
           </a:p>
@@ -16444,7 +16907,7 @@
 </p:sld>
 </file>
 
-<file path=ppt/slides/slide23.xml><?xml version="1.0" encoding="utf-8"?>
+<file path=ppt/slides/slide25.xml><?xml version="1.0" encoding="utf-8"?>
 <p:sld xmlns:a="http://schemas.openxmlformats.org/drawingml/2006/main" xmlns:r="http://schemas.openxmlformats.org/officeDocument/2006/relationships" xmlns:p="http://schemas.openxmlformats.org/presentationml/2006/main">
   <p:cSld>
     <p:spTree>
@@ -16679,7 +17142,7 @@
           <a:p>
             <a:fld id="{87C6F9F5-FD91-41AF-9631-9F406EBEB36A}" type="slidenum">
               <a:rPr lang="en-DE" smtClean="0"/>
-              <a:t>23</a:t>
+              <a:t>25</a:t>
             </a:fld>
             <a:endParaRPr lang="en-DE"/>
           </a:p>
@@ -16698,7 +17161,778 @@
 </p:sld>
 </file>
 
-<file path=ppt/slides/slide24.xml><?xml version="1.0" encoding="utf-8"?>
+<file path=ppt/slides/slide26.xml><?xml version="1.0" encoding="utf-8"?>
+<p:sld xmlns:a="http://schemas.openxmlformats.org/drawingml/2006/main" xmlns:r="http://schemas.openxmlformats.org/officeDocument/2006/relationships" xmlns:p="http://schemas.openxmlformats.org/presentationml/2006/main">
+  <p:cSld>
+    <p:spTree>
+      <p:nvGrpSpPr>
+        <p:cNvPr id="1" name=""/>
+        <p:cNvGrpSpPr/>
+        <p:nvPr/>
+      </p:nvGrpSpPr>
+      <p:grpSpPr>
+        <a:xfrm>
+          <a:off x="0" y="0"/>
+          <a:ext cx="0" cy="0"/>
+          <a:chOff x="0" y="0"/>
+          <a:chExt cx="0" cy="0"/>
+        </a:xfrm>
+      </p:grpSpPr>
+      <p:sp>
+        <p:nvSpPr>
+          <p:cNvPr id="2" name="Title 1">
+            <a:extLst>
+              <a:ext uri="{FF2B5EF4-FFF2-40B4-BE49-F238E27FC236}">
+                <a16:creationId xmlns:a16="http://schemas.microsoft.com/office/drawing/2014/main" id="{F73564EE-7651-50DC-D6AC-837DEC7FF876}"/>
+              </a:ext>
+            </a:extLst>
+          </p:cNvPr>
+          <p:cNvSpPr>
+            <a:spLocks noGrp="1"/>
+          </p:cNvSpPr>
+          <p:nvPr>
+            <p:ph type="title"/>
+          </p:nvPr>
+        </p:nvSpPr>
+        <p:spPr/>
+        <p:txBody>
+          <a:bodyPr/>
+          <a:lstStyle/>
+          <a:p>
+            <a:r>
+              <a:rPr lang="en-US" dirty="0"/>
+              <a:t>The grand plan of the pLoT</a:t>
+            </a:r>
+            <a:endParaRPr lang="en-DE" dirty="0"/>
+          </a:p>
+        </p:txBody>
+      </p:sp>
+      <p:sp>
+        <p:nvSpPr>
+          <p:cNvPr id="4" name="Footer Placeholder 3">
+            <a:extLst>
+              <a:ext uri="{FF2B5EF4-FFF2-40B4-BE49-F238E27FC236}">
+                <a16:creationId xmlns:a16="http://schemas.microsoft.com/office/drawing/2014/main" id="{5A6D5A96-DB9E-44B9-615D-C90E7346747A}"/>
+              </a:ext>
+            </a:extLst>
+          </p:cNvPr>
+          <p:cNvSpPr>
+            <a:spLocks noGrp="1"/>
+          </p:cNvSpPr>
+          <p:nvPr>
+            <p:ph type="ftr" sz="quarter" idx="11"/>
+          </p:nvPr>
+        </p:nvSpPr>
+        <p:spPr/>
+        <p:txBody>
+          <a:bodyPr/>
+          <a:lstStyle/>
+          <a:p>
+            <a:r>
+              <a:rPr lang="en-US"/>
+              <a:t>Fausto Carcassi – A day with the pLoT</a:t>
+            </a:r>
+            <a:endParaRPr lang="en-DE"/>
+          </a:p>
+        </p:txBody>
+      </p:sp>
+      <p:sp>
+        <p:nvSpPr>
+          <p:cNvPr id="5" name="Slide Number Placeholder 4">
+            <a:extLst>
+              <a:ext uri="{FF2B5EF4-FFF2-40B4-BE49-F238E27FC236}">
+                <a16:creationId xmlns:a16="http://schemas.microsoft.com/office/drawing/2014/main" id="{98CFB758-432A-E82E-2A13-B49558A3F12E}"/>
+              </a:ext>
+            </a:extLst>
+          </p:cNvPr>
+          <p:cNvSpPr>
+            <a:spLocks noGrp="1"/>
+          </p:cNvSpPr>
+          <p:nvPr>
+            <p:ph type="sldNum" sz="quarter" idx="12"/>
+          </p:nvPr>
+        </p:nvSpPr>
+        <p:spPr/>
+        <p:txBody>
+          <a:bodyPr/>
+          <a:lstStyle/>
+          <a:p>
+            <a:fld id="{87C6F9F5-FD91-41AF-9631-9F406EBEB36A}" type="slidenum">
+              <a:rPr lang="en-DE" smtClean="0"/>
+              <a:t>26</a:t>
+            </a:fld>
+            <a:endParaRPr lang="en-DE"/>
+          </a:p>
+        </p:txBody>
+      </p:sp>
+      <p:sp>
+        <p:nvSpPr>
+          <p:cNvPr id="6" name="Content Placeholder 2">
+            <a:extLst>
+              <a:ext uri="{FF2B5EF4-FFF2-40B4-BE49-F238E27FC236}">
+                <a16:creationId xmlns:a16="http://schemas.microsoft.com/office/drawing/2014/main" id="{F7671968-4188-6649-3936-DA2357A42CBF}"/>
+              </a:ext>
+            </a:extLst>
+          </p:cNvPr>
+          <p:cNvSpPr txBox="1">
+            <a:spLocks/>
+          </p:cNvSpPr>
+          <p:nvPr/>
+        </p:nvSpPr>
+        <p:spPr>
+          <a:xfrm>
+            <a:off x="843039" y="1825625"/>
+            <a:ext cx="4836885" cy="4351338"/>
+          </a:xfrm>
+          <a:prstGeom prst="rect">
+            <a:avLst/>
+          </a:prstGeom>
+        </p:spPr>
+        <p:txBody>
+          <a:bodyPr vert="horz" lIns="91440" tIns="45720" rIns="91440" bIns="45720" rtlCol="0">
+            <a:normAutofit lnSpcReduction="10000"/>
+          </a:bodyPr>
+          <a:lstStyle>
+            <a:lvl1pPr marL="228600" indent="-228600" algn="l" defTabSz="914400" rtl="0" eaLnBrk="1" latinLnBrk="0" hangingPunct="1">
+              <a:lnSpc>
+                <a:spcPct val="90000"/>
+              </a:lnSpc>
+              <a:spcBef>
+                <a:spcPts val="1000"/>
+              </a:spcBef>
+              <a:buFont typeface="Arial" panose="020B0604020202020204" pitchFamily="34" charset="0"/>
+              <a:buChar char="•"/>
+              <a:defRPr sz="2400" kern="1200">
+                <a:solidFill>
+                  <a:schemeClr val="tx1"/>
+                </a:solidFill>
+                <a:latin typeface="Georgia" panose="02040502050405020303" pitchFamily="18" charset="0"/>
+                <a:ea typeface="+mn-ea"/>
+                <a:cs typeface="+mn-cs"/>
+              </a:defRPr>
+            </a:lvl1pPr>
+            <a:lvl2pPr marL="685800" indent="-228600" algn="l" defTabSz="914400" rtl="0" eaLnBrk="1" latinLnBrk="0" hangingPunct="1">
+              <a:lnSpc>
+                <a:spcPct val="90000"/>
+              </a:lnSpc>
+              <a:spcBef>
+                <a:spcPts val="500"/>
+              </a:spcBef>
+              <a:buFont typeface="Arial" panose="020B0604020202020204" pitchFamily="34" charset="0"/>
+              <a:buChar char="•"/>
+              <a:defRPr sz="2400" kern="1200">
+                <a:solidFill>
+                  <a:schemeClr val="tx1"/>
+                </a:solidFill>
+                <a:latin typeface="Georgia" panose="02040502050405020303" pitchFamily="18" charset="0"/>
+                <a:ea typeface="+mn-ea"/>
+                <a:cs typeface="+mn-cs"/>
+              </a:defRPr>
+            </a:lvl2pPr>
+            <a:lvl3pPr marL="1143000" indent="-228600" algn="l" defTabSz="914400" rtl="0" eaLnBrk="1" latinLnBrk="0" hangingPunct="1">
+              <a:lnSpc>
+                <a:spcPct val="90000"/>
+              </a:lnSpc>
+              <a:spcBef>
+                <a:spcPts val="500"/>
+              </a:spcBef>
+              <a:buFont typeface="Arial" panose="020B0604020202020204" pitchFamily="34" charset="0"/>
+              <a:buChar char="•"/>
+              <a:defRPr sz="2400" kern="1200">
+                <a:solidFill>
+                  <a:schemeClr val="tx1"/>
+                </a:solidFill>
+                <a:latin typeface="Georgia" panose="02040502050405020303" pitchFamily="18" charset="0"/>
+                <a:ea typeface="+mn-ea"/>
+                <a:cs typeface="+mn-cs"/>
+              </a:defRPr>
+            </a:lvl3pPr>
+            <a:lvl4pPr marL="1600200" indent="-228600" algn="l" defTabSz="914400" rtl="0" eaLnBrk="1" latinLnBrk="0" hangingPunct="1">
+              <a:lnSpc>
+                <a:spcPct val="90000"/>
+              </a:lnSpc>
+              <a:spcBef>
+                <a:spcPts val="500"/>
+              </a:spcBef>
+              <a:buFont typeface="Arial" panose="020B0604020202020204" pitchFamily="34" charset="0"/>
+              <a:buChar char="•"/>
+              <a:defRPr sz="2400" kern="1200">
+                <a:solidFill>
+                  <a:schemeClr val="tx1"/>
+                </a:solidFill>
+                <a:latin typeface="Georgia" panose="02040502050405020303" pitchFamily="18" charset="0"/>
+                <a:ea typeface="+mn-ea"/>
+                <a:cs typeface="+mn-cs"/>
+              </a:defRPr>
+            </a:lvl4pPr>
+            <a:lvl5pPr marL="2057400" indent="-228600" algn="l" defTabSz="914400" rtl="0" eaLnBrk="1" latinLnBrk="0" hangingPunct="1">
+              <a:lnSpc>
+                <a:spcPct val="90000"/>
+              </a:lnSpc>
+              <a:spcBef>
+                <a:spcPts val="500"/>
+              </a:spcBef>
+              <a:buFont typeface="Arial" panose="020B0604020202020204" pitchFamily="34" charset="0"/>
+              <a:buChar char="•"/>
+              <a:defRPr sz="2400" kern="1200">
+                <a:solidFill>
+                  <a:schemeClr val="tx1"/>
+                </a:solidFill>
+                <a:latin typeface="Georgia" panose="02040502050405020303" pitchFamily="18" charset="0"/>
+                <a:ea typeface="+mn-ea"/>
+                <a:cs typeface="+mn-cs"/>
+              </a:defRPr>
+            </a:lvl5pPr>
+            <a:lvl6pPr marL="2514600" indent="-228600" algn="l" defTabSz="914400" rtl="0" eaLnBrk="1" latinLnBrk="0" hangingPunct="1">
+              <a:lnSpc>
+                <a:spcPct val="90000"/>
+              </a:lnSpc>
+              <a:spcBef>
+                <a:spcPts val="500"/>
+              </a:spcBef>
+              <a:buFont typeface="Arial" panose="020B0604020202020204" pitchFamily="34" charset="0"/>
+              <a:buChar char="•"/>
+              <a:defRPr sz="1800" kern="1200">
+                <a:solidFill>
+                  <a:schemeClr val="tx1"/>
+                </a:solidFill>
+                <a:latin typeface="+mn-lt"/>
+                <a:ea typeface="+mn-ea"/>
+                <a:cs typeface="+mn-cs"/>
+              </a:defRPr>
+            </a:lvl6pPr>
+            <a:lvl7pPr marL="2971800" indent="-228600" algn="l" defTabSz="914400" rtl="0" eaLnBrk="1" latinLnBrk="0" hangingPunct="1">
+              <a:lnSpc>
+                <a:spcPct val="90000"/>
+              </a:lnSpc>
+              <a:spcBef>
+                <a:spcPts val="500"/>
+              </a:spcBef>
+              <a:buFont typeface="Arial" panose="020B0604020202020204" pitchFamily="34" charset="0"/>
+              <a:buChar char="•"/>
+              <a:defRPr sz="1800" kern="1200">
+                <a:solidFill>
+                  <a:schemeClr val="tx1"/>
+                </a:solidFill>
+                <a:latin typeface="+mn-lt"/>
+                <a:ea typeface="+mn-ea"/>
+                <a:cs typeface="+mn-cs"/>
+              </a:defRPr>
+            </a:lvl7pPr>
+            <a:lvl8pPr marL="3429000" indent="-228600" algn="l" defTabSz="914400" rtl="0" eaLnBrk="1" latinLnBrk="0" hangingPunct="1">
+              <a:lnSpc>
+                <a:spcPct val="90000"/>
+              </a:lnSpc>
+              <a:spcBef>
+                <a:spcPts val="500"/>
+              </a:spcBef>
+              <a:buFont typeface="Arial" panose="020B0604020202020204" pitchFamily="34" charset="0"/>
+              <a:buChar char="•"/>
+              <a:defRPr sz="1800" kern="1200">
+                <a:solidFill>
+                  <a:schemeClr val="tx1"/>
+                </a:solidFill>
+                <a:latin typeface="+mn-lt"/>
+                <a:ea typeface="+mn-ea"/>
+                <a:cs typeface="+mn-cs"/>
+              </a:defRPr>
+            </a:lvl8pPr>
+            <a:lvl9pPr marL="3886200" indent="-228600" algn="l" defTabSz="914400" rtl="0" eaLnBrk="1" latinLnBrk="0" hangingPunct="1">
+              <a:lnSpc>
+                <a:spcPct val="90000"/>
+              </a:lnSpc>
+              <a:spcBef>
+                <a:spcPts val="500"/>
+              </a:spcBef>
+              <a:buFont typeface="Arial" panose="020B0604020202020204" pitchFamily="34" charset="0"/>
+              <a:buChar char="•"/>
+              <a:defRPr sz="1800" kern="1200">
+                <a:solidFill>
+                  <a:schemeClr val="tx1"/>
+                </a:solidFill>
+                <a:latin typeface="+mn-lt"/>
+                <a:ea typeface="+mn-ea"/>
+                <a:cs typeface="+mn-cs"/>
+              </a:defRPr>
+            </a:lvl9pPr>
+          </a:lstStyle>
+          <a:p>
+            <a:pPr marL="0" indent="0">
+              <a:buNone/>
+            </a:pPr>
+            <a:r>
+              <a:rPr lang="en-US" dirty="0"/>
+              <a:t>Interpreted PCFG</a:t>
+            </a:r>
+          </a:p>
+          <a:p>
+            <a:pPr marL="457200" lvl="1" indent="0">
+              <a:buNone/>
+            </a:pPr>
+            <a:r>
+              <a:rPr lang="en-US" dirty="0"/>
+              <a:t>Defines </a:t>
+            </a:r>
+            <a:r>
+              <a:rPr lang="en-US" b="1" dirty="0"/>
+              <a:t>hypotheses</a:t>
+            </a:r>
+            <a:r>
+              <a:rPr lang="en-US" dirty="0"/>
+              <a:t> </a:t>
+            </a:r>
+            <a:r>
+              <a:rPr lang="en-US" i="1" dirty="0"/>
+              <a:t>H</a:t>
+            </a:r>
+          </a:p>
+          <a:p>
+            <a:pPr marL="457200" lvl="1" indent="0">
+              <a:buNone/>
+            </a:pPr>
+            <a:r>
+              <a:rPr lang="en-US" dirty="0"/>
+              <a:t>Defines </a:t>
+            </a:r>
+            <a:r>
+              <a:rPr lang="en-US" b="1" dirty="0"/>
+              <a:t>prior</a:t>
+            </a:r>
+            <a:r>
+              <a:rPr lang="en-US" dirty="0"/>
+              <a:t> over </a:t>
+            </a:r>
+            <a:r>
+              <a:rPr lang="en-US" i="1" dirty="0"/>
+              <a:t>H</a:t>
+            </a:r>
+          </a:p>
+          <a:p>
+            <a:pPr marL="457200" lvl="1" indent="0">
+              <a:buFont typeface="Arial" panose="020B0604020202020204" pitchFamily="34" charset="0"/>
+              <a:buNone/>
+            </a:pPr>
+            <a:endParaRPr lang="en-US" dirty="0"/>
+          </a:p>
+          <a:p>
+            <a:pPr marL="0" indent="0">
+              <a:buNone/>
+            </a:pPr>
+            <a:r>
+              <a:rPr lang="en-US" dirty="0"/>
+              <a:t>Observations </a:t>
+            </a:r>
+            <a:r>
+              <a:rPr lang="en-US" i="1" dirty="0"/>
+              <a:t>O</a:t>
+            </a:r>
+          </a:p>
+          <a:p>
+            <a:pPr marL="457200" lvl="1" indent="0">
+              <a:buFont typeface="Arial" panose="020B0604020202020204" pitchFamily="34" charset="0"/>
+              <a:buNone/>
+            </a:pPr>
+            <a:r>
+              <a:rPr lang="en-US" dirty="0"/>
+              <a:t>Generated by unknown </a:t>
+            </a:r>
+            <a:r>
+              <a:rPr lang="en-US" i="1" dirty="0"/>
+              <a:t>H</a:t>
+            </a:r>
+          </a:p>
+          <a:p>
+            <a:pPr marL="457200" lvl="1" indent="0">
+              <a:buFont typeface="Arial" panose="020B0604020202020204" pitchFamily="34" charset="0"/>
+              <a:buNone/>
+            </a:pPr>
+            <a:endParaRPr lang="en-US" dirty="0"/>
+          </a:p>
+          <a:p>
+            <a:pPr marL="0" indent="0">
+              <a:buNone/>
+            </a:pPr>
+            <a:r>
+              <a:rPr lang="en-US" dirty="0"/>
+              <a:t>Likelihood </a:t>
+            </a:r>
+            <a:r>
+              <a:rPr lang="en-US" i="1" dirty="0"/>
+              <a:t>P(O | H)</a:t>
+            </a:r>
+          </a:p>
+          <a:p>
+            <a:pPr marL="457200" lvl="1" indent="0">
+              <a:buFont typeface="Arial" panose="020B0604020202020204" pitchFamily="34" charset="0"/>
+              <a:buNone/>
+            </a:pPr>
+            <a:r>
+              <a:rPr lang="en-US" dirty="0"/>
+              <a:t>	</a:t>
+            </a:r>
+          </a:p>
+          <a:p>
+            <a:pPr marL="0" indent="0">
+              <a:buNone/>
+            </a:pPr>
+            <a:r>
+              <a:rPr lang="en-US" dirty="0"/>
+              <a:t>Bayesian inference</a:t>
+            </a:r>
+          </a:p>
+          <a:p>
+            <a:pPr marL="457200" lvl="1" indent="0">
+              <a:buFont typeface="Arial" panose="020B0604020202020204" pitchFamily="34" charset="0"/>
+              <a:buNone/>
+            </a:pPr>
+            <a:r>
+              <a:rPr lang="en-US" dirty="0"/>
+              <a:t>Gets </a:t>
+            </a:r>
+            <a:r>
+              <a:rPr lang="en-US" i="1" dirty="0"/>
+              <a:t>P(H | O)</a:t>
+            </a:r>
+            <a:endParaRPr lang="en-DE" dirty="0"/>
+          </a:p>
+        </p:txBody>
+      </p:sp>
+      <p:sp>
+        <p:nvSpPr>
+          <p:cNvPr id="9" name="Content Placeholder 2">
+            <a:extLst>
+              <a:ext uri="{FF2B5EF4-FFF2-40B4-BE49-F238E27FC236}">
+                <a16:creationId xmlns:a16="http://schemas.microsoft.com/office/drawing/2014/main" id="{F7E72DC6-A8A7-B61C-EEBC-3436D11A4672}"/>
+              </a:ext>
+            </a:extLst>
+          </p:cNvPr>
+          <p:cNvSpPr txBox="1">
+            <a:spLocks/>
+          </p:cNvSpPr>
+          <p:nvPr/>
+        </p:nvSpPr>
+        <p:spPr>
+          <a:xfrm>
+            <a:off x="5031620" y="1757891"/>
+            <a:ext cx="6352418" cy="4449385"/>
+          </a:xfrm>
+          <a:prstGeom prst="rect">
+            <a:avLst/>
+          </a:prstGeom>
+        </p:spPr>
+        <p:txBody>
+          <a:bodyPr vert="horz" lIns="91440" tIns="45720" rIns="91440" bIns="45720" rtlCol="0">
+            <a:normAutofit fontScale="92500" lnSpcReduction="10000"/>
+          </a:bodyPr>
+          <a:lstStyle>
+            <a:lvl1pPr marL="228600" indent="-228600" algn="l" defTabSz="914400" rtl="0" eaLnBrk="1" latinLnBrk="0" hangingPunct="1">
+              <a:lnSpc>
+                <a:spcPct val="90000"/>
+              </a:lnSpc>
+              <a:spcBef>
+                <a:spcPts val="1000"/>
+              </a:spcBef>
+              <a:buFont typeface="Arial" panose="020B0604020202020204" pitchFamily="34" charset="0"/>
+              <a:buChar char="•"/>
+              <a:defRPr sz="2400" kern="1200">
+                <a:solidFill>
+                  <a:schemeClr val="tx1"/>
+                </a:solidFill>
+                <a:latin typeface="Georgia" panose="02040502050405020303" pitchFamily="18" charset="0"/>
+                <a:ea typeface="+mn-ea"/>
+                <a:cs typeface="+mn-cs"/>
+              </a:defRPr>
+            </a:lvl1pPr>
+            <a:lvl2pPr marL="685800" indent="-228600" algn="l" defTabSz="914400" rtl="0" eaLnBrk="1" latinLnBrk="0" hangingPunct="1">
+              <a:lnSpc>
+                <a:spcPct val="90000"/>
+              </a:lnSpc>
+              <a:spcBef>
+                <a:spcPts val="500"/>
+              </a:spcBef>
+              <a:buFont typeface="Arial" panose="020B0604020202020204" pitchFamily="34" charset="0"/>
+              <a:buChar char="•"/>
+              <a:defRPr sz="2400" kern="1200">
+                <a:solidFill>
+                  <a:schemeClr val="tx1"/>
+                </a:solidFill>
+                <a:latin typeface="Georgia" panose="02040502050405020303" pitchFamily="18" charset="0"/>
+                <a:ea typeface="+mn-ea"/>
+                <a:cs typeface="+mn-cs"/>
+              </a:defRPr>
+            </a:lvl2pPr>
+            <a:lvl3pPr marL="1143000" indent="-228600" algn="l" defTabSz="914400" rtl="0" eaLnBrk="1" latinLnBrk="0" hangingPunct="1">
+              <a:lnSpc>
+                <a:spcPct val="90000"/>
+              </a:lnSpc>
+              <a:spcBef>
+                <a:spcPts val="500"/>
+              </a:spcBef>
+              <a:buFont typeface="Arial" panose="020B0604020202020204" pitchFamily="34" charset="0"/>
+              <a:buChar char="•"/>
+              <a:defRPr sz="2400" kern="1200">
+                <a:solidFill>
+                  <a:schemeClr val="tx1"/>
+                </a:solidFill>
+                <a:latin typeface="Georgia" panose="02040502050405020303" pitchFamily="18" charset="0"/>
+                <a:ea typeface="+mn-ea"/>
+                <a:cs typeface="+mn-cs"/>
+              </a:defRPr>
+            </a:lvl3pPr>
+            <a:lvl4pPr marL="1600200" indent="-228600" algn="l" defTabSz="914400" rtl="0" eaLnBrk="1" latinLnBrk="0" hangingPunct="1">
+              <a:lnSpc>
+                <a:spcPct val="90000"/>
+              </a:lnSpc>
+              <a:spcBef>
+                <a:spcPts val="500"/>
+              </a:spcBef>
+              <a:buFont typeface="Arial" panose="020B0604020202020204" pitchFamily="34" charset="0"/>
+              <a:buChar char="•"/>
+              <a:defRPr sz="2400" kern="1200">
+                <a:solidFill>
+                  <a:schemeClr val="tx1"/>
+                </a:solidFill>
+                <a:latin typeface="Georgia" panose="02040502050405020303" pitchFamily="18" charset="0"/>
+                <a:ea typeface="+mn-ea"/>
+                <a:cs typeface="+mn-cs"/>
+              </a:defRPr>
+            </a:lvl4pPr>
+            <a:lvl5pPr marL="2057400" indent="-228600" algn="l" defTabSz="914400" rtl="0" eaLnBrk="1" latinLnBrk="0" hangingPunct="1">
+              <a:lnSpc>
+                <a:spcPct val="90000"/>
+              </a:lnSpc>
+              <a:spcBef>
+                <a:spcPts val="500"/>
+              </a:spcBef>
+              <a:buFont typeface="Arial" panose="020B0604020202020204" pitchFamily="34" charset="0"/>
+              <a:buChar char="•"/>
+              <a:defRPr sz="2400" kern="1200">
+                <a:solidFill>
+                  <a:schemeClr val="tx1"/>
+                </a:solidFill>
+                <a:latin typeface="Georgia" panose="02040502050405020303" pitchFamily="18" charset="0"/>
+                <a:ea typeface="+mn-ea"/>
+                <a:cs typeface="+mn-cs"/>
+              </a:defRPr>
+            </a:lvl5pPr>
+            <a:lvl6pPr marL="2514600" indent="-228600" algn="l" defTabSz="914400" rtl="0" eaLnBrk="1" latinLnBrk="0" hangingPunct="1">
+              <a:lnSpc>
+                <a:spcPct val="90000"/>
+              </a:lnSpc>
+              <a:spcBef>
+                <a:spcPts val="500"/>
+              </a:spcBef>
+              <a:buFont typeface="Arial" panose="020B0604020202020204" pitchFamily="34" charset="0"/>
+              <a:buChar char="•"/>
+              <a:defRPr sz="1800" kern="1200">
+                <a:solidFill>
+                  <a:schemeClr val="tx1"/>
+                </a:solidFill>
+                <a:latin typeface="+mn-lt"/>
+                <a:ea typeface="+mn-ea"/>
+                <a:cs typeface="+mn-cs"/>
+              </a:defRPr>
+            </a:lvl6pPr>
+            <a:lvl7pPr marL="2971800" indent="-228600" algn="l" defTabSz="914400" rtl="0" eaLnBrk="1" latinLnBrk="0" hangingPunct="1">
+              <a:lnSpc>
+                <a:spcPct val="90000"/>
+              </a:lnSpc>
+              <a:spcBef>
+                <a:spcPts val="500"/>
+              </a:spcBef>
+              <a:buFont typeface="Arial" panose="020B0604020202020204" pitchFamily="34" charset="0"/>
+              <a:buChar char="•"/>
+              <a:defRPr sz="1800" kern="1200">
+                <a:solidFill>
+                  <a:schemeClr val="tx1"/>
+                </a:solidFill>
+                <a:latin typeface="+mn-lt"/>
+                <a:ea typeface="+mn-ea"/>
+                <a:cs typeface="+mn-cs"/>
+              </a:defRPr>
+            </a:lvl7pPr>
+            <a:lvl8pPr marL="3429000" indent="-228600" algn="l" defTabSz="914400" rtl="0" eaLnBrk="1" latinLnBrk="0" hangingPunct="1">
+              <a:lnSpc>
+                <a:spcPct val="90000"/>
+              </a:lnSpc>
+              <a:spcBef>
+                <a:spcPts val="500"/>
+              </a:spcBef>
+              <a:buFont typeface="Arial" panose="020B0604020202020204" pitchFamily="34" charset="0"/>
+              <a:buChar char="•"/>
+              <a:defRPr sz="1800" kern="1200">
+                <a:solidFill>
+                  <a:schemeClr val="tx1"/>
+                </a:solidFill>
+                <a:latin typeface="+mn-lt"/>
+                <a:ea typeface="+mn-ea"/>
+                <a:cs typeface="+mn-cs"/>
+              </a:defRPr>
+            </a:lvl8pPr>
+            <a:lvl9pPr marL="3886200" indent="-228600" algn="l" defTabSz="914400" rtl="0" eaLnBrk="1" latinLnBrk="0" hangingPunct="1">
+              <a:lnSpc>
+                <a:spcPct val="90000"/>
+              </a:lnSpc>
+              <a:spcBef>
+                <a:spcPts val="500"/>
+              </a:spcBef>
+              <a:buFont typeface="Arial" panose="020B0604020202020204" pitchFamily="34" charset="0"/>
+              <a:buChar char="•"/>
+              <a:defRPr sz="1800" kern="1200">
+                <a:solidFill>
+                  <a:schemeClr val="tx1"/>
+                </a:solidFill>
+                <a:latin typeface="+mn-lt"/>
+                <a:ea typeface="+mn-ea"/>
+                <a:cs typeface="+mn-cs"/>
+              </a:defRPr>
+            </a:lvl9pPr>
+          </a:lstStyle>
+          <a:p>
+            <a:pPr marL="0" indent="0">
+              <a:buNone/>
+            </a:pPr>
+            <a:r>
+              <a:rPr lang="en-US" dirty="0"/>
+              <a:t>&lt;- Models the Language of Thought</a:t>
+            </a:r>
+          </a:p>
+          <a:p>
+            <a:pPr marL="0" indent="0">
+              <a:buNone/>
+            </a:pPr>
+            <a:r>
+              <a:rPr lang="en-US" dirty="0"/>
+              <a:t>&lt;- Sentences in the </a:t>
+            </a:r>
+            <a:r>
+              <a:rPr lang="en-US" dirty="0" err="1"/>
+              <a:t>LoT</a:t>
+            </a:r>
+            <a:r>
+              <a:rPr lang="en-US" dirty="0"/>
+              <a:t>	</a:t>
+            </a:r>
+          </a:p>
+          <a:p>
+            <a:pPr marL="0" indent="0">
+              <a:buNone/>
+            </a:pPr>
+            <a:r>
+              <a:rPr lang="en-US" dirty="0"/>
+              <a:t>&lt;- Prior probability of </a:t>
+            </a:r>
+            <a:r>
+              <a:rPr lang="en-US" dirty="0" err="1"/>
+              <a:t>LoT</a:t>
+            </a:r>
+            <a:r>
+              <a:rPr lang="en-US" dirty="0"/>
+              <a:t> sentences</a:t>
+            </a:r>
+          </a:p>
+          <a:p>
+            <a:pPr marL="457200" lvl="1" indent="0">
+              <a:buFont typeface="Arial" panose="020B0604020202020204" pitchFamily="34" charset="0"/>
+              <a:buNone/>
+            </a:pPr>
+            <a:r>
+              <a:rPr lang="en-US" dirty="0"/>
+              <a:t>	</a:t>
+            </a:r>
+          </a:p>
+          <a:p>
+            <a:pPr marL="0" indent="0">
+              <a:buNone/>
+            </a:pPr>
+            <a:r>
+              <a:rPr lang="en-US" dirty="0"/>
+              <a:t>&lt;- Data for learning</a:t>
+            </a:r>
+          </a:p>
+          <a:p>
+            <a:pPr marL="0" indent="0">
+              <a:buNone/>
+            </a:pPr>
+            <a:r>
+              <a:rPr lang="en-US" dirty="0"/>
+              <a:t>&lt;- To be represented in the </a:t>
+            </a:r>
+            <a:r>
+              <a:rPr lang="en-US" dirty="0" err="1"/>
+              <a:t>LoT</a:t>
+            </a:r>
+            <a:endParaRPr lang="en-US" dirty="0"/>
+          </a:p>
+          <a:p>
+            <a:pPr marL="0" indent="0">
+              <a:buNone/>
+            </a:pPr>
+            <a:endParaRPr lang="en-US" dirty="0"/>
+          </a:p>
+          <a:p>
+            <a:pPr marL="0" indent="0">
+              <a:buNone/>
+            </a:pPr>
+            <a:r>
+              <a:rPr lang="en-US" dirty="0"/>
+              <a:t>&lt;- From a world model</a:t>
+            </a:r>
+          </a:p>
+          <a:p>
+            <a:pPr marL="0" indent="0">
+              <a:buNone/>
+            </a:pPr>
+            <a:endParaRPr lang="en-US" dirty="0"/>
+          </a:p>
+          <a:p>
+            <a:pPr marL="0" indent="0">
+              <a:buNone/>
+            </a:pPr>
+            <a:r>
+              <a:rPr lang="en-US" dirty="0"/>
+              <a:t>&lt;- Gives us a distribution over </a:t>
+            </a:r>
+            <a:r>
+              <a:rPr lang="en-US" dirty="0" err="1"/>
+              <a:t>LoT</a:t>
+            </a:r>
+            <a:r>
+              <a:rPr lang="en-US" dirty="0"/>
+              <a:t> sentences</a:t>
+            </a:r>
+          </a:p>
+          <a:p>
+            <a:pPr marL="0" indent="0">
+              <a:buNone/>
+            </a:pPr>
+            <a:r>
+              <a:rPr lang="en-US" dirty="0"/>
+              <a:t>Our best guess for the representation content!</a:t>
+            </a:r>
+          </a:p>
+          <a:p>
+            <a:pPr marL="0" indent="0">
+              <a:buNone/>
+            </a:pPr>
+            <a:endParaRPr lang="en-US" dirty="0"/>
+          </a:p>
+        </p:txBody>
+      </p:sp>
+    </p:spTree>
+    <p:extLst>
+      <p:ext uri="{BB962C8B-B14F-4D97-AF65-F5344CB8AC3E}">
+        <p14:creationId xmlns:p14="http://schemas.microsoft.com/office/powerpoint/2010/main" val="2655087979"/>
+      </p:ext>
+    </p:extLst>
+  </p:cSld>
+  <p:clrMapOvr>
+    <a:masterClrMapping/>
+  </p:clrMapOvr>
+</p:sld>
+</file>
+
+<file path=ppt/slides/slide27.xml><?xml version="1.0" encoding="utf-8"?>
 <p:sld xmlns:a="http://schemas.openxmlformats.org/drawingml/2006/main" xmlns:r="http://schemas.openxmlformats.org/officeDocument/2006/relationships" xmlns:p="http://schemas.openxmlformats.org/presentationml/2006/main">
   <p:cSld>
     <p:spTree>
@@ -16767,7 +18001,7 @@
           </a:xfrm>
         </p:spPr>
         <p:txBody>
-          <a:bodyPr/>
+          <a:bodyPr anchor="ctr"/>
           <a:lstStyle/>
           <a:p>
             <a:pPr marL="0" indent="0">
@@ -16831,24 +18065,72 @@
               <a:t>Combine into computational model!</a:t>
             </a:r>
           </a:p>
-          <a:p>
-            <a:pPr marL="0" indent="0">
-              <a:buNone/>
-            </a:pPr>
-            <a:r>
-              <a:rPr lang="en-US" dirty="0"/>
-              <a:t>Lunch!</a:t>
-            </a:r>
-            <a:endParaRPr lang="en-DE" dirty="0"/>
+        </p:txBody>
+      </p:sp>
+      <p:sp>
+        <p:nvSpPr>
+          <p:cNvPr id="5" name="Footer Placeholder 4">
+            <a:extLst>
+              <a:ext uri="{FF2B5EF4-FFF2-40B4-BE49-F238E27FC236}">
+                <a16:creationId xmlns:a16="http://schemas.microsoft.com/office/drawing/2014/main" id="{4830C42E-8C85-2D11-0024-E8929D4C9EF9}"/>
+              </a:ext>
+            </a:extLst>
+          </p:cNvPr>
+          <p:cNvSpPr>
+            <a:spLocks noGrp="1"/>
+          </p:cNvSpPr>
+          <p:nvPr>
+            <p:ph type="ftr" sz="quarter" idx="11"/>
+          </p:nvPr>
+        </p:nvSpPr>
+        <p:spPr/>
+        <p:txBody>
+          <a:bodyPr/>
+          <a:lstStyle/>
+          <a:p>
+            <a:r>
+              <a:rPr lang="en-US"/>
+              <a:t>Fausto Carcassi – A day with the pLoT</a:t>
+            </a:r>
+            <a:endParaRPr lang="en-DE"/>
+          </a:p>
+        </p:txBody>
+      </p:sp>
+      <p:sp>
+        <p:nvSpPr>
+          <p:cNvPr id="6" name="Slide Number Placeholder 5">
+            <a:extLst>
+              <a:ext uri="{FF2B5EF4-FFF2-40B4-BE49-F238E27FC236}">
+                <a16:creationId xmlns:a16="http://schemas.microsoft.com/office/drawing/2014/main" id="{19FB6B14-A785-453C-6068-D50532DF5BF5}"/>
+              </a:ext>
+            </a:extLst>
+          </p:cNvPr>
+          <p:cNvSpPr>
+            <a:spLocks noGrp="1"/>
+          </p:cNvSpPr>
+          <p:nvPr>
+            <p:ph type="sldNum" sz="quarter" idx="12"/>
+          </p:nvPr>
+        </p:nvSpPr>
+        <p:spPr/>
+        <p:txBody>
+          <a:bodyPr/>
+          <a:lstStyle/>
+          <a:p>
+            <a:fld id="{87C6F9F5-FD91-41AF-9631-9F406EBEB36A}" type="slidenum">
+              <a:rPr lang="en-DE" smtClean="0"/>
+              <a:t>27</a:t>
+            </a:fld>
+            <a:endParaRPr lang="en-DE"/>
           </a:p>
         </p:txBody>
       </p:sp>
       <p:graphicFrame>
         <p:nvGraphicFramePr>
-          <p:cNvPr id="4" name="Content Placeholder 3">
+          <p:cNvPr id="7" name="Content Placeholder 3">
             <a:extLst>
               <a:ext uri="{FF2B5EF4-FFF2-40B4-BE49-F238E27FC236}">
-                <a16:creationId xmlns:a16="http://schemas.microsoft.com/office/drawing/2014/main" id="{BF77E1F0-3845-0F2B-EADF-ABB07E4D50B9}"/>
+                <a16:creationId xmlns:a16="http://schemas.microsoft.com/office/drawing/2014/main" id="{635F6D1A-C7AF-F21B-6C1C-100CAFB29DF1}"/>
               </a:ext>
             </a:extLst>
           </p:cNvPr>
@@ -16858,28 +18140,28 @@
           <p:nvPr>
             <p:extLst>
               <p:ext uri="{D42A27DB-BD31-4B8C-83A1-F6EECF244321}">
-                <p14:modId xmlns:p14="http://schemas.microsoft.com/office/powerpoint/2010/main" val="2327951610"/>
+                <p14:modId xmlns:p14="http://schemas.microsoft.com/office/powerpoint/2010/main" val="4116094124"/>
               </p:ext>
             </p:extLst>
           </p:nvPr>
         </p:nvGraphicFramePr>
         <p:xfrm>
-          <a:off x="6974286" y="2100086"/>
-          <a:ext cx="4429103" cy="3802416"/>
+          <a:off x="6816876" y="2172657"/>
+          <a:ext cx="4743580" cy="3040416"/>
         </p:xfrm>
         <a:graphic>
           <a:graphicData uri="http://schemas.openxmlformats.org/drawingml/2006/table">
             <a:tbl>
               <a:tblPr/>
               <a:tblGrid>
-                <a:gridCol w="1314096">
+                <a:gridCol w="890209">
                   <a:extLst>
                     <a:ext uri="{9D8B030D-6E8A-4147-A177-3AD203B41FA5}">
                       <a16:colId xmlns:a16="http://schemas.microsoft.com/office/drawing/2014/main" val="337463267"/>
                     </a:ext>
                   </a:extLst>
                 </a:gridCol>
-                <a:gridCol w="3115007">
+                <a:gridCol w="3853371">
                   <a:extLst>
                     <a:ext uri="{9D8B030D-6E8A-4147-A177-3AD203B41FA5}">
                       <a16:colId xmlns:a16="http://schemas.microsoft.com/office/drawing/2014/main" val="3286455243"/>
@@ -16895,11 +18177,14 @@
                     <a:p>
                       <a:pPr algn="r" fontAlgn="base" latinLnBrk="0"/>
                       <a:r>
-                        <a:rPr lang="en-DE" sz="1600" b="0" dirty="0">
+                        <a:rPr lang="en-US" sz="1600" b="0" dirty="0">
                           <a:effectLst/>
                         </a:rPr>
-                        <a:t>9:00-10:20</a:t>
+                        <a:t>Part I</a:t>
                       </a:r>
+                      <a:endParaRPr lang="en-DE" sz="1600" b="0" dirty="0">
+                        <a:effectLst/>
+                      </a:endParaRPr>
                     </a:p>
                   </a:txBody>
                   <a:tcPr marL="137160" marR="137160" marT="137160" marB="137160" anchor="ctr">
@@ -16948,16 +18233,7 @@
                         <a:rPr lang="en-US" sz="1600" b="0" dirty="0">
                           <a:effectLst/>
                         </a:rPr>
-                        <a:t>Introduction: </a:t>
-                      </a:r>
-                    </a:p>
-                    <a:p>
-                      <a:pPr fontAlgn="base" latinLnBrk="0"/>
-                      <a:r>
-                        <a:rPr lang="en-US" sz="1600" b="0" dirty="0">
-                          <a:effectLst/>
-                        </a:rPr>
-                        <a:t>On the very idea of an </a:t>
+                        <a:t>Introduction: On the very idea of an </a:t>
                       </a:r>
                       <a:r>
                         <a:rPr lang="en-US" sz="1600" b="0" dirty="0" err="1">
@@ -17020,11 +18296,14 @@
                     <a:p>
                       <a:pPr algn="r" fontAlgn="base" latinLnBrk="0"/>
                       <a:r>
-                        <a:rPr lang="en-DE" sz="1600" b="1" dirty="0">
+                        <a:rPr lang="en-US" sz="1600" b="1" dirty="0">
                           <a:effectLst/>
                         </a:rPr>
-                        <a:t>10:40-12:30</a:t>
+                        <a:t>Part II</a:t>
                       </a:r>
+                      <a:endParaRPr lang="en-DE" sz="1600" b="1" dirty="0">
+                        <a:effectLst/>
+                      </a:endParaRPr>
                     </a:p>
                   </a:txBody>
                   <a:tcPr marL="137160" marR="137160" marT="137160" marB="137160" anchor="ctr">
@@ -17127,117 +18406,10 @@
                     <a:p>
                       <a:pPr algn="r" fontAlgn="base" latinLnBrk="0"/>
                       <a:r>
-                        <a:rPr lang="en-DE" sz="1600">
-                          <a:effectLst/>
-                        </a:rPr>
-                        <a:t>12:30-13:30</a:t>
-                      </a:r>
-                    </a:p>
-                  </a:txBody>
-                  <a:tcPr marL="137160" marR="137160" marT="137160" marB="137160" anchor="ctr">
-                    <a:lnL>
-                      <a:noFill/>
-                    </a:lnL>
-                    <a:lnR w="12700" cap="flat" cmpd="sng" algn="ctr">
-                      <a:solidFill>
-                        <a:schemeClr val="tx1"/>
-                      </a:solidFill>
-                      <a:prstDash val="solid"/>
-                      <a:round/>
-                      <a:headEnd type="none" w="med" len="med"/>
-                      <a:tailEnd type="none" w="med" len="med"/>
-                    </a:lnR>
-                    <a:lnT w="12700" cap="flat" cmpd="sng" algn="ctr">
-                      <a:solidFill>
-                        <a:schemeClr val="tx1"/>
-                      </a:solidFill>
-                      <a:prstDash val="solid"/>
-                      <a:round/>
-                      <a:headEnd type="none" w="med" len="med"/>
-                      <a:tailEnd type="none" w="med" len="med"/>
-                    </a:lnT>
-                    <a:lnB w="12700" cap="flat" cmpd="sng" algn="ctr">
-                      <a:solidFill>
-                        <a:schemeClr val="tx1"/>
-                      </a:solidFill>
-                      <a:prstDash val="solid"/>
-                      <a:round/>
-                      <a:headEnd type="none" w="med" len="med"/>
-                      <a:tailEnd type="none" w="med" len="med"/>
-                    </a:lnB>
-                    <a:solidFill>
-                      <a:srgbClr val="F2F7FC"/>
-                    </a:solidFill>
-                  </a:tcPr>
-                </a:tc>
-                <a:tc>
-                  <a:txBody>
-                    <a:bodyPr/>
-                    <a:lstStyle/>
-                    <a:p>
-                      <a:pPr fontAlgn="base" latinLnBrk="0"/>
-                      <a:r>
                         <a:rPr lang="en-US" sz="1600" dirty="0">
                           <a:effectLst/>
                         </a:rPr>
-                        <a:t>Lunch</a:t>
-                      </a:r>
-                    </a:p>
-                  </a:txBody>
-                  <a:tcPr marL="137160" marR="137160" marT="137160" marB="137160" anchor="ctr">
-                    <a:lnL w="12700" cap="flat" cmpd="sng" algn="ctr">
-                      <a:solidFill>
-                        <a:schemeClr val="tx1"/>
-                      </a:solidFill>
-                      <a:prstDash val="solid"/>
-                      <a:round/>
-                      <a:headEnd type="none" w="med" len="med"/>
-                      <a:tailEnd type="none" w="med" len="med"/>
-                    </a:lnL>
-                    <a:lnR>
-                      <a:noFill/>
-                    </a:lnR>
-                    <a:lnT w="12700" cap="flat" cmpd="sng" algn="ctr">
-                      <a:solidFill>
-                        <a:schemeClr val="tx1"/>
-                      </a:solidFill>
-                      <a:prstDash val="solid"/>
-                      <a:round/>
-                      <a:headEnd type="none" w="med" len="med"/>
-                      <a:tailEnd type="none" w="med" len="med"/>
-                    </a:lnT>
-                    <a:lnB w="12700" cap="flat" cmpd="sng" algn="ctr">
-                      <a:solidFill>
-                        <a:schemeClr val="tx1"/>
-                      </a:solidFill>
-                      <a:prstDash val="solid"/>
-                      <a:round/>
-                      <a:headEnd type="none" w="med" len="med"/>
-                      <a:tailEnd type="none" w="med" len="med"/>
-                    </a:lnB>
-                    <a:solidFill>
-                      <a:srgbClr val="F2F7FC"/>
-                    </a:solidFill>
-                  </a:tcPr>
-                </a:tc>
-                <a:extLst>
-                  <a:ext uri="{0D108BD9-81ED-4DB2-BD59-A6C34878D82A}">
-                    <a16:rowId xmlns:a16="http://schemas.microsoft.com/office/drawing/2014/main" val="2830688470"/>
-                  </a:ext>
-                </a:extLst>
-              </a:tr>
-              <a:tr h="569604">
-                <a:tc>
-                  <a:txBody>
-                    <a:bodyPr/>
-                    <a:lstStyle/>
-                    <a:p>
-                      <a:pPr algn="r" fontAlgn="base" latinLnBrk="0"/>
-                      <a:r>
-                        <a:rPr lang="en-US" sz="1600" b="0" dirty="0">
-                          <a:effectLst/>
-                        </a:rPr>
-                        <a:t>13:30-15:00</a:t>
+                        <a:t>Part III</a:t>
                       </a:r>
                     </a:p>
                   </a:txBody>
@@ -17353,7 +18525,7 @@
                         <a:rPr lang="en-US" sz="1600" dirty="0">
                           <a:effectLst/>
                         </a:rPr>
-                        <a:t>15:20-16:30</a:t>
+                        <a:t>Part IV</a:t>
                       </a:r>
                     </a:p>
                   </a:txBody>
@@ -17457,11 +18629,14 @@
                     <a:p>
                       <a:pPr algn="r" fontAlgn="base" latinLnBrk="0"/>
                       <a:r>
-                        <a:rPr lang="en-DE" sz="1600" dirty="0">
+                        <a:rPr lang="en-US" sz="1600" dirty="0">
                           <a:effectLst/>
                         </a:rPr>
-                        <a:t>16:30-17:00</a:t>
+                        <a:t>Part V</a:t>
                       </a:r>
+                      <a:endParaRPr lang="en-DE" sz="1600" dirty="0">
+                        <a:effectLst/>
+                      </a:endParaRPr>
                     </a:p>
                   </a:txBody>
                   <a:tcPr marL="137160" marR="137160" marT="137160" marB="137160" anchor="ctr">
@@ -17504,7 +18679,7 @@
                         <a:rPr lang="en-US" sz="1600" dirty="0">
                           <a:effectLst/>
                         </a:rPr>
-                        <a:t>Summary</a:t>
+                        <a:t>Summary &amp; Future prospects</a:t>
                       </a:r>
                     </a:p>
                   </a:txBody>
@@ -17548,64 +18723,6 @@
           </a:graphicData>
         </a:graphic>
       </p:graphicFrame>
-      <p:sp>
-        <p:nvSpPr>
-          <p:cNvPr id="5" name="Footer Placeholder 4">
-            <a:extLst>
-              <a:ext uri="{FF2B5EF4-FFF2-40B4-BE49-F238E27FC236}">
-                <a16:creationId xmlns:a16="http://schemas.microsoft.com/office/drawing/2014/main" id="{4830C42E-8C85-2D11-0024-E8929D4C9EF9}"/>
-              </a:ext>
-            </a:extLst>
-          </p:cNvPr>
-          <p:cNvSpPr>
-            <a:spLocks noGrp="1"/>
-          </p:cNvSpPr>
-          <p:nvPr>
-            <p:ph type="ftr" sz="quarter" idx="11"/>
-          </p:nvPr>
-        </p:nvSpPr>
-        <p:spPr/>
-        <p:txBody>
-          <a:bodyPr/>
-          <a:lstStyle/>
-          <a:p>
-            <a:r>
-              <a:rPr lang="en-US"/>
-              <a:t>Fausto Carcassi – A day with the pLoT</a:t>
-            </a:r>
-            <a:endParaRPr lang="en-DE"/>
-          </a:p>
-        </p:txBody>
-      </p:sp>
-      <p:sp>
-        <p:nvSpPr>
-          <p:cNvPr id="6" name="Slide Number Placeholder 5">
-            <a:extLst>
-              <a:ext uri="{FF2B5EF4-FFF2-40B4-BE49-F238E27FC236}">
-                <a16:creationId xmlns:a16="http://schemas.microsoft.com/office/drawing/2014/main" id="{19FB6B14-A785-453C-6068-D50532DF5BF5}"/>
-              </a:ext>
-            </a:extLst>
-          </p:cNvPr>
-          <p:cNvSpPr>
-            <a:spLocks noGrp="1"/>
-          </p:cNvSpPr>
-          <p:nvPr>
-            <p:ph type="sldNum" sz="quarter" idx="12"/>
-          </p:nvPr>
-        </p:nvSpPr>
-        <p:spPr/>
-        <p:txBody>
-          <a:bodyPr/>
-          <a:lstStyle/>
-          <a:p>
-            <a:fld id="{87C6F9F5-FD91-41AF-9631-9F406EBEB36A}" type="slidenum">
-              <a:rPr lang="en-DE" smtClean="0"/>
-              <a:t>24</a:t>
-            </a:fld>
-            <a:endParaRPr lang="en-DE"/>
-          </a:p>
-        </p:txBody>
-      </p:sp>
     </p:spTree>
     <p:extLst>
       <p:ext uri="{BB962C8B-B14F-4D97-AF65-F5344CB8AC3E}">
@@ -18016,55 +19133,6 @@
                       </p:childTnLst>
                     </p:cTn>
                   </p:par>
-                  <p:par>
-                    <p:cTn id="35" fill="hold">
-                      <p:stCondLst>
-                        <p:cond delay="indefinite"/>
-                      </p:stCondLst>
-                      <p:childTnLst>
-                        <p:par>
-                          <p:cTn id="36" fill="hold">
-                            <p:stCondLst>
-                              <p:cond delay="0"/>
-                            </p:stCondLst>
-                            <p:childTnLst>
-                              <p:par>
-                                <p:cTn id="37" presetID="1" presetClass="entr" presetSubtype="0" fill="hold" nodeType="clickEffect">
-                                  <p:stCondLst>
-                                    <p:cond delay="0"/>
-                                  </p:stCondLst>
-                                  <p:childTnLst>
-                                    <p:set>
-                                      <p:cBhvr>
-                                        <p:cTn id="38" dur="1" fill="hold">
-                                          <p:stCondLst>
-                                            <p:cond delay="0"/>
-                                          </p:stCondLst>
-                                        </p:cTn>
-                                        <p:tgtEl>
-                                          <p:spTgt spid="3">
-                                            <p:txEl>
-                                              <p:pRg st="8" end="8"/>
-                                            </p:txEl>
-                                          </p:spTgt>
-                                        </p:tgtEl>
-                                        <p:attrNameLst>
-                                          <p:attrName>style.visibility</p:attrName>
-                                        </p:attrNameLst>
-                                      </p:cBhvr>
-                                      <p:to>
-                                        <p:strVal val="visible"/>
-                                      </p:to>
-                                    </p:set>
-                                  </p:childTnLst>
-                                </p:cTn>
-                              </p:par>
-                            </p:childTnLst>
-                          </p:cTn>
-                        </p:par>
-                      </p:childTnLst>
-                    </p:cTn>
-                  </p:par>
                 </p:childTnLst>
               </p:cTn>
               <p:prevCondLst>
@@ -18090,7 +19158,7 @@
 </p:sld>
 </file>
 
-<file path=ppt/slides/slide25.xml><?xml version="1.0" encoding="utf-8"?>
+<file path=ppt/slides/slide28.xml><?xml version="1.0" encoding="utf-8"?>
 <p:sld xmlns:a="http://schemas.openxmlformats.org/drawingml/2006/main" xmlns:r="http://schemas.openxmlformats.org/officeDocument/2006/relationships" xmlns:p="http://schemas.openxmlformats.org/presentationml/2006/main">
   <p:cSld>
     <p:spTree>
@@ -18213,7 +19281,7 @@
           <a:p>
             <a:fld id="{87C6F9F5-FD91-41AF-9631-9F406EBEB36A}" type="slidenum">
               <a:rPr lang="en-DE" smtClean="0"/>
-              <a:t>25</a:t>
+              <a:t>28</a:t>
             </a:fld>
             <a:endParaRPr lang="en-DE"/>
           </a:p>
@@ -18232,7 +19300,7 @@
 </p:sld>
 </file>
 
-<file path=ppt/slides/slide26.xml><?xml version="1.0" encoding="utf-8"?>
+<file path=ppt/slides/slide29.xml><?xml version="1.0" encoding="utf-8"?>
 <p:sld xmlns:a="http://schemas.openxmlformats.org/drawingml/2006/main" xmlns:r="http://schemas.openxmlformats.org/officeDocument/2006/relationships" xmlns:p="http://schemas.openxmlformats.org/presentationml/2006/main">
   <p:cSld>
     <p:spTree>
@@ -18254,7 +19322,7 @@
           <p:cNvPr id="2" name="Title 1">
             <a:extLst>
               <a:ext uri="{FF2B5EF4-FFF2-40B4-BE49-F238E27FC236}">
-                <a16:creationId xmlns:a16="http://schemas.microsoft.com/office/drawing/2014/main" id="{2C5A4877-9BB6-4CEF-A53B-3BCB34B74429}"/>
+                <a16:creationId xmlns:a16="http://schemas.microsoft.com/office/drawing/2014/main" id="{67688164-6AA4-C01E-BF96-9267915F9FC9}"/>
               </a:ext>
             </a:extLst>
           </p:cNvPr>
@@ -18272,7 +19340,7 @@
           <a:p>
             <a:r>
               <a:rPr lang="en-US" dirty="0"/>
-              <a:t>Language to grammar</a:t>
+              <a:t>Type theory</a:t>
             </a:r>
             <a:endParaRPr lang="en-DE" dirty="0"/>
           </a:p>
@@ -18280,588 +19348,39 @@
       </p:sp>
       <p:sp>
         <p:nvSpPr>
-          <p:cNvPr id="6" name="Content Placeholder 2">
+          <p:cNvPr id="3" name="Text Placeholder 2">
             <a:extLst>
               <a:ext uri="{FF2B5EF4-FFF2-40B4-BE49-F238E27FC236}">
-                <a16:creationId xmlns:a16="http://schemas.microsoft.com/office/drawing/2014/main" id="{2A83417C-467B-4AF8-B30A-EFCA09A0A497}"/>
+                <a16:creationId xmlns:a16="http://schemas.microsoft.com/office/drawing/2014/main" id="{652C94A6-5AE4-A97E-F6D6-EC67D7D1229C}"/>
               </a:ext>
             </a:extLst>
           </p:cNvPr>
-          <p:cNvSpPr txBox="1">
-            <a:spLocks/>
+          <p:cNvSpPr>
+            <a:spLocks noGrp="1"/>
           </p:cNvSpPr>
-          <p:nvPr/>
+          <p:nvPr>
+            <p:ph type="body" idx="1"/>
+          </p:nvPr>
         </p:nvSpPr>
-        <p:spPr>
-          <a:xfrm>
-            <a:off x="910770" y="1690688"/>
-            <a:ext cx="10192658" cy="4005944"/>
-          </a:xfrm>
-          <a:prstGeom prst="rect">
-            <a:avLst/>
-          </a:prstGeom>
-        </p:spPr>
+        <p:spPr/>
         <p:txBody>
-          <a:bodyPr vert="horz" lIns="91440" tIns="45720" rIns="91440" bIns="45720" rtlCol="0">
-            <a:normAutofit/>
-          </a:bodyPr>
-          <a:lstStyle>
-            <a:lvl1pPr marL="228600" indent="-228600" algn="l" defTabSz="914400" rtl="0" eaLnBrk="1" latinLnBrk="0" hangingPunct="1">
-              <a:lnSpc>
-                <a:spcPct val="90000"/>
-              </a:lnSpc>
-              <a:spcBef>
-                <a:spcPts val="1000"/>
-              </a:spcBef>
-              <a:buFont typeface="Arial" panose="020B0604020202020204" pitchFamily="34" charset="0"/>
-              <a:buChar char="•"/>
-              <a:defRPr sz="2400" kern="1200">
-                <a:solidFill>
-                  <a:schemeClr val="tx1"/>
-                </a:solidFill>
-                <a:latin typeface="Georgia" panose="02040502050405020303" pitchFamily="18" charset="0"/>
-                <a:ea typeface="+mn-ea"/>
-                <a:cs typeface="+mn-cs"/>
-              </a:defRPr>
-            </a:lvl1pPr>
-            <a:lvl2pPr marL="685800" indent="-228600" algn="l" defTabSz="914400" rtl="0" eaLnBrk="1" latinLnBrk="0" hangingPunct="1">
-              <a:lnSpc>
-                <a:spcPct val="90000"/>
-              </a:lnSpc>
-              <a:spcBef>
-                <a:spcPts val="500"/>
-              </a:spcBef>
-              <a:buFont typeface="Arial" panose="020B0604020202020204" pitchFamily="34" charset="0"/>
-              <a:buChar char="•"/>
-              <a:defRPr sz="2400" kern="1200">
-                <a:solidFill>
-                  <a:schemeClr val="tx1"/>
-                </a:solidFill>
-                <a:latin typeface="Georgia" panose="02040502050405020303" pitchFamily="18" charset="0"/>
-                <a:ea typeface="+mn-ea"/>
-                <a:cs typeface="+mn-cs"/>
-              </a:defRPr>
-            </a:lvl2pPr>
-            <a:lvl3pPr marL="1143000" indent="-228600" algn="l" defTabSz="914400" rtl="0" eaLnBrk="1" latinLnBrk="0" hangingPunct="1">
-              <a:lnSpc>
-                <a:spcPct val="90000"/>
-              </a:lnSpc>
-              <a:spcBef>
-                <a:spcPts val="500"/>
-              </a:spcBef>
-              <a:buFont typeface="Arial" panose="020B0604020202020204" pitchFamily="34" charset="0"/>
-              <a:buChar char="•"/>
-              <a:defRPr sz="2400" kern="1200">
-                <a:solidFill>
-                  <a:schemeClr val="tx1"/>
-                </a:solidFill>
-                <a:latin typeface="Georgia" panose="02040502050405020303" pitchFamily="18" charset="0"/>
-                <a:ea typeface="+mn-ea"/>
-                <a:cs typeface="+mn-cs"/>
-              </a:defRPr>
-            </a:lvl3pPr>
-            <a:lvl4pPr marL="1600200" indent="-228600" algn="l" defTabSz="914400" rtl="0" eaLnBrk="1" latinLnBrk="0" hangingPunct="1">
-              <a:lnSpc>
-                <a:spcPct val="90000"/>
-              </a:lnSpc>
-              <a:spcBef>
-                <a:spcPts val="500"/>
-              </a:spcBef>
-              <a:buFont typeface="Arial" panose="020B0604020202020204" pitchFamily="34" charset="0"/>
-              <a:buChar char="•"/>
-              <a:defRPr sz="2400" kern="1200">
-                <a:solidFill>
-                  <a:schemeClr val="tx1"/>
-                </a:solidFill>
-                <a:latin typeface="Georgia" panose="02040502050405020303" pitchFamily="18" charset="0"/>
-                <a:ea typeface="+mn-ea"/>
-                <a:cs typeface="+mn-cs"/>
-              </a:defRPr>
-            </a:lvl4pPr>
-            <a:lvl5pPr marL="2057400" indent="-228600" algn="l" defTabSz="914400" rtl="0" eaLnBrk="1" latinLnBrk="0" hangingPunct="1">
-              <a:lnSpc>
-                <a:spcPct val="90000"/>
-              </a:lnSpc>
-              <a:spcBef>
-                <a:spcPts val="500"/>
-              </a:spcBef>
-              <a:buFont typeface="Arial" panose="020B0604020202020204" pitchFamily="34" charset="0"/>
-              <a:buChar char="•"/>
-              <a:defRPr sz="2400" kern="1200">
-                <a:solidFill>
-                  <a:schemeClr val="tx1"/>
-                </a:solidFill>
-                <a:latin typeface="Georgia" panose="02040502050405020303" pitchFamily="18" charset="0"/>
-                <a:ea typeface="+mn-ea"/>
-                <a:cs typeface="+mn-cs"/>
-              </a:defRPr>
-            </a:lvl5pPr>
-            <a:lvl6pPr marL="2514600" indent="-228600" algn="l" defTabSz="914400" rtl="0" eaLnBrk="1" latinLnBrk="0" hangingPunct="1">
-              <a:lnSpc>
-                <a:spcPct val="90000"/>
-              </a:lnSpc>
-              <a:spcBef>
-                <a:spcPts val="500"/>
-              </a:spcBef>
-              <a:buFont typeface="Arial" panose="020B0604020202020204" pitchFamily="34" charset="0"/>
-              <a:buChar char="•"/>
-              <a:defRPr sz="1800" kern="1200">
-                <a:solidFill>
-                  <a:schemeClr val="tx1"/>
-                </a:solidFill>
-                <a:latin typeface="+mn-lt"/>
-                <a:ea typeface="+mn-ea"/>
-                <a:cs typeface="+mn-cs"/>
-              </a:defRPr>
-            </a:lvl6pPr>
-            <a:lvl7pPr marL="2971800" indent="-228600" algn="l" defTabSz="914400" rtl="0" eaLnBrk="1" latinLnBrk="0" hangingPunct="1">
-              <a:lnSpc>
-                <a:spcPct val="90000"/>
-              </a:lnSpc>
-              <a:spcBef>
-                <a:spcPts val="500"/>
-              </a:spcBef>
-              <a:buFont typeface="Arial" panose="020B0604020202020204" pitchFamily="34" charset="0"/>
-              <a:buChar char="•"/>
-              <a:defRPr sz="1800" kern="1200">
-                <a:solidFill>
-                  <a:schemeClr val="tx1"/>
-                </a:solidFill>
-                <a:latin typeface="+mn-lt"/>
-                <a:ea typeface="+mn-ea"/>
-                <a:cs typeface="+mn-cs"/>
-              </a:defRPr>
-            </a:lvl7pPr>
-            <a:lvl8pPr marL="3429000" indent="-228600" algn="l" defTabSz="914400" rtl="0" eaLnBrk="1" latinLnBrk="0" hangingPunct="1">
-              <a:lnSpc>
-                <a:spcPct val="90000"/>
-              </a:lnSpc>
-              <a:spcBef>
-                <a:spcPts val="500"/>
-              </a:spcBef>
-              <a:buFont typeface="Arial" panose="020B0604020202020204" pitchFamily="34" charset="0"/>
-              <a:buChar char="•"/>
-              <a:defRPr sz="1800" kern="1200">
-                <a:solidFill>
-                  <a:schemeClr val="tx1"/>
-                </a:solidFill>
-                <a:latin typeface="+mn-lt"/>
-                <a:ea typeface="+mn-ea"/>
-                <a:cs typeface="+mn-cs"/>
-              </a:defRPr>
-            </a:lvl8pPr>
-            <a:lvl9pPr marL="3886200" indent="-228600" algn="l" defTabSz="914400" rtl="0" eaLnBrk="1" latinLnBrk="0" hangingPunct="1">
-              <a:lnSpc>
-                <a:spcPct val="90000"/>
-              </a:lnSpc>
-              <a:spcBef>
-                <a:spcPts val="500"/>
-              </a:spcBef>
-              <a:buFont typeface="Arial" panose="020B0604020202020204" pitchFamily="34" charset="0"/>
-              <a:buChar char="•"/>
-              <a:defRPr sz="1800" kern="1200">
-                <a:solidFill>
-                  <a:schemeClr val="tx1"/>
-                </a:solidFill>
-                <a:latin typeface="+mn-lt"/>
-                <a:ea typeface="+mn-ea"/>
-                <a:cs typeface="+mn-cs"/>
-              </a:defRPr>
-            </a:lvl9pPr>
-          </a:lstStyle>
+          <a:bodyPr/>
+          <a:lstStyle/>
           <a:p>
             <a:r>
               <a:rPr lang="en-US" dirty="0"/>
-              <a:t>We’ve seen grammar –&gt; language </a:t>
-            </a:r>
-          </a:p>
-          <a:p>
-            <a:r>
-              <a:rPr lang="en-US" dirty="0"/>
-              <a:t>We can also go language –&gt; grammar</a:t>
-            </a:r>
-          </a:p>
-          <a:p>
-            <a:r>
-              <a:rPr lang="en-US" dirty="0"/>
-              <a:t>Let’s try to write a grammar that produces all the palindromes in {a, b}*</a:t>
-            </a:r>
-          </a:p>
-          <a:p>
-            <a:pPr marL="0" indent="0">
-              <a:buNone/>
-            </a:pPr>
-            <a:endParaRPr lang="en-US" dirty="0"/>
-          </a:p>
-          <a:p>
-            <a:pPr marL="914400" lvl="1" indent="-457200">
-              <a:buFont typeface="+mj-lt"/>
-              <a:buAutoNum type="arabicPeriod"/>
-            </a:pPr>
-            <a:r>
-              <a:rPr lang="en-US" i="1" dirty="0"/>
-              <a:t>N</a:t>
-            </a:r>
-            <a:r>
-              <a:rPr lang="en-US" dirty="0"/>
-              <a:t> (nonterminal symbols)</a:t>
-            </a:r>
-          </a:p>
-          <a:p>
-            <a:pPr marL="914400" lvl="1" indent="-457200">
-              <a:buFont typeface="+mj-lt"/>
-              <a:buAutoNum type="arabicPeriod"/>
-            </a:pPr>
-            <a:r>
-              <a:rPr lang="el-GR" dirty="0"/>
-              <a:t>Σ</a:t>
-            </a:r>
-            <a:r>
-              <a:rPr lang="en-US" dirty="0"/>
-              <a:t> (terminal symbols)</a:t>
-            </a:r>
-          </a:p>
-          <a:p>
-            <a:pPr marL="914400" lvl="1" indent="-457200">
-              <a:buFont typeface="+mj-lt"/>
-              <a:buAutoNum type="arabicPeriod"/>
-            </a:pPr>
-            <a:r>
-              <a:rPr lang="en-US" i="1" dirty="0"/>
-              <a:t>P</a:t>
-            </a:r>
-            <a:r>
-              <a:rPr lang="en-US" dirty="0"/>
-              <a:t> (production rules)</a:t>
-            </a:r>
-            <a:endParaRPr lang="en-US" i="1" dirty="0"/>
-          </a:p>
-          <a:p>
-            <a:pPr marL="914400" lvl="1" indent="-457200">
-              <a:buFont typeface="+mj-lt"/>
-              <a:buAutoNum type="arabicPeriod"/>
-            </a:pPr>
-            <a:r>
-              <a:rPr lang="en-US" i="1" dirty="0"/>
-              <a:t>S</a:t>
-            </a:r>
-            <a:r>
-              <a:rPr lang="en-US" dirty="0"/>
-              <a:t> (start symbol)</a:t>
-            </a:r>
-          </a:p>
-          <a:p>
-            <a:endParaRPr lang="en-US" dirty="0"/>
+              <a:t>(This part might be confusing!)</a:t>
+            </a:r>
+            <a:endParaRPr lang="en-DE" dirty="0"/>
           </a:p>
         </p:txBody>
       </p:sp>
       <p:sp>
         <p:nvSpPr>
-          <p:cNvPr id="7" name="Content Placeholder 2">
+          <p:cNvPr id="4" name="Footer Placeholder 3">
             <a:extLst>
               <a:ext uri="{FF2B5EF4-FFF2-40B4-BE49-F238E27FC236}">
-                <a16:creationId xmlns:a16="http://schemas.microsoft.com/office/drawing/2014/main" id="{DA69ABA3-BEA9-4024-9455-7112C65689D7}"/>
-              </a:ext>
-            </a:extLst>
-          </p:cNvPr>
-          <p:cNvSpPr txBox="1">
-            <a:spLocks/>
-          </p:cNvSpPr>
-          <p:nvPr/>
-        </p:nvSpPr>
-        <p:spPr>
-          <a:xfrm>
-            <a:off x="5286828" y="3432405"/>
-            <a:ext cx="5505753" cy="2902859"/>
-          </a:xfrm>
-          <a:prstGeom prst="rect">
-            <a:avLst/>
-          </a:prstGeom>
-        </p:spPr>
-        <p:txBody>
-          <a:bodyPr vert="horz" lIns="91440" tIns="45720" rIns="91440" bIns="45720" rtlCol="0">
-            <a:normAutofit/>
-          </a:bodyPr>
-          <a:lstStyle>
-            <a:lvl1pPr marL="228600" indent="-228600" algn="l" defTabSz="914400" rtl="0" eaLnBrk="1" latinLnBrk="0" hangingPunct="1">
-              <a:lnSpc>
-                <a:spcPct val="90000"/>
-              </a:lnSpc>
-              <a:spcBef>
-                <a:spcPts val="1000"/>
-              </a:spcBef>
-              <a:buFont typeface="Arial" panose="020B0604020202020204" pitchFamily="34" charset="0"/>
-              <a:buChar char="•"/>
-              <a:defRPr sz="2400" kern="1200">
-                <a:solidFill>
-                  <a:schemeClr val="tx1"/>
-                </a:solidFill>
-                <a:latin typeface="Georgia" panose="02040502050405020303" pitchFamily="18" charset="0"/>
-                <a:ea typeface="+mn-ea"/>
-                <a:cs typeface="+mn-cs"/>
-              </a:defRPr>
-            </a:lvl1pPr>
-            <a:lvl2pPr marL="685800" indent="-228600" algn="l" defTabSz="914400" rtl="0" eaLnBrk="1" latinLnBrk="0" hangingPunct="1">
-              <a:lnSpc>
-                <a:spcPct val="90000"/>
-              </a:lnSpc>
-              <a:spcBef>
-                <a:spcPts val="500"/>
-              </a:spcBef>
-              <a:buFont typeface="Arial" panose="020B0604020202020204" pitchFamily="34" charset="0"/>
-              <a:buChar char="•"/>
-              <a:defRPr sz="2400" kern="1200">
-                <a:solidFill>
-                  <a:schemeClr val="tx1"/>
-                </a:solidFill>
-                <a:latin typeface="Georgia" panose="02040502050405020303" pitchFamily="18" charset="0"/>
-                <a:ea typeface="+mn-ea"/>
-                <a:cs typeface="+mn-cs"/>
-              </a:defRPr>
-            </a:lvl2pPr>
-            <a:lvl3pPr marL="1143000" indent="-228600" algn="l" defTabSz="914400" rtl="0" eaLnBrk="1" latinLnBrk="0" hangingPunct="1">
-              <a:lnSpc>
-                <a:spcPct val="90000"/>
-              </a:lnSpc>
-              <a:spcBef>
-                <a:spcPts val="500"/>
-              </a:spcBef>
-              <a:buFont typeface="Arial" panose="020B0604020202020204" pitchFamily="34" charset="0"/>
-              <a:buChar char="•"/>
-              <a:defRPr sz="2400" kern="1200">
-                <a:solidFill>
-                  <a:schemeClr val="tx1"/>
-                </a:solidFill>
-                <a:latin typeface="Georgia" panose="02040502050405020303" pitchFamily="18" charset="0"/>
-                <a:ea typeface="+mn-ea"/>
-                <a:cs typeface="+mn-cs"/>
-              </a:defRPr>
-            </a:lvl3pPr>
-            <a:lvl4pPr marL="1600200" indent="-228600" algn="l" defTabSz="914400" rtl="0" eaLnBrk="1" latinLnBrk="0" hangingPunct="1">
-              <a:lnSpc>
-                <a:spcPct val="90000"/>
-              </a:lnSpc>
-              <a:spcBef>
-                <a:spcPts val="500"/>
-              </a:spcBef>
-              <a:buFont typeface="Arial" panose="020B0604020202020204" pitchFamily="34" charset="0"/>
-              <a:buChar char="•"/>
-              <a:defRPr sz="2400" kern="1200">
-                <a:solidFill>
-                  <a:schemeClr val="tx1"/>
-                </a:solidFill>
-                <a:latin typeface="Georgia" panose="02040502050405020303" pitchFamily="18" charset="0"/>
-                <a:ea typeface="+mn-ea"/>
-                <a:cs typeface="+mn-cs"/>
-              </a:defRPr>
-            </a:lvl4pPr>
-            <a:lvl5pPr marL="2057400" indent="-228600" algn="l" defTabSz="914400" rtl="0" eaLnBrk="1" latinLnBrk="0" hangingPunct="1">
-              <a:lnSpc>
-                <a:spcPct val="90000"/>
-              </a:lnSpc>
-              <a:spcBef>
-                <a:spcPts val="500"/>
-              </a:spcBef>
-              <a:buFont typeface="Arial" panose="020B0604020202020204" pitchFamily="34" charset="0"/>
-              <a:buChar char="•"/>
-              <a:defRPr sz="2400" kern="1200">
-                <a:solidFill>
-                  <a:schemeClr val="tx1"/>
-                </a:solidFill>
-                <a:latin typeface="Georgia" panose="02040502050405020303" pitchFamily="18" charset="0"/>
-                <a:ea typeface="+mn-ea"/>
-                <a:cs typeface="+mn-cs"/>
-              </a:defRPr>
-            </a:lvl5pPr>
-            <a:lvl6pPr marL="2514600" indent="-228600" algn="l" defTabSz="914400" rtl="0" eaLnBrk="1" latinLnBrk="0" hangingPunct="1">
-              <a:lnSpc>
-                <a:spcPct val="90000"/>
-              </a:lnSpc>
-              <a:spcBef>
-                <a:spcPts val="500"/>
-              </a:spcBef>
-              <a:buFont typeface="Arial" panose="020B0604020202020204" pitchFamily="34" charset="0"/>
-              <a:buChar char="•"/>
-              <a:defRPr sz="1800" kern="1200">
-                <a:solidFill>
-                  <a:schemeClr val="tx1"/>
-                </a:solidFill>
-                <a:latin typeface="+mn-lt"/>
-                <a:ea typeface="+mn-ea"/>
-                <a:cs typeface="+mn-cs"/>
-              </a:defRPr>
-            </a:lvl6pPr>
-            <a:lvl7pPr marL="2971800" indent="-228600" algn="l" defTabSz="914400" rtl="0" eaLnBrk="1" latinLnBrk="0" hangingPunct="1">
-              <a:lnSpc>
-                <a:spcPct val="90000"/>
-              </a:lnSpc>
-              <a:spcBef>
-                <a:spcPts val="500"/>
-              </a:spcBef>
-              <a:buFont typeface="Arial" panose="020B0604020202020204" pitchFamily="34" charset="0"/>
-              <a:buChar char="•"/>
-              <a:defRPr sz="1800" kern="1200">
-                <a:solidFill>
-                  <a:schemeClr val="tx1"/>
-                </a:solidFill>
-                <a:latin typeface="+mn-lt"/>
-                <a:ea typeface="+mn-ea"/>
-                <a:cs typeface="+mn-cs"/>
-              </a:defRPr>
-            </a:lvl7pPr>
-            <a:lvl8pPr marL="3429000" indent="-228600" algn="l" defTabSz="914400" rtl="0" eaLnBrk="1" latinLnBrk="0" hangingPunct="1">
-              <a:lnSpc>
-                <a:spcPct val="90000"/>
-              </a:lnSpc>
-              <a:spcBef>
-                <a:spcPts val="500"/>
-              </a:spcBef>
-              <a:buFont typeface="Arial" panose="020B0604020202020204" pitchFamily="34" charset="0"/>
-              <a:buChar char="•"/>
-              <a:defRPr sz="1800" kern="1200">
-                <a:solidFill>
-                  <a:schemeClr val="tx1"/>
-                </a:solidFill>
-                <a:latin typeface="+mn-lt"/>
-                <a:ea typeface="+mn-ea"/>
-                <a:cs typeface="+mn-cs"/>
-              </a:defRPr>
-            </a:lvl8pPr>
-            <a:lvl9pPr marL="3886200" indent="-228600" algn="l" defTabSz="914400" rtl="0" eaLnBrk="1" latinLnBrk="0" hangingPunct="1">
-              <a:lnSpc>
-                <a:spcPct val="90000"/>
-              </a:lnSpc>
-              <a:spcBef>
-                <a:spcPts val="500"/>
-              </a:spcBef>
-              <a:buFont typeface="Arial" panose="020B0604020202020204" pitchFamily="34" charset="0"/>
-              <a:buChar char="•"/>
-              <a:defRPr sz="1800" kern="1200">
-                <a:solidFill>
-                  <a:schemeClr val="tx1"/>
-                </a:solidFill>
-                <a:latin typeface="+mn-lt"/>
-                <a:ea typeface="+mn-ea"/>
-                <a:cs typeface="+mn-cs"/>
-              </a:defRPr>
-            </a:lvl9pPr>
-          </a:lstStyle>
-          <a:p>
-            <a:pPr marL="914400" lvl="1" indent="-457200">
-              <a:buFont typeface="+mj-lt"/>
-              <a:buAutoNum type="arabicPeriod"/>
-            </a:pPr>
-            <a:r>
-              <a:rPr lang="en-US" dirty="0"/>
-              <a:t>{S}</a:t>
-            </a:r>
-          </a:p>
-          <a:p>
-            <a:pPr marL="914400" lvl="1" indent="-457200">
-              <a:buFont typeface="+mj-lt"/>
-              <a:buAutoNum type="arabicPeriod"/>
-            </a:pPr>
-            <a:r>
-              <a:rPr lang="en-US" dirty="0"/>
-              <a:t>{a, b}</a:t>
-            </a:r>
-          </a:p>
-          <a:p>
-            <a:pPr marL="914400" lvl="1" indent="-457200">
-              <a:buFont typeface="+mj-lt"/>
-              <a:buAutoNum type="arabicPeriod"/>
-            </a:pPr>
-            <a:r>
-              <a:rPr lang="en-US" dirty="0"/>
-              <a:t>1. S </a:t>
-            </a:r>
-            <a:r>
-              <a:rPr lang="en-US" dirty="0">
-                <a:sym typeface="Wingdings" panose="05000000000000000000" pitchFamily="2" charset="2"/>
-              </a:rPr>
-              <a:t> </a:t>
-            </a:r>
-            <a:r>
-              <a:rPr lang="en-US" dirty="0" err="1">
-                <a:sym typeface="Wingdings" panose="05000000000000000000" pitchFamily="2" charset="2"/>
-              </a:rPr>
-              <a:t>aSa</a:t>
-            </a:r>
-            <a:endParaRPr lang="en-US" dirty="0">
-              <a:sym typeface="Wingdings" panose="05000000000000000000" pitchFamily="2" charset="2"/>
-            </a:endParaRPr>
-          </a:p>
-          <a:p>
-            <a:pPr marL="457200" lvl="1" indent="0">
-              <a:buNone/>
-            </a:pPr>
-            <a:r>
-              <a:rPr lang="en-US" dirty="0">
-                <a:sym typeface="Wingdings" panose="05000000000000000000" pitchFamily="2" charset="2"/>
-              </a:rPr>
-              <a:t>	2. S  </a:t>
-            </a:r>
-            <a:r>
-              <a:rPr lang="en-US" dirty="0" err="1">
-                <a:sym typeface="Wingdings" panose="05000000000000000000" pitchFamily="2" charset="2"/>
-              </a:rPr>
-              <a:t>bSb</a:t>
-            </a:r>
-            <a:endParaRPr lang="en-US" dirty="0">
-              <a:sym typeface="Wingdings" panose="05000000000000000000" pitchFamily="2" charset="2"/>
-            </a:endParaRPr>
-          </a:p>
-          <a:p>
-            <a:pPr marL="457200" lvl="1" indent="0">
-              <a:buNone/>
-            </a:pPr>
-            <a:r>
-              <a:rPr lang="en-US" dirty="0">
-                <a:sym typeface="Wingdings" panose="05000000000000000000" pitchFamily="2" charset="2"/>
-              </a:rPr>
-              <a:t>	3. S  </a:t>
-            </a:r>
-            <a:r>
-              <a:rPr lang="en-US" i="1" dirty="0">
-                <a:sym typeface="Wingdings" panose="05000000000000000000" pitchFamily="2" charset="2"/>
-              </a:rPr>
-              <a:t>e</a:t>
-            </a:r>
-            <a:endParaRPr lang="en-US" dirty="0">
-              <a:sym typeface="Wingdings" panose="05000000000000000000" pitchFamily="2" charset="2"/>
-            </a:endParaRPr>
-          </a:p>
-          <a:p>
-            <a:pPr marL="457200" lvl="1" indent="0">
-              <a:buNone/>
-            </a:pPr>
-            <a:r>
-              <a:rPr lang="en-US" dirty="0">
-                <a:sym typeface="Wingdings" panose="05000000000000000000" pitchFamily="2" charset="2"/>
-              </a:rPr>
-              <a:t>	4. S  a</a:t>
-            </a:r>
-          </a:p>
-          <a:p>
-            <a:pPr marL="457200" lvl="1" indent="0">
-              <a:buNone/>
-            </a:pPr>
-            <a:r>
-              <a:rPr lang="en-US" dirty="0">
-                <a:sym typeface="Wingdings" panose="05000000000000000000" pitchFamily="2" charset="2"/>
-              </a:rPr>
-              <a:t>	5. S  b</a:t>
-            </a:r>
-            <a:endParaRPr lang="en-US" b="1" i="1" dirty="0"/>
-          </a:p>
-        </p:txBody>
-      </p:sp>
-      <p:sp>
-        <p:nvSpPr>
-          <p:cNvPr id="3" name="Footer Placeholder 2">
-            <a:extLst>
-              <a:ext uri="{FF2B5EF4-FFF2-40B4-BE49-F238E27FC236}">
-                <a16:creationId xmlns:a16="http://schemas.microsoft.com/office/drawing/2014/main" id="{8BBF9FD2-1658-AF47-E58E-AB444A310C72}"/>
+                <a16:creationId xmlns:a16="http://schemas.microsoft.com/office/drawing/2014/main" id="{025A579B-3F21-7AA9-AEEE-2EBDB6875B58}"/>
               </a:ext>
             </a:extLst>
           </p:cNvPr>
@@ -18887,10 +19406,10 @@
       </p:sp>
       <p:sp>
         <p:nvSpPr>
-          <p:cNvPr id="4" name="Slide Number Placeholder 3">
+          <p:cNvPr id="5" name="Slide Number Placeholder 4">
             <a:extLst>
               <a:ext uri="{FF2B5EF4-FFF2-40B4-BE49-F238E27FC236}">
-                <a16:creationId xmlns:a16="http://schemas.microsoft.com/office/drawing/2014/main" id="{0E35C101-5901-D683-C251-AE8431DAF5EA}"/>
+                <a16:creationId xmlns:a16="http://schemas.microsoft.com/office/drawing/2014/main" id="{4CBC9318-7384-2F38-C6A1-6875A2DEB269}"/>
               </a:ext>
             </a:extLst>
           </p:cNvPr>
@@ -18908,7 +19427,7 @@
           <a:p>
             <a:fld id="{87C6F9F5-FD91-41AF-9631-9F406EBEB36A}" type="slidenum">
               <a:rPr lang="en-DE" smtClean="0"/>
-              <a:t>26</a:t>
+              <a:t>29</a:t>
             </a:fld>
             <a:endParaRPr lang="en-DE"/>
           </a:p>
@@ -18917,733 +19436,17 @@
     </p:spTree>
     <p:extLst>
       <p:ext uri="{BB962C8B-B14F-4D97-AF65-F5344CB8AC3E}">
-        <p14:creationId xmlns:p14="http://schemas.microsoft.com/office/powerpoint/2010/main" val="2559043070"/>
+        <p14:creationId xmlns:p14="http://schemas.microsoft.com/office/powerpoint/2010/main" val="4159783194"/>
       </p:ext>
     </p:extLst>
   </p:cSld>
   <p:clrMapOvr>
     <a:masterClrMapping/>
   </p:clrMapOvr>
-  <p:timing>
-    <p:tnLst>
-      <p:par>
-        <p:cTn id="1" dur="indefinite" restart="never" nodeType="tmRoot">
-          <p:childTnLst>
-            <p:seq concurrent="1" nextAc="seek">
-              <p:cTn id="2" dur="indefinite" nodeType="mainSeq">
-                <p:childTnLst>
-                  <p:par>
-                    <p:cTn id="3" fill="hold">
-                      <p:stCondLst>
-                        <p:cond delay="indefinite"/>
-                      </p:stCondLst>
-                      <p:childTnLst>
-                        <p:par>
-                          <p:cTn id="4" fill="hold">
-                            <p:stCondLst>
-                              <p:cond delay="0"/>
-                            </p:stCondLst>
-                            <p:childTnLst>
-                              <p:par>
-                                <p:cTn id="5" presetID="1" presetClass="entr" presetSubtype="0" fill="hold" nodeType="clickEffect">
-                                  <p:stCondLst>
-                                    <p:cond delay="0"/>
-                                  </p:stCondLst>
-                                  <p:childTnLst>
-                                    <p:set>
-                                      <p:cBhvr>
-                                        <p:cTn id="6" dur="1" fill="hold">
-                                          <p:stCondLst>
-                                            <p:cond delay="0"/>
-                                          </p:stCondLst>
-                                        </p:cTn>
-                                        <p:tgtEl>
-                                          <p:spTgt spid="6">
-                                            <p:txEl>
-                                              <p:pRg st="0" end="0"/>
-                                            </p:txEl>
-                                          </p:spTgt>
-                                        </p:tgtEl>
-                                        <p:attrNameLst>
-                                          <p:attrName>style.visibility</p:attrName>
-                                        </p:attrNameLst>
-                                      </p:cBhvr>
-                                      <p:to>
-                                        <p:strVal val="visible"/>
-                                      </p:to>
-                                    </p:set>
-                                  </p:childTnLst>
-                                </p:cTn>
-                              </p:par>
-                            </p:childTnLst>
-                          </p:cTn>
-                        </p:par>
-                      </p:childTnLst>
-                    </p:cTn>
-                  </p:par>
-                  <p:par>
-                    <p:cTn id="7" fill="hold">
-                      <p:stCondLst>
-                        <p:cond delay="indefinite"/>
-                      </p:stCondLst>
-                      <p:childTnLst>
-                        <p:par>
-                          <p:cTn id="8" fill="hold">
-                            <p:stCondLst>
-                              <p:cond delay="0"/>
-                            </p:stCondLst>
-                            <p:childTnLst>
-                              <p:par>
-                                <p:cTn id="9" presetID="1" presetClass="entr" presetSubtype="0" fill="hold" nodeType="clickEffect">
-                                  <p:stCondLst>
-                                    <p:cond delay="0"/>
-                                  </p:stCondLst>
-                                  <p:childTnLst>
-                                    <p:set>
-                                      <p:cBhvr>
-                                        <p:cTn id="10" dur="1" fill="hold">
-                                          <p:stCondLst>
-                                            <p:cond delay="0"/>
-                                          </p:stCondLst>
-                                        </p:cTn>
-                                        <p:tgtEl>
-                                          <p:spTgt spid="6">
-                                            <p:txEl>
-                                              <p:pRg st="1" end="1"/>
-                                            </p:txEl>
-                                          </p:spTgt>
-                                        </p:tgtEl>
-                                        <p:attrNameLst>
-                                          <p:attrName>style.visibility</p:attrName>
-                                        </p:attrNameLst>
-                                      </p:cBhvr>
-                                      <p:to>
-                                        <p:strVal val="visible"/>
-                                      </p:to>
-                                    </p:set>
-                                  </p:childTnLst>
-                                </p:cTn>
-                              </p:par>
-                            </p:childTnLst>
-                          </p:cTn>
-                        </p:par>
-                      </p:childTnLst>
-                    </p:cTn>
-                  </p:par>
-                  <p:par>
-                    <p:cTn id="11" fill="hold">
-                      <p:stCondLst>
-                        <p:cond delay="indefinite"/>
-                      </p:stCondLst>
-                      <p:childTnLst>
-                        <p:par>
-                          <p:cTn id="12" fill="hold">
-                            <p:stCondLst>
-                              <p:cond delay="0"/>
-                            </p:stCondLst>
-                            <p:childTnLst>
-                              <p:par>
-                                <p:cTn id="13" presetID="1" presetClass="entr" presetSubtype="0" fill="hold" nodeType="clickEffect">
-                                  <p:stCondLst>
-                                    <p:cond delay="0"/>
-                                  </p:stCondLst>
-                                  <p:childTnLst>
-                                    <p:set>
-                                      <p:cBhvr>
-                                        <p:cTn id="14" dur="1" fill="hold">
-                                          <p:stCondLst>
-                                            <p:cond delay="0"/>
-                                          </p:stCondLst>
-                                        </p:cTn>
-                                        <p:tgtEl>
-                                          <p:spTgt spid="6">
-                                            <p:txEl>
-                                              <p:pRg st="2" end="2"/>
-                                            </p:txEl>
-                                          </p:spTgt>
-                                        </p:tgtEl>
-                                        <p:attrNameLst>
-                                          <p:attrName>style.visibility</p:attrName>
-                                        </p:attrNameLst>
-                                      </p:cBhvr>
-                                      <p:to>
-                                        <p:strVal val="visible"/>
-                                      </p:to>
-                                    </p:set>
-                                  </p:childTnLst>
-                                </p:cTn>
-                              </p:par>
-                            </p:childTnLst>
-                          </p:cTn>
-                        </p:par>
-                      </p:childTnLst>
-                    </p:cTn>
-                  </p:par>
-                  <p:par>
-                    <p:cTn id="15" fill="hold">
-                      <p:stCondLst>
-                        <p:cond delay="indefinite"/>
-                      </p:stCondLst>
-                      <p:childTnLst>
-                        <p:par>
-                          <p:cTn id="16" fill="hold">
-                            <p:stCondLst>
-                              <p:cond delay="0"/>
-                            </p:stCondLst>
-                            <p:childTnLst>
-                              <p:par>
-                                <p:cTn id="17" presetID="1" presetClass="entr" presetSubtype="0" fill="hold" nodeType="clickEffect">
-                                  <p:stCondLst>
-                                    <p:cond delay="0"/>
-                                  </p:stCondLst>
-                                  <p:childTnLst>
-                                    <p:set>
-                                      <p:cBhvr>
-                                        <p:cTn id="18" dur="1" fill="hold">
-                                          <p:stCondLst>
-                                            <p:cond delay="0"/>
-                                          </p:stCondLst>
-                                        </p:cTn>
-                                        <p:tgtEl>
-                                          <p:spTgt spid="6">
-                                            <p:txEl>
-                                              <p:pRg st="4" end="4"/>
-                                            </p:txEl>
-                                          </p:spTgt>
-                                        </p:tgtEl>
-                                        <p:attrNameLst>
-                                          <p:attrName>style.visibility</p:attrName>
-                                        </p:attrNameLst>
-                                      </p:cBhvr>
-                                      <p:to>
-                                        <p:strVal val="visible"/>
-                                      </p:to>
-                                    </p:set>
-                                  </p:childTnLst>
-                                </p:cTn>
-                              </p:par>
-                            </p:childTnLst>
-                          </p:cTn>
-                        </p:par>
-                      </p:childTnLst>
-                    </p:cTn>
-                  </p:par>
-                  <p:par>
-                    <p:cTn id="19" fill="hold">
-                      <p:stCondLst>
-                        <p:cond delay="indefinite"/>
-                      </p:stCondLst>
-                      <p:childTnLst>
-                        <p:par>
-                          <p:cTn id="20" fill="hold">
-                            <p:stCondLst>
-                              <p:cond delay="0"/>
-                            </p:stCondLst>
-                            <p:childTnLst>
-                              <p:par>
-                                <p:cTn id="21" presetID="1" presetClass="entr" presetSubtype="0" fill="hold" nodeType="clickEffect">
-                                  <p:stCondLst>
-                                    <p:cond delay="0"/>
-                                  </p:stCondLst>
-                                  <p:childTnLst>
-                                    <p:set>
-                                      <p:cBhvr>
-                                        <p:cTn id="22" dur="1" fill="hold">
-                                          <p:stCondLst>
-                                            <p:cond delay="0"/>
-                                          </p:stCondLst>
-                                        </p:cTn>
-                                        <p:tgtEl>
-                                          <p:spTgt spid="6">
-                                            <p:txEl>
-                                              <p:pRg st="5" end="5"/>
-                                            </p:txEl>
-                                          </p:spTgt>
-                                        </p:tgtEl>
-                                        <p:attrNameLst>
-                                          <p:attrName>style.visibility</p:attrName>
-                                        </p:attrNameLst>
-                                      </p:cBhvr>
-                                      <p:to>
-                                        <p:strVal val="visible"/>
-                                      </p:to>
-                                    </p:set>
-                                  </p:childTnLst>
-                                </p:cTn>
-                              </p:par>
-                            </p:childTnLst>
-                          </p:cTn>
-                        </p:par>
-                      </p:childTnLst>
-                    </p:cTn>
-                  </p:par>
-                  <p:par>
-                    <p:cTn id="23" fill="hold">
-                      <p:stCondLst>
-                        <p:cond delay="indefinite"/>
-                      </p:stCondLst>
-                      <p:childTnLst>
-                        <p:par>
-                          <p:cTn id="24" fill="hold">
-                            <p:stCondLst>
-                              <p:cond delay="0"/>
-                            </p:stCondLst>
-                            <p:childTnLst>
-                              <p:par>
-                                <p:cTn id="25" presetID="1" presetClass="entr" presetSubtype="0" fill="hold" nodeType="clickEffect">
-                                  <p:stCondLst>
-                                    <p:cond delay="0"/>
-                                  </p:stCondLst>
-                                  <p:childTnLst>
-                                    <p:set>
-                                      <p:cBhvr>
-                                        <p:cTn id="26" dur="1" fill="hold">
-                                          <p:stCondLst>
-                                            <p:cond delay="0"/>
-                                          </p:stCondLst>
-                                        </p:cTn>
-                                        <p:tgtEl>
-                                          <p:spTgt spid="6">
-                                            <p:txEl>
-                                              <p:pRg st="6" end="6"/>
-                                            </p:txEl>
-                                          </p:spTgt>
-                                        </p:tgtEl>
-                                        <p:attrNameLst>
-                                          <p:attrName>style.visibility</p:attrName>
-                                        </p:attrNameLst>
-                                      </p:cBhvr>
-                                      <p:to>
-                                        <p:strVal val="visible"/>
-                                      </p:to>
-                                    </p:set>
-                                  </p:childTnLst>
-                                </p:cTn>
-                              </p:par>
-                            </p:childTnLst>
-                          </p:cTn>
-                        </p:par>
-                      </p:childTnLst>
-                    </p:cTn>
-                  </p:par>
-                  <p:par>
-                    <p:cTn id="27" fill="hold">
-                      <p:stCondLst>
-                        <p:cond delay="indefinite"/>
-                      </p:stCondLst>
-                      <p:childTnLst>
-                        <p:par>
-                          <p:cTn id="28" fill="hold">
-                            <p:stCondLst>
-                              <p:cond delay="0"/>
-                            </p:stCondLst>
-                            <p:childTnLst>
-                              <p:par>
-                                <p:cTn id="29" presetID="1" presetClass="entr" presetSubtype="0" fill="hold" nodeType="clickEffect">
-                                  <p:stCondLst>
-                                    <p:cond delay="0"/>
-                                  </p:stCondLst>
-                                  <p:childTnLst>
-                                    <p:set>
-                                      <p:cBhvr>
-                                        <p:cTn id="30" dur="1" fill="hold">
-                                          <p:stCondLst>
-                                            <p:cond delay="0"/>
-                                          </p:stCondLst>
-                                        </p:cTn>
-                                        <p:tgtEl>
-                                          <p:spTgt spid="6">
-                                            <p:txEl>
-                                              <p:pRg st="7" end="7"/>
-                                            </p:txEl>
-                                          </p:spTgt>
-                                        </p:tgtEl>
-                                        <p:attrNameLst>
-                                          <p:attrName>style.visibility</p:attrName>
-                                        </p:attrNameLst>
-                                      </p:cBhvr>
-                                      <p:to>
-                                        <p:strVal val="visible"/>
-                                      </p:to>
-                                    </p:set>
-                                  </p:childTnLst>
-                                </p:cTn>
-                              </p:par>
-                            </p:childTnLst>
-                          </p:cTn>
-                        </p:par>
-                      </p:childTnLst>
-                    </p:cTn>
-                  </p:par>
-                  <p:par>
-                    <p:cTn id="31" fill="hold">
-                      <p:stCondLst>
-                        <p:cond delay="indefinite"/>
-                      </p:stCondLst>
-                      <p:childTnLst>
-                        <p:par>
-                          <p:cTn id="32" fill="hold">
-                            <p:stCondLst>
-                              <p:cond delay="0"/>
-                            </p:stCondLst>
-                            <p:childTnLst>
-                              <p:par>
-                                <p:cTn id="33" presetID="1" presetClass="entr" presetSubtype="0" fill="hold" nodeType="clickEffect">
-                                  <p:stCondLst>
-                                    <p:cond delay="0"/>
-                                  </p:stCondLst>
-                                  <p:childTnLst>
-                                    <p:set>
-                                      <p:cBhvr>
-                                        <p:cTn id="34" dur="1" fill="hold">
-                                          <p:stCondLst>
-                                            <p:cond delay="0"/>
-                                          </p:stCondLst>
-                                        </p:cTn>
-                                        <p:tgtEl>
-                                          <p:spTgt spid="7">
-                                            <p:txEl>
-                                              <p:pRg st="0" end="0"/>
-                                            </p:txEl>
-                                          </p:spTgt>
-                                        </p:tgtEl>
-                                        <p:attrNameLst>
-                                          <p:attrName>style.visibility</p:attrName>
-                                        </p:attrNameLst>
-                                      </p:cBhvr>
-                                      <p:to>
-                                        <p:strVal val="visible"/>
-                                      </p:to>
-                                    </p:set>
-                                  </p:childTnLst>
-                                </p:cTn>
-                              </p:par>
-                            </p:childTnLst>
-                          </p:cTn>
-                        </p:par>
-                      </p:childTnLst>
-                    </p:cTn>
-                  </p:par>
-                  <p:par>
-                    <p:cTn id="35" fill="hold">
-                      <p:stCondLst>
-                        <p:cond delay="indefinite"/>
-                      </p:stCondLst>
-                      <p:childTnLst>
-                        <p:par>
-                          <p:cTn id="36" fill="hold">
-                            <p:stCondLst>
-                              <p:cond delay="0"/>
-                            </p:stCondLst>
-                            <p:childTnLst>
-                              <p:par>
-                                <p:cTn id="37" presetID="1" presetClass="entr" presetSubtype="0" fill="hold" nodeType="clickEffect">
-                                  <p:stCondLst>
-                                    <p:cond delay="0"/>
-                                  </p:stCondLst>
-                                  <p:childTnLst>
-                                    <p:set>
-                                      <p:cBhvr>
-                                        <p:cTn id="38" dur="1" fill="hold">
-                                          <p:stCondLst>
-                                            <p:cond delay="0"/>
-                                          </p:stCondLst>
-                                        </p:cTn>
-                                        <p:tgtEl>
-                                          <p:spTgt spid="7">
-                                            <p:txEl>
-                                              <p:pRg st="1" end="1"/>
-                                            </p:txEl>
-                                          </p:spTgt>
-                                        </p:tgtEl>
-                                        <p:attrNameLst>
-                                          <p:attrName>style.visibility</p:attrName>
-                                        </p:attrNameLst>
-                                      </p:cBhvr>
-                                      <p:to>
-                                        <p:strVal val="visible"/>
-                                      </p:to>
-                                    </p:set>
-                                  </p:childTnLst>
-                                </p:cTn>
-                              </p:par>
-                            </p:childTnLst>
-                          </p:cTn>
-                        </p:par>
-                      </p:childTnLst>
-                    </p:cTn>
-                  </p:par>
-                  <p:par>
-                    <p:cTn id="39" fill="hold">
-                      <p:stCondLst>
-                        <p:cond delay="indefinite"/>
-                      </p:stCondLst>
-                      <p:childTnLst>
-                        <p:par>
-                          <p:cTn id="40" fill="hold">
-                            <p:stCondLst>
-                              <p:cond delay="0"/>
-                            </p:stCondLst>
-                            <p:childTnLst>
-                              <p:par>
-                                <p:cTn id="41" presetID="1" presetClass="entr" presetSubtype="0" fill="hold" nodeType="clickEffect">
-                                  <p:stCondLst>
-                                    <p:cond delay="0"/>
-                                  </p:stCondLst>
-                                  <p:childTnLst>
-                                    <p:set>
-                                      <p:cBhvr>
-                                        <p:cTn id="42" dur="1" fill="hold">
-                                          <p:stCondLst>
-                                            <p:cond delay="0"/>
-                                          </p:stCondLst>
-                                        </p:cTn>
-                                        <p:tgtEl>
-                                          <p:spTgt spid="7">
-                                            <p:txEl>
-                                              <p:pRg st="2" end="2"/>
-                                            </p:txEl>
-                                          </p:spTgt>
-                                        </p:tgtEl>
-                                        <p:attrNameLst>
-                                          <p:attrName>style.visibility</p:attrName>
-                                        </p:attrNameLst>
-                                      </p:cBhvr>
-                                      <p:to>
-                                        <p:strVal val="visible"/>
-                                      </p:to>
-                                    </p:set>
-                                  </p:childTnLst>
-                                </p:cTn>
-                              </p:par>
-                            </p:childTnLst>
-                          </p:cTn>
-                        </p:par>
-                      </p:childTnLst>
-                    </p:cTn>
-                  </p:par>
-                  <p:par>
-                    <p:cTn id="43" fill="hold">
-                      <p:stCondLst>
-                        <p:cond delay="indefinite"/>
-                      </p:stCondLst>
-                      <p:childTnLst>
-                        <p:par>
-                          <p:cTn id="44" fill="hold">
-                            <p:stCondLst>
-                              <p:cond delay="0"/>
-                            </p:stCondLst>
-                            <p:childTnLst>
-                              <p:par>
-                                <p:cTn id="45" presetID="1" presetClass="entr" presetSubtype="0" fill="hold" nodeType="clickEffect">
-                                  <p:stCondLst>
-                                    <p:cond delay="0"/>
-                                  </p:stCondLst>
-                                  <p:childTnLst>
-                                    <p:set>
-                                      <p:cBhvr>
-                                        <p:cTn id="46" dur="1" fill="hold">
-                                          <p:stCondLst>
-                                            <p:cond delay="0"/>
-                                          </p:stCondLst>
-                                        </p:cTn>
-                                        <p:tgtEl>
-                                          <p:spTgt spid="7">
-                                            <p:txEl>
-                                              <p:pRg st="3" end="3"/>
-                                            </p:txEl>
-                                          </p:spTgt>
-                                        </p:tgtEl>
-                                        <p:attrNameLst>
-                                          <p:attrName>style.visibility</p:attrName>
-                                        </p:attrNameLst>
-                                      </p:cBhvr>
-                                      <p:to>
-                                        <p:strVal val="visible"/>
-                                      </p:to>
-                                    </p:set>
-                                  </p:childTnLst>
-                                </p:cTn>
-                              </p:par>
-                            </p:childTnLst>
-                          </p:cTn>
-                        </p:par>
-                      </p:childTnLst>
-                    </p:cTn>
-                  </p:par>
-                  <p:par>
-                    <p:cTn id="47" fill="hold">
-                      <p:stCondLst>
-                        <p:cond delay="indefinite"/>
-                      </p:stCondLst>
-                      <p:childTnLst>
-                        <p:par>
-                          <p:cTn id="48" fill="hold">
-                            <p:stCondLst>
-                              <p:cond delay="0"/>
-                            </p:stCondLst>
-                            <p:childTnLst>
-                              <p:par>
-                                <p:cTn id="49" presetID="1" presetClass="entr" presetSubtype="0" fill="hold" nodeType="clickEffect">
-                                  <p:stCondLst>
-                                    <p:cond delay="0"/>
-                                  </p:stCondLst>
-                                  <p:childTnLst>
-                                    <p:set>
-                                      <p:cBhvr>
-                                        <p:cTn id="50" dur="1" fill="hold">
-                                          <p:stCondLst>
-                                            <p:cond delay="0"/>
-                                          </p:stCondLst>
-                                        </p:cTn>
-                                        <p:tgtEl>
-                                          <p:spTgt spid="7">
-                                            <p:txEl>
-                                              <p:pRg st="4" end="4"/>
-                                            </p:txEl>
-                                          </p:spTgt>
-                                        </p:tgtEl>
-                                        <p:attrNameLst>
-                                          <p:attrName>style.visibility</p:attrName>
-                                        </p:attrNameLst>
-                                      </p:cBhvr>
-                                      <p:to>
-                                        <p:strVal val="visible"/>
-                                      </p:to>
-                                    </p:set>
-                                  </p:childTnLst>
-                                </p:cTn>
-                              </p:par>
-                            </p:childTnLst>
-                          </p:cTn>
-                        </p:par>
-                      </p:childTnLst>
-                    </p:cTn>
-                  </p:par>
-                  <p:par>
-                    <p:cTn id="51" fill="hold">
-                      <p:stCondLst>
-                        <p:cond delay="indefinite"/>
-                      </p:stCondLst>
-                      <p:childTnLst>
-                        <p:par>
-                          <p:cTn id="52" fill="hold">
-                            <p:stCondLst>
-                              <p:cond delay="0"/>
-                            </p:stCondLst>
-                            <p:childTnLst>
-                              <p:par>
-                                <p:cTn id="53" presetID="1" presetClass="entr" presetSubtype="0" fill="hold" nodeType="clickEffect">
-                                  <p:stCondLst>
-                                    <p:cond delay="0"/>
-                                  </p:stCondLst>
-                                  <p:childTnLst>
-                                    <p:set>
-                                      <p:cBhvr>
-                                        <p:cTn id="54" dur="1" fill="hold">
-                                          <p:stCondLst>
-                                            <p:cond delay="0"/>
-                                          </p:stCondLst>
-                                        </p:cTn>
-                                        <p:tgtEl>
-                                          <p:spTgt spid="7">
-                                            <p:txEl>
-                                              <p:pRg st="5" end="5"/>
-                                            </p:txEl>
-                                          </p:spTgt>
-                                        </p:tgtEl>
-                                        <p:attrNameLst>
-                                          <p:attrName>style.visibility</p:attrName>
-                                        </p:attrNameLst>
-                                      </p:cBhvr>
-                                      <p:to>
-                                        <p:strVal val="visible"/>
-                                      </p:to>
-                                    </p:set>
-                                  </p:childTnLst>
-                                </p:cTn>
-                              </p:par>
-                            </p:childTnLst>
-                          </p:cTn>
-                        </p:par>
-                      </p:childTnLst>
-                    </p:cTn>
-                  </p:par>
-                  <p:par>
-                    <p:cTn id="55" fill="hold">
-                      <p:stCondLst>
-                        <p:cond delay="indefinite"/>
-                      </p:stCondLst>
-                      <p:childTnLst>
-                        <p:par>
-                          <p:cTn id="56" fill="hold">
-                            <p:stCondLst>
-                              <p:cond delay="0"/>
-                            </p:stCondLst>
-                            <p:childTnLst>
-                              <p:par>
-                                <p:cTn id="57" presetID="1" presetClass="entr" presetSubtype="0" fill="hold" nodeType="clickEffect">
-                                  <p:stCondLst>
-                                    <p:cond delay="0"/>
-                                  </p:stCondLst>
-                                  <p:childTnLst>
-                                    <p:set>
-                                      <p:cBhvr>
-                                        <p:cTn id="58" dur="1" fill="hold">
-                                          <p:stCondLst>
-                                            <p:cond delay="0"/>
-                                          </p:stCondLst>
-                                        </p:cTn>
-                                        <p:tgtEl>
-                                          <p:spTgt spid="7">
-                                            <p:txEl>
-                                              <p:pRg st="6" end="6"/>
-                                            </p:txEl>
-                                          </p:spTgt>
-                                        </p:tgtEl>
-                                        <p:attrNameLst>
-                                          <p:attrName>style.visibility</p:attrName>
-                                        </p:attrNameLst>
-                                      </p:cBhvr>
-                                      <p:to>
-                                        <p:strVal val="visible"/>
-                                      </p:to>
-                                    </p:set>
-                                  </p:childTnLst>
-                                </p:cTn>
-                              </p:par>
-                            </p:childTnLst>
-                          </p:cTn>
-                        </p:par>
-                      </p:childTnLst>
-                    </p:cTn>
-                  </p:par>
-                </p:childTnLst>
-              </p:cTn>
-              <p:prevCondLst>
-                <p:cond evt="onPrev" delay="0">
-                  <p:tgtEl>
-                    <p:sldTgt/>
-                  </p:tgtEl>
-                </p:cond>
-              </p:prevCondLst>
-              <p:nextCondLst>
-                <p:cond evt="onNext" delay="0">
-                  <p:tgtEl>
-                    <p:sldTgt/>
-                  </p:tgtEl>
-                </p:cond>
-              </p:nextCondLst>
-            </p:seq>
-          </p:childTnLst>
-        </p:cTn>
-      </p:par>
-    </p:tnLst>
-  </p:timing>
 </p:sld>
 </file>
 
-<file path=ppt/slides/slide27.xml><?xml version="1.0" encoding="utf-8"?>
+<file path=ppt/slides/slide3.xml><?xml version="1.0" encoding="utf-8"?>
 <p:sld xmlns:a="http://schemas.openxmlformats.org/drawingml/2006/main" xmlns:r="http://schemas.openxmlformats.org/officeDocument/2006/relationships" xmlns:p="http://schemas.openxmlformats.org/presentationml/2006/main">
   <p:cSld>
     <p:spTree>
@@ -19665,7 +19468,7 @@
           <p:cNvPr id="2" name="Title 1">
             <a:extLst>
               <a:ext uri="{FF2B5EF4-FFF2-40B4-BE49-F238E27FC236}">
-                <a16:creationId xmlns:a16="http://schemas.microsoft.com/office/drawing/2014/main" id="{2C5A4877-9BB6-4CEF-A53B-3BCB34B74429}"/>
+                <a16:creationId xmlns:a16="http://schemas.microsoft.com/office/drawing/2014/main" id="{67688164-6AA4-C01E-BF96-9267915F9FC9}"/>
               </a:ext>
             </a:extLst>
           </p:cNvPr>
@@ -19683,7 +19486,7 @@
           <a:p>
             <a:r>
               <a:rPr lang="en-US" dirty="0"/>
-              <a:t>Language to grammar</a:t>
+              <a:t>Formal grammars</a:t>
             </a:r>
             <a:endParaRPr lang="en-DE" dirty="0"/>
           </a:p>
@@ -19691,545 +19494,35 @@
       </p:sp>
       <p:sp>
         <p:nvSpPr>
-          <p:cNvPr id="6" name="Content Placeholder 2">
+          <p:cNvPr id="3" name="Text Placeholder 2">
             <a:extLst>
               <a:ext uri="{FF2B5EF4-FFF2-40B4-BE49-F238E27FC236}">
-                <a16:creationId xmlns:a16="http://schemas.microsoft.com/office/drawing/2014/main" id="{2A83417C-467B-4AF8-B30A-EFCA09A0A497}"/>
+                <a16:creationId xmlns:a16="http://schemas.microsoft.com/office/drawing/2014/main" id="{652C94A6-5AE4-A97E-F6D6-EC67D7D1229C}"/>
               </a:ext>
             </a:extLst>
           </p:cNvPr>
-          <p:cNvSpPr txBox="1">
-            <a:spLocks/>
+          <p:cNvSpPr>
+            <a:spLocks noGrp="1"/>
           </p:cNvSpPr>
-          <p:nvPr/>
+          <p:nvPr>
+            <p:ph type="body" idx="1"/>
+          </p:nvPr>
         </p:nvSpPr>
-        <p:spPr>
-          <a:xfrm>
-            <a:off x="910770" y="1690688"/>
-            <a:ext cx="10192658" cy="4005944"/>
-          </a:xfrm>
-          <a:prstGeom prst="rect">
-            <a:avLst/>
-          </a:prstGeom>
-        </p:spPr>
+        <p:spPr/>
         <p:txBody>
-          <a:bodyPr vert="horz" lIns="91440" tIns="45720" rIns="91440" bIns="45720" rtlCol="0">
-            <a:normAutofit/>
-          </a:bodyPr>
-          <a:lstStyle>
-            <a:lvl1pPr marL="228600" indent="-228600" algn="l" defTabSz="914400" rtl="0" eaLnBrk="1" latinLnBrk="0" hangingPunct="1">
-              <a:lnSpc>
-                <a:spcPct val="90000"/>
-              </a:lnSpc>
-              <a:spcBef>
-                <a:spcPts val="1000"/>
-              </a:spcBef>
-              <a:buFont typeface="Arial" panose="020B0604020202020204" pitchFamily="34" charset="0"/>
-              <a:buChar char="•"/>
-              <a:defRPr sz="2400" kern="1200">
-                <a:solidFill>
-                  <a:schemeClr val="tx1"/>
-                </a:solidFill>
-                <a:latin typeface="Georgia" panose="02040502050405020303" pitchFamily="18" charset="0"/>
-                <a:ea typeface="+mn-ea"/>
-                <a:cs typeface="+mn-cs"/>
-              </a:defRPr>
-            </a:lvl1pPr>
-            <a:lvl2pPr marL="685800" indent="-228600" algn="l" defTabSz="914400" rtl="0" eaLnBrk="1" latinLnBrk="0" hangingPunct="1">
-              <a:lnSpc>
-                <a:spcPct val="90000"/>
-              </a:lnSpc>
-              <a:spcBef>
-                <a:spcPts val="500"/>
-              </a:spcBef>
-              <a:buFont typeface="Arial" panose="020B0604020202020204" pitchFamily="34" charset="0"/>
-              <a:buChar char="•"/>
-              <a:defRPr sz="2400" kern="1200">
-                <a:solidFill>
-                  <a:schemeClr val="tx1"/>
-                </a:solidFill>
-                <a:latin typeface="Georgia" panose="02040502050405020303" pitchFamily="18" charset="0"/>
-                <a:ea typeface="+mn-ea"/>
-                <a:cs typeface="+mn-cs"/>
-              </a:defRPr>
-            </a:lvl2pPr>
-            <a:lvl3pPr marL="1143000" indent="-228600" algn="l" defTabSz="914400" rtl="0" eaLnBrk="1" latinLnBrk="0" hangingPunct="1">
-              <a:lnSpc>
-                <a:spcPct val="90000"/>
-              </a:lnSpc>
-              <a:spcBef>
-                <a:spcPts val="500"/>
-              </a:spcBef>
-              <a:buFont typeface="Arial" panose="020B0604020202020204" pitchFamily="34" charset="0"/>
-              <a:buChar char="•"/>
-              <a:defRPr sz="2400" kern="1200">
-                <a:solidFill>
-                  <a:schemeClr val="tx1"/>
-                </a:solidFill>
-                <a:latin typeface="Georgia" panose="02040502050405020303" pitchFamily="18" charset="0"/>
-                <a:ea typeface="+mn-ea"/>
-                <a:cs typeface="+mn-cs"/>
-              </a:defRPr>
-            </a:lvl3pPr>
-            <a:lvl4pPr marL="1600200" indent="-228600" algn="l" defTabSz="914400" rtl="0" eaLnBrk="1" latinLnBrk="0" hangingPunct="1">
-              <a:lnSpc>
-                <a:spcPct val="90000"/>
-              </a:lnSpc>
-              <a:spcBef>
-                <a:spcPts val="500"/>
-              </a:spcBef>
-              <a:buFont typeface="Arial" panose="020B0604020202020204" pitchFamily="34" charset="0"/>
-              <a:buChar char="•"/>
-              <a:defRPr sz="2400" kern="1200">
-                <a:solidFill>
-                  <a:schemeClr val="tx1"/>
-                </a:solidFill>
-                <a:latin typeface="Georgia" panose="02040502050405020303" pitchFamily="18" charset="0"/>
-                <a:ea typeface="+mn-ea"/>
-                <a:cs typeface="+mn-cs"/>
-              </a:defRPr>
-            </a:lvl4pPr>
-            <a:lvl5pPr marL="2057400" indent="-228600" algn="l" defTabSz="914400" rtl="0" eaLnBrk="1" latinLnBrk="0" hangingPunct="1">
-              <a:lnSpc>
-                <a:spcPct val="90000"/>
-              </a:lnSpc>
-              <a:spcBef>
-                <a:spcPts val="500"/>
-              </a:spcBef>
-              <a:buFont typeface="Arial" panose="020B0604020202020204" pitchFamily="34" charset="0"/>
-              <a:buChar char="•"/>
-              <a:defRPr sz="2400" kern="1200">
-                <a:solidFill>
-                  <a:schemeClr val="tx1"/>
-                </a:solidFill>
-                <a:latin typeface="Georgia" panose="02040502050405020303" pitchFamily="18" charset="0"/>
-                <a:ea typeface="+mn-ea"/>
-                <a:cs typeface="+mn-cs"/>
-              </a:defRPr>
-            </a:lvl5pPr>
-            <a:lvl6pPr marL="2514600" indent="-228600" algn="l" defTabSz="914400" rtl="0" eaLnBrk="1" latinLnBrk="0" hangingPunct="1">
-              <a:lnSpc>
-                <a:spcPct val="90000"/>
-              </a:lnSpc>
-              <a:spcBef>
-                <a:spcPts val="500"/>
-              </a:spcBef>
-              <a:buFont typeface="Arial" panose="020B0604020202020204" pitchFamily="34" charset="0"/>
-              <a:buChar char="•"/>
-              <a:defRPr sz="1800" kern="1200">
-                <a:solidFill>
-                  <a:schemeClr val="tx1"/>
-                </a:solidFill>
-                <a:latin typeface="+mn-lt"/>
-                <a:ea typeface="+mn-ea"/>
-                <a:cs typeface="+mn-cs"/>
-              </a:defRPr>
-            </a:lvl6pPr>
-            <a:lvl7pPr marL="2971800" indent="-228600" algn="l" defTabSz="914400" rtl="0" eaLnBrk="1" latinLnBrk="0" hangingPunct="1">
-              <a:lnSpc>
-                <a:spcPct val="90000"/>
-              </a:lnSpc>
-              <a:spcBef>
-                <a:spcPts val="500"/>
-              </a:spcBef>
-              <a:buFont typeface="Arial" panose="020B0604020202020204" pitchFamily="34" charset="0"/>
-              <a:buChar char="•"/>
-              <a:defRPr sz="1800" kern="1200">
-                <a:solidFill>
-                  <a:schemeClr val="tx1"/>
-                </a:solidFill>
-                <a:latin typeface="+mn-lt"/>
-                <a:ea typeface="+mn-ea"/>
-                <a:cs typeface="+mn-cs"/>
-              </a:defRPr>
-            </a:lvl7pPr>
-            <a:lvl8pPr marL="3429000" indent="-228600" algn="l" defTabSz="914400" rtl="0" eaLnBrk="1" latinLnBrk="0" hangingPunct="1">
-              <a:lnSpc>
-                <a:spcPct val="90000"/>
-              </a:lnSpc>
-              <a:spcBef>
-                <a:spcPts val="500"/>
-              </a:spcBef>
-              <a:buFont typeface="Arial" panose="020B0604020202020204" pitchFamily="34" charset="0"/>
-              <a:buChar char="•"/>
-              <a:defRPr sz="1800" kern="1200">
-                <a:solidFill>
-                  <a:schemeClr val="tx1"/>
-                </a:solidFill>
-                <a:latin typeface="+mn-lt"/>
-                <a:ea typeface="+mn-ea"/>
-                <a:cs typeface="+mn-cs"/>
-              </a:defRPr>
-            </a:lvl8pPr>
-            <a:lvl9pPr marL="3886200" indent="-228600" algn="l" defTabSz="914400" rtl="0" eaLnBrk="1" latinLnBrk="0" hangingPunct="1">
-              <a:lnSpc>
-                <a:spcPct val="90000"/>
-              </a:lnSpc>
-              <a:spcBef>
-                <a:spcPts val="500"/>
-              </a:spcBef>
-              <a:buFont typeface="Arial" panose="020B0604020202020204" pitchFamily="34" charset="0"/>
-              <a:buChar char="•"/>
-              <a:defRPr sz="1800" kern="1200">
-                <a:solidFill>
-                  <a:schemeClr val="tx1"/>
-                </a:solidFill>
-                <a:latin typeface="+mn-lt"/>
-                <a:ea typeface="+mn-ea"/>
-                <a:cs typeface="+mn-cs"/>
-              </a:defRPr>
-            </a:lvl9pPr>
-          </a:lstStyle>
-          <a:p>
-            <a:r>
-              <a:rPr lang="en-US" dirty="0"/>
-              <a:t>All strings with the form: </a:t>
-            </a:r>
-            <a:r>
-              <a:rPr lang="en-US" dirty="0" err="1"/>
-              <a:t>a</a:t>
-            </a:r>
-            <a:r>
-              <a:rPr lang="en-US" i="1" baseline="30000" dirty="0" err="1"/>
-              <a:t>n</a:t>
-            </a:r>
-            <a:r>
-              <a:rPr lang="en-US" dirty="0" err="1"/>
-              <a:t>b</a:t>
-            </a:r>
-            <a:r>
-              <a:rPr lang="en-US" i="1" baseline="30000" dirty="0" err="1"/>
-              <a:t>n</a:t>
-            </a:r>
-            <a:endParaRPr lang="en-US" i="1" baseline="30000" dirty="0"/>
-          </a:p>
-          <a:p>
-            <a:endParaRPr lang="en-US" i="1" dirty="0"/>
-          </a:p>
-          <a:p>
-            <a:pPr marL="914400" lvl="1" indent="-457200">
-              <a:buFont typeface="+mj-lt"/>
-              <a:buAutoNum type="arabicPeriod"/>
-            </a:pPr>
-            <a:r>
-              <a:rPr lang="en-US" i="1" dirty="0"/>
-              <a:t>N</a:t>
-            </a:r>
-            <a:r>
-              <a:rPr lang="en-US" dirty="0"/>
-              <a:t> (nonterminal symbols)</a:t>
-            </a:r>
-          </a:p>
-          <a:p>
-            <a:pPr marL="914400" lvl="1" indent="-457200">
-              <a:buFont typeface="+mj-lt"/>
-              <a:buAutoNum type="arabicPeriod"/>
-            </a:pPr>
-            <a:r>
-              <a:rPr lang="el-GR" dirty="0"/>
-              <a:t>Σ</a:t>
-            </a:r>
-            <a:r>
-              <a:rPr lang="en-US" dirty="0"/>
-              <a:t> (terminal symbols)</a:t>
-            </a:r>
-          </a:p>
-          <a:p>
-            <a:pPr marL="914400" lvl="1" indent="-457200">
-              <a:buFont typeface="+mj-lt"/>
-              <a:buAutoNum type="arabicPeriod"/>
-            </a:pPr>
-            <a:r>
-              <a:rPr lang="en-US" i="1" dirty="0"/>
-              <a:t>P</a:t>
-            </a:r>
-            <a:r>
-              <a:rPr lang="en-US" dirty="0"/>
-              <a:t> (production rules)</a:t>
-            </a:r>
-            <a:endParaRPr lang="en-US" i="1" dirty="0"/>
-          </a:p>
-          <a:p>
-            <a:pPr marL="914400" lvl="1" indent="-457200">
-              <a:buFont typeface="+mj-lt"/>
-              <a:buAutoNum type="arabicPeriod"/>
-            </a:pPr>
-            <a:r>
-              <a:rPr lang="en-US" i="1" dirty="0"/>
-              <a:t>S</a:t>
-            </a:r>
-            <a:r>
-              <a:rPr lang="en-US" dirty="0"/>
-              <a:t> (start symbol)</a:t>
-            </a:r>
-          </a:p>
-          <a:p>
-            <a:endParaRPr lang="en-US" dirty="0"/>
+          <a:bodyPr/>
+          <a:lstStyle/>
+          <a:p>
+            <a:endParaRPr lang="en-DE"/>
           </a:p>
         </p:txBody>
       </p:sp>
       <p:sp>
         <p:nvSpPr>
-          <p:cNvPr id="7" name="Content Placeholder 2">
+          <p:cNvPr id="4" name="Footer Placeholder 3">
             <a:extLst>
               <a:ext uri="{FF2B5EF4-FFF2-40B4-BE49-F238E27FC236}">
-                <a16:creationId xmlns:a16="http://schemas.microsoft.com/office/drawing/2014/main" id="{DA69ABA3-BEA9-4024-9455-7112C65689D7}"/>
-              </a:ext>
-            </a:extLst>
-          </p:cNvPr>
-          <p:cNvSpPr txBox="1">
-            <a:spLocks/>
-          </p:cNvSpPr>
-          <p:nvPr/>
-        </p:nvSpPr>
-        <p:spPr>
-          <a:xfrm>
-            <a:off x="5412619" y="2522840"/>
-            <a:ext cx="5505753" cy="2902859"/>
-          </a:xfrm>
-          <a:prstGeom prst="rect">
-            <a:avLst/>
-          </a:prstGeom>
-        </p:spPr>
-        <p:txBody>
-          <a:bodyPr vert="horz" lIns="91440" tIns="45720" rIns="91440" bIns="45720" rtlCol="0">
-            <a:normAutofit/>
-          </a:bodyPr>
-          <a:lstStyle>
-            <a:lvl1pPr marL="228600" indent="-228600" algn="l" defTabSz="914400" rtl="0" eaLnBrk="1" latinLnBrk="0" hangingPunct="1">
-              <a:lnSpc>
-                <a:spcPct val="90000"/>
-              </a:lnSpc>
-              <a:spcBef>
-                <a:spcPts val="1000"/>
-              </a:spcBef>
-              <a:buFont typeface="Arial" panose="020B0604020202020204" pitchFamily="34" charset="0"/>
-              <a:buChar char="•"/>
-              <a:defRPr sz="2400" kern="1200">
-                <a:solidFill>
-                  <a:schemeClr val="tx1"/>
-                </a:solidFill>
-                <a:latin typeface="Georgia" panose="02040502050405020303" pitchFamily="18" charset="0"/>
-                <a:ea typeface="+mn-ea"/>
-                <a:cs typeface="+mn-cs"/>
-              </a:defRPr>
-            </a:lvl1pPr>
-            <a:lvl2pPr marL="685800" indent="-228600" algn="l" defTabSz="914400" rtl="0" eaLnBrk="1" latinLnBrk="0" hangingPunct="1">
-              <a:lnSpc>
-                <a:spcPct val="90000"/>
-              </a:lnSpc>
-              <a:spcBef>
-                <a:spcPts val="500"/>
-              </a:spcBef>
-              <a:buFont typeface="Arial" panose="020B0604020202020204" pitchFamily="34" charset="0"/>
-              <a:buChar char="•"/>
-              <a:defRPr sz="2400" kern="1200">
-                <a:solidFill>
-                  <a:schemeClr val="tx1"/>
-                </a:solidFill>
-                <a:latin typeface="Georgia" panose="02040502050405020303" pitchFamily="18" charset="0"/>
-                <a:ea typeface="+mn-ea"/>
-                <a:cs typeface="+mn-cs"/>
-              </a:defRPr>
-            </a:lvl2pPr>
-            <a:lvl3pPr marL="1143000" indent="-228600" algn="l" defTabSz="914400" rtl="0" eaLnBrk="1" latinLnBrk="0" hangingPunct="1">
-              <a:lnSpc>
-                <a:spcPct val="90000"/>
-              </a:lnSpc>
-              <a:spcBef>
-                <a:spcPts val="500"/>
-              </a:spcBef>
-              <a:buFont typeface="Arial" panose="020B0604020202020204" pitchFamily="34" charset="0"/>
-              <a:buChar char="•"/>
-              <a:defRPr sz="2400" kern="1200">
-                <a:solidFill>
-                  <a:schemeClr val="tx1"/>
-                </a:solidFill>
-                <a:latin typeface="Georgia" panose="02040502050405020303" pitchFamily="18" charset="0"/>
-                <a:ea typeface="+mn-ea"/>
-                <a:cs typeface="+mn-cs"/>
-              </a:defRPr>
-            </a:lvl3pPr>
-            <a:lvl4pPr marL="1600200" indent="-228600" algn="l" defTabSz="914400" rtl="0" eaLnBrk="1" latinLnBrk="0" hangingPunct="1">
-              <a:lnSpc>
-                <a:spcPct val="90000"/>
-              </a:lnSpc>
-              <a:spcBef>
-                <a:spcPts val="500"/>
-              </a:spcBef>
-              <a:buFont typeface="Arial" panose="020B0604020202020204" pitchFamily="34" charset="0"/>
-              <a:buChar char="•"/>
-              <a:defRPr sz="2400" kern="1200">
-                <a:solidFill>
-                  <a:schemeClr val="tx1"/>
-                </a:solidFill>
-                <a:latin typeface="Georgia" panose="02040502050405020303" pitchFamily="18" charset="0"/>
-                <a:ea typeface="+mn-ea"/>
-                <a:cs typeface="+mn-cs"/>
-              </a:defRPr>
-            </a:lvl4pPr>
-            <a:lvl5pPr marL="2057400" indent="-228600" algn="l" defTabSz="914400" rtl="0" eaLnBrk="1" latinLnBrk="0" hangingPunct="1">
-              <a:lnSpc>
-                <a:spcPct val="90000"/>
-              </a:lnSpc>
-              <a:spcBef>
-                <a:spcPts val="500"/>
-              </a:spcBef>
-              <a:buFont typeface="Arial" panose="020B0604020202020204" pitchFamily="34" charset="0"/>
-              <a:buChar char="•"/>
-              <a:defRPr sz="2400" kern="1200">
-                <a:solidFill>
-                  <a:schemeClr val="tx1"/>
-                </a:solidFill>
-                <a:latin typeface="Georgia" panose="02040502050405020303" pitchFamily="18" charset="0"/>
-                <a:ea typeface="+mn-ea"/>
-                <a:cs typeface="+mn-cs"/>
-              </a:defRPr>
-            </a:lvl5pPr>
-            <a:lvl6pPr marL="2514600" indent="-228600" algn="l" defTabSz="914400" rtl="0" eaLnBrk="1" latinLnBrk="0" hangingPunct="1">
-              <a:lnSpc>
-                <a:spcPct val="90000"/>
-              </a:lnSpc>
-              <a:spcBef>
-                <a:spcPts val="500"/>
-              </a:spcBef>
-              <a:buFont typeface="Arial" panose="020B0604020202020204" pitchFamily="34" charset="0"/>
-              <a:buChar char="•"/>
-              <a:defRPr sz="1800" kern="1200">
-                <a:solidFill>
-                  <a:schemeClr val="tx1"/>
-                </a:solidFill>
-                <a:latin typeface="+mn-lt"/>
-                <a:ea typeface="+mn-ea"/>
-                <a:cs typeface="+mn-cs"/>
-              </a:defRPr>
-            </a:lvl6pPr>
-            <a:lvl7pPr marL="2971800" indent="-228600" algn="l" defTabSz="914400" rtl="0" eaLnBrk="1" latinLnBrk="0" hangingPunct="1">
-              <a:lnSpc>
-                <a:spcPct val="90000"/>
-              </a:lnSpc>
-              <a:spcBef>
-                <a:spcPts val="500"/>
-              </a:spcBef>
-              <a:buFont typeface="Arial" panose="020B0604020202020204" pitchFamily="34" charset="0"/>
-              <a:buChar char="•"/>
-              <a:defRPr sz="1800" kern="1200">
-                <a:solidFill>
-                  <a:schemeClr val="tx1"/>
-                </a:solidFill>
-                <a:latin typeface="+mn-lt"/>
-                <a:ea typeface="+mn-ea"/>
-                <a:cs typeface="+mn-cs"/>
-              </a:defRPr>
-            </a:lvl7pPr>
-            <a:lvl8pPr marL="3429000" indent="-228600" algn="l" defTabSz="914400" rtl="0" eaLnBrk="1" latinLnBrk="0" hangingPunct="1">
-              <a:lnSpc>
-                <a:spcPct val="90000"/>
-              </a:lnSpc>
-              <a:spcBef>
-                <a:spcPts val="500"/>
-              </a:spcBef>
-              <a:buFont typeface="Arial" panose="020B0604020202020204" pitchFamily="34" charset="0"/>
-              <a:buChar char="•"/>
-              <a:defRPr sz="1800" kern="1200">
-                <a:solidFill>
-                  <a:schemeClr val="tx1"/>
-                </a:solidFill>
-                <a:latin typeface="+mn-lt"/>
-                <a:ea typeface="+mn-ea"/>
-                <a:cs typeface="+mn-cs"/>
-              </a:defRPr>
-            </a:lvl8pPr>
-            <a:lvl9pPr marL="3886200" indent="-228600" algn="l" defTabSz="914400" rtl="0" eaLnBrk="1" latinLnBrk="0" hangingPunct="1">
-              <a:lnSpc>
-                <a:spcPct val="90000"/>
-              </a:lnSpc>
-              <a:spcBef>
-                <a:spcPts val="500"/>
-              </a:spcBef>
-              <a:buFont typeface="Arial" panose="020B0604020202020204" pitchFamily="34" charset="0"/>
-              <a:buChar char="•"/>
-              <a:defRPr sz="1800" kern="1200">
-                <a:solidFill>
-                  <a:schemeClr val="tx1"/>
-                </a:solidFill>
-                <a:latin typeface="+mn-lt"/>
-                <a:ea typeface="+mn-ea"/>
-                <a:cs typeface="+mn-cs"/>
-              </a:defRPr>
-            </a:lvl9pPr>
-          </a:lstStyle>
-          <a:p>
-            <a:pPr marL="914400" lvl="1" indent="-457200">
-              <a:buFont typeface="+mj-lt"/>
-              <a:buAutoNum type="arabicPeriod"/>
-            </a:pPr>
-            <a:r>
-              <a:rPr lang="en-US" dirty="0"/>
-              <a:t>{S}</a:t>
-            </a:r>
-          </a:p>
-          <a:p>
-            <a:pPr marL="914400" lvl="1" indent="-457200">
-              <a:buFont typeface="+mj-lt"/>
-              <a:buAutoNum type="arabicPeriod"/>
-            </a:pPr>
-            <a:r>
-              <a:rPr lang="en-US" dirty="0"/>
-              <a:t>{a, b}</a:t>
-            </a:r>
-          </a:p>
-          <a:p>
-            <a:pPr marL="914400" lvl="1" indent="-457200">
-              <a:buFont typeface="+mj-lt"/>
-              <a:buAutoNum type="arabicPeriod"/>
-            </a:pPr>
-            <a:r>
-              <a:rPr lang="en-US" dirty="0"/>
-              <a:t>1. S </a:t>
-            </a:r>
-            <a:r>
-              <a:rPr lang="en-US" dirty="0">
-                <a:sym typeface="Wingdings" panose="05000000000000000000" pitchFamily="2" charset="2"/>
-              </a:rPr>
-              <a:t> </a:t>
-            </a:r>
-            <a:r>
-              <a:rPr lang="en-US" dirty="0" err="1">
-                <a:sym typeface="Wingdings" panose="05000000000000000000" pitchFamily="2" charset="2"/>
-              </a:rPr>
-              <a:t>aSb</a:t>
-            </a:r>
-            <a:endParaRPr lang="en-US" dirty="0">
-              <a:sym typeface="Wingdings" panose="05000000000000000000" pitchFamily="2" charset="2"/>
-            </a:endParaRPr>
-          </a:p>
-          <a:p>
-            <a:pPr marL="457200" lvl="1" indent="0">
-              <a:buNone/>
-            </a:pPr>
-            <a:r>
-              <a:rPr lang="en-US" dirty="0">
-                <a:sym typeface="Wingdings" panose="05000000000000000000" pitchFamily="2" charset="2"/>
-              </a:rPr>
-              <a:t>	2. S  </a:t>
-            </a:r>
-            <a:r>
-              <a:rPr lang="en-US" i="1" dirty="0">
-                <a:sym typeface="Wingdings" panose="05000000000000000000" pitchFamily="2" charset="2"/>
-              </a:rPr>
-              <a:t>e</a:t>
-            </a:r>
-            <a:endParaRPr lang="en-US" b="1" i="1" dirty="0"/>
-          </a:p>
-        </p:txBody>
-      </p:sp>
-      <p:sp>
-        <p:nvSpPr>
-          <p:cNvPr id="3" name="Footer Placeholder 2">
-            <a:extLst>
-              <a:ext uri="{FF2B5EF4-FFF2-40B4-BE49-F238E27FC236}">
-                <a16:creationId xmlns:a16="http://schemas.microsoft.com/office/drawing/2014/main" id="{D6FCE2DD-FB00-9AA0-0A2D-15A77AEEAE19}"/>
+                <a16:creationId xmlns:a16="http://schemas.microsoft.com/office/drawing/2014/main" id="{FE113884-3633-67B6-230C-76E0EE77A437}"/>
               </a:ext>
             </a:extLst>
           </p:cNvPr>
@@ -20255,10 +19548,10 @@
       </p:sp>
       <p:sp>
         <p:nvSpPr>
-          <p:cNvPr id="4" name="Slide Number Placeholder 3">
+          <p:cNvPr id="5" name="Slide Number Placeholder 4">
             <a:extLst>
               <a:ext uri="{FF2B5EF4-FFF2-40B4-BE49-F238E27FC236}">
-                <a16:creationId xmlns:a16="http://schemas.microsoft.com/office/drawing/2014/main" id="{88122E8F-C5EF-A8B1-885A-DFC9DD56BAE1}"/>
+                <a16:creationId xmlns:a16="http://schemas.microsoft.com/office/drawing/2014/main" id="{E091BC50-79C6-B1C8-2833-63930DFB6B04}"/>
               </a:ext>
             </a:extLst>
           </p:cNvPr>
@@ -20276,7 +19569,7 @@
           <a:p>
             <a:fld id="{87C6F9F5-FD91-41AF-9631-9F406EBEB36A}" type="slidenum">
               <a:rPr lang="en-DE" smtClean="0"/>
-              <a:t>27</a:t>
+              <a:t>3</a:t>
             </a:fld>
             <a:endParaRPr lang="en-DE"/>
           </a:p>
@@ -20285,243 +19578,17 @@
     </p:spTree>
     <p:extLst>
       <p:ext uri="{BB962C8B-B14F-4D97-AF65-F5344CB8AC3E}">
-        <p14:creationId xmlns:p14="http://schemas.microsoft.com/office/powerpoint/2010/main" val="1430274685"/>
+        <p14:creationId xmlns:p14="http://schemas.microsoft.com/office/powerpoint/2010/main" val="2067839259"/>
       </p:ext>
     </p:extLst>
   </p:cSld>
   <p:clrMapOvr>
     <a:masterClrMapping/>
   </p:clrMapOvr>
-  <p:timing>
-    <p:tnLst>
-      <p:par>
-        <p:cTn id="1" dur="indefinite" restart="never" nodeType="tmRoot">
-          <p:childTnLst>
-            <p:seq concurrent="1" nextAc="seek">
-              <p:cTn id="2" dur="indefinite" nodeType="mainSeq">
-                <p:childTnLst>
-                  <p:par>
-                    <p:cTn id="3" fill="hold">
-                      <p:stCondLst>
-                        <p:cond delay="indefinite"/>
-                      </p:stCondLst>
-                      <p:childTnLst>
-                        <p:par>
-                          <p:cTn id="4" fill="hold">
-                            <p:stCondLst>
-                              <p:cond delay="0"/>
-                            </p:stCondLst>
-                            <p:childTnLst>
-                              <p:par>
-                                <p:cTn id="5" presetID="1" presetClass="entr" presetSubtype="0" fill="hold" nodeType="clickEffect">
-                                  <p:stCondLst>
-                                    <p:cond delay="0"/>
-                                  </p:stCondLst>
-                                  <p:childTnLst>
-                                    <p:set>
-                                      <p:cBhvr>
-                                        <p:cTn id="6" dur="1" fill="hold">
-                                          <p:stCondLst>
-                                            <p:cond delay="0"/>
-                                          </p:stCondLst>
-                                        </p:cTn>
-                                        <p:tgtEl>
-                                          <p:spTgt spid="7">
-                                            <p:txEl>
-                                              <p:pRg st="0" end="0"/>
-                                            </p:txEl>
-                                          </p:spTgt>
-                                        </p:tgtEl>
-                                        <p:attrNameLst>
-                                          <p:attrName>style.visibility</p:attrName>
-                                        </p:attrNameLst>
-                                      </p:cBhvr>
-                                      <p:to>
-                                        <p:strVal val="visible"/>
-                                      </p:to>
-                                    </p:set>
-                                  </p:childTnLst>
-                                </p:cTn>
-                              </p:par>
-                            </p:childTnLst>
-                          </p:cTn>
-                        </p:par>
-                      </p:childTnLst>
-                    </p:cTn>
-                  </p:par>
-                  <p:par>
-                    <p:cTn id="7" fill="hold">
-                      <p:stCondLst>
-                        <p:cond delay="indefinite"/>
-                      </p:stCondLst>
-                      <p:childTnLst>
-                        <p:par>
-                          <p:cTn id="8" fill="hold">
-                            <p:stCondLst>
-                              <p:cond delay="0"/>
-                            </p:stCondLst>
-                            <p:childTnLst>
-                              <p:par>
-                                <p:cTn id="9" presetID="1" presetClass="entr" presetSubtype="0" fill="hold" nodeType="clickEffect">
-                                  <p:stCondLst>
-                                    <p:cond delay="0"/>
-                                  </p:stCondLst>
-                                  <p:childTnLst>
-                                    <p:set>
-                                      <p:cBhvr>
-                                        <p:cTn id="10" dur="1" fill="hold">
-                                          <p:stCondLst>
-                                            <p:cond delay="0"/>
-                                          </p:stCondLst>
-                                        </p:cTn>
-                                        <p:tgtEl>
-                                          <p:spTgt spid="7">
-                                            <p:txEl>
-                                              <p:pRg st="1" end="1"/>
-                                            </p:txEl>
-                                          </p:spTgt>
-                                        </p:tgtEl>
-                                        <p:attrNameLst>
-                                          <p:attrName>style.visibility</p:attrName>
-                                        </p:attrNameLst>
-                                      </p:cBhvr>
-                                      <p:to>
-                                        <p:strVal val="visible"/>
-                                      </p:to>
-                                    </p:set>
-                                  </p:childTnLst>
-                                </p:cTn>
-                              </p:par>
-                            </p:childTnLst>
-                          </p:cTn>
-                        </p:par>
-                      </p:childTnLst>
-                    </p:cTn>
-                  </p:par>
-                  <p:par>
-                    <p:cTn id="11" fill="hold">
-                      <p:stCondLst>
-                        <p:cond delay="indefinite"/>
-                      </p:stCondLst>
-                      <p:childTnLst>
-                        <p:par>
-                          <p:cTn id="12" fill="hold">
-                            <p:stCondLst>
-                              <p:cond delay="0"/>
-                            </p:stCondLst>
-                            <p:childTnLst>
-                              <p:par>
-                                <p:cTn id="13" presetID="1" presetClass="entr" presetSubtype="0" fill="hold" nodeType="clickEffect">
-                                  <p:stCondLst>
-                                    <p:cond delay="0"/>
-                                  </p:stCondLst>
-                                  <p:childTnLst>
-                                    <p:set>
-                                      <p:cBhvr>
-                                        <p:cTn id="14" dur="1" fill="hold">
-                                          <p:stCondLst>
-                                            <p:cond delay="0"/>
-                                          </p:stCondLst>
-                                        </p:cTn>
-                                        <p:tgtEl>
-                                          <p:spTgt spid="7">
-                                            <p:txEl>
-                                              <p:pRg st="2" end="2"/>
-                                            </p:txEl>
-                                          </p:spTgt>
-                                        </p:tgtEl>
-                                        <p:attrNameLst>
-                                          <p:attrName>style.visibility</p:attrName>
-                                        </p:attrNameLst>
-                                      </p:cBhvr>
-                                      <p:to>
-                                        <p:strVal val="visible"/>
-                                      </p:to>
-                                    </p:set>
-                                  </p:childTnLst>
-                                </p:cTn>
-                              </p:par>
-                            </p:childTnLst>
-                          </p:cTn>
-                        </p:par>
-                      </p:childTnLst>
-                    </p:cTn>
-                  </p:par>
-                  <p:par>
-                    <p:cTn id="15" fill="hold">
-                      <p:stCondLst>
-                        <p:cond delay="indefinite"/>
-                      </p:stCondLst>
-                      <p:childTnLst>
-                        <p:par>
-                          <p:cTn id="16" fill="hold">
-                            <p:stCondLst>
-                              <p:cond delay="0"/>
-                            </p:stCondLst>
-                            <p:childTnLst>
-                              <p:par>
-                                <p:cTn id="17" presetID="1" presetClass="entr" presetSubtype="0" fill="hold" nodeType="clickEffect">
-                                  <p:stCondLst>
-                                    <p:cond delay="0"/>
-                                  </p:stCondLst>
-                                  <p:childTnLst>
-                                    <p:set>
-                                      <p:cBhvr>
-                                        <p:cTn id="18" dur="1" fill="hold">
-                                          <p:stCondLst>
-                                            <p:cond delay="0"/>
-                                          </p:stCondLst>
-                                        </p:cTn>
-                                        <p:tgtEl>
-                                          <p:spTgt spid="7">
-                                            <p:txEl>
-                                              <p:pRg st="3" end="3"/>
-                                            </p:txEl>
-                                          </p:spTgt>
-                                        </p:tgtEl>
-                                        <p:attrNameLst>
-                                          <p:attrName>style.visibility</p:attrName>
-                                        </p:attrNameLst>
-                                      </p:cBhvr>
-                                      <p:to>
-                                        <p:strVal val="visible"/>
-                                      </p:to>
-                                    </p:set>
-                                  </p:childTnLst>
-                                </p:cTn>
-                              </p:par>
-                            </p:childTnLst>
-                          </p:cTn>
-                        </p:par>
-                      </p:childTnLst>
-                    </p:cTn>
-                  </p:par>
-                </p:childTnLst>
-              </p:cTn>
-              <p:prevCondLst>
-                <p:cond evt="onPrev" delay="0">
-                  <p:tgtEl>
-                    <p:sldTgt/>
-                  </p:tgtEl>
-                </p:cond>
-              </p:prevCondLst>
-              <p:nextCondLst>
-                <p:cond evt="onNext" delay="0">
-                  <p:tgtEl>
-                    <p:sldTgt/>
-                  </p:tgtEl>
-                </p:cond>
-              </p:nextCondLst>
-            </p:seq>
-          </p:childTnLst>
-        </p:cTn>
-      </p:par>
-    </p:tnLst>
-  </p:timing>
 </p:sld>
 </file>
 
-<file path=ppt/slides/slide28.xml><?xml version="1.0" encoding="utf-8"?>
+<file path=ppt/slides/slide30.xml><?xml version="1.0" encoding="utf-8"?>
 <p:sld xmlns:a="http://schemas.openxmlformats.org/drawingml/2006/main" xmlns:r="http://schemas.openxmlformats.org/officeDocument/2006/relationships" xmlns:p="http://schemas.openxmlformats.org/presentationml/2006/main">
   <p:cSld>
     <p:spTree>
@@ -20903,7 +19970,7 @@
           <a:p>
             <a:fld id="{87C6F9F5-FD91-41AF-9631-9F406EBEB36A}" type="slidenum">
               <a:rPr lang="en-DE" smtClean="0"/>
-              <a:t>28</a:t>
+              <a:t>30</a:t>
             </a:fld>
             <a:endParaRPr lang="en-DE"/>
           </a:p>
@@ -21393,7 +20460,7 @@
 </p:sld>
 </file>
 
-<file path=ppt/slides/slide29.xml><?xml version="1.0" encoding="utf-8"?>
+<file path=ppt/slides/slide31.xml><?xml version="1.0" encoding="utf-8"?>
 <p:sld xmlns:a="http://schemas.openxmlformats.org/drawingml/2006/main" xmlns:r="http://schemas.openxmlformats.org/officeDocument/2006/relationships" xmlns:p="http://schemas.openxmlformats.org/presentationml/2006/main">
   <p:cSld>
     <p:spTree>
@@ -22225,7 +21292,7 @@
           <a:p>
             <a:fld id="{87C6F9F5-FD91-41AF-9631-9F406EBEB36A}" type="slidenum">
               <a:rPr lang="en-DE" smtClean="0"/>
-              <a:t>29</a:t>
+              <a:t>31</a:t>
             </a:fld>
             <a:endParaRPr lang="en-DE"/>
           </a:p>
@@ -22764,149 +21831,7 @@
 </p:sld>
 </file>
 
-<file path=ppt/slides/slide3.xml><?xml version="1.0" encoding="utf-8"?>
-<p:sld xmlns:a="http://schemas.openxmlformats.org/drawingml/2006/main" xmlns:r="http://schemas.openxmlformats.org/officeDocument/2006/relationships" xmlns:p="http://schemas.openxmlformats.org/presentationml/2006/main">
-  <p:cSld>
-    <p:spTree>
-      <p:nvGrpSpPr>
-        <p:cNvPr id="1" name=""/>
-        <p:cNvGrpSpPr/>
-        <p:nvPr/>
-      </p:nvGrpSpPr>
-      <p:grpSpPr>
-        <a:xfrm>
-          <a:off x="0" y="0"/>
-          <a:ext cx="0" cy="0"/>
-          <a:chOff x="0" y="0"/>
-          <a:chExt cx="0" cy="0"/>
-        </a:xfrm>
-      </p:grpSpPr>
-      <p:sp>
-        <p:nvSpPr>
-          <p:cNvPr id="2" name="Title 1">
-            <a:extLst>
-              <a:ext uri="{FF2B5EF4-FFF2-40B4-BE49-F238E27FC236}">
-                <a16:creationId xmlns:a16="http://schemas.microsoft.com/office/drawing/2014/main" id="{67688164-6AA4-C01E-BF96-9267915F9FC9}"/>
-              </a:ext>
-            </a:extLst>
-          </p:cNvPr>
-          <p:cNvSpPr>
-            <a:spLocks noGrp="1"/>
-          </p:cNvSpPr>
-          <p:nvPr>
-            <p:ph type="title"/>
-          </p:nvPr>
-        </p:nvSpPr>
-        <p:spPr/>
-        <p:txBody>
-          <a:bodyPr/>
-          <a:lstStyle/>
-          <a:p>
-            <a:r>
-              <a:rPr lang="en-US" dirty="0"/>
-              <a:t>Formal grammars</a:t>
-            </a:r>
-            <a:endParaRPr lang="en-DE" dirty="0"/>
-          </a:p>
-        </p:txBody>
-      </p:sp>
-      <p:sp>
-        <p:nvSpPr>
-          <p:cNvPr id="3" name="Text Placeholder 2">
-            <a:extLst>
-              <a:ext uri="{FF2B5EF4-FFF2-40B4-BE49-F238E27FC236}">
-                <a16:creationId xmlns:a16="http://schemas.microsoft.com/office/drawing/2014/main" id="{652C94A6-5AE4-A97E-F6D6-EC67D7D1229C}"/>
-              </a:ext>
-            </a:extLst>
-          </p:cNvPr>
-          <p:cNvSpPr>
-            <a:spLocks noGrp="1"/>
-          </p:cNvSpPr>
-          <p:nvPr>
-            <p:ph type="body" idx="1"/>
-          </p:nvPr>
-        </p:nvSpPr>
-        <p:spPr/>
-        <p:txBody>
-          <a:bodyPr/>
-          <a:lstStyle/>
-          <a:p>
-            <a:endParaRPr lang="en-DE"/>
-          </a:p>
-        </p:txBody>
-      </p:sp>
-      <p:sp>
-        <p:nvSpPr>
-          <p:cNvPr id="4" name="Footer Placeholder 3">
-            <a:extLst>
-              <a:ext uri="{FF2B5EF4-FFF2-40B4-BE49-F238E27FC236}">
-                <a16:creationId xmlns:a16="http://schemas.microsoft.com/office/drawing/2014/main" id="{FE113884-3633-67B6-230C-76E0EE77A437}"/>
-              </a:ext>
-            </a:extLst>
-          </p:cNvPr>
-          <p:cNvSpPr>
-            <a:spLocks noGrp="1"/>
-          </p:cNvSpPr>
-          <p:nvPr>
-            <p:ph type="ftr" sz="quarter" idx="11"/>
-          </p:nvPr>
-        </p:nvSpPr>
-        <p:spPr/>
-        <p:txBody>
-          <a:bodyPr/>
-          <a:lstStyle/>
-          <a:p>
-            <a:r>
-              <a:rPr lang="en-US"/>
-              <a:t>Fausto Carcassi – A day with the pLoT</a:t>
-            </a:r>
-            <a:endParaRPr lang="en-DE"/>
-          </a:p>
-        </p:txBody>
-      </p:sp>
-      <p:sp>
-        <p:nvSpPr>
-          <p:cNvPr id="5" name="Slide Number Placeholder 4">
-            <a:extLst>
-              <a:ext uri="{FF2B5EF4-FFF2-40B4-BE49-F238E27FC236}">
-                <a16:creationId xmlns:a16="http://schemas.microsoft.com/office/drawing/2014/main" id="{E091BC50-79C6-B1C8-2833-63930DFB6B04}"/>
-              </a:ext>
-            </a:extLst>
-          </p:cNvPr>
-          <p:cNvSpPr>
-            <a:spLocks noGrp="1"/>
-          </p:cNvSpPr>
-          <p:nvPr>
-            <p:ph type="sldNum" sz="quarter" idx="12"/>
-          </p:nvPr>
-        </p:nvSpPr>
-        <p:spPr/>
-        <p:txBody>
-          <a:bodyPr/>
-          <a:lstStyle/>
-          <a:p>
-            <a:fld id="{87C6F9F5-FD91-41AF-9631-9F406EBEB36A}" type="slidenum">
-              <a:rPr lang="en-DE" smtClean="0"/>
-              <a:t>3</a:t>
-            </a:fld>
-            <a:endParaRPr lang="en-DE"/>
-          </a:p>
-        </p:txBody>
-      </p:sp>
-    </p:spTree>
-    <p:extLst>
-      <p:ext uri="{BB962C8B-B14F-4D97-AF65-F5344CB8AC3E}">
-        <p14:creationId xmlns:p14="http://schemas.microsoft.com/office/powerpoint/2010/main" val="2067839259"/>
-      </p:ext>
-    </p:extLst>
-  </p:cSld>
-  <p:clrMapOvr>
-    <a:masterClrMapping/>
-  </p:clrMapOvr>
-</p:sld>
-</file>
-
-<file path=ppt/slides/slide30.xml><?xml version="1.0" encoding="utf-8"?>
+<file path=ppt/slides/slide32.xml><?xml version="1.0" encoding="utf-8"?>
 <p:sld xmlns:a="http://schemas.openxmlformats.org/drawingml/2006/main" xmlns:r="http://schemas.openxmlformats.org/officeDocument/2006/relationships" xmlns:p="http://schemas.openxmlformats.org/presentationml/2006/main">
   <p:cSld>
     <p:spTree>
@@ -23674,7 +22599,7 @@
           <a:p>
             <a:fld id="{87C6F9F5-FD91-41AF-9631-9F406EBEB36A}" type="slidenum">
               <a:rPr lang="en-DE" smtClean="0"/>
-              <a:t>30</a:t>
+              <a:t>32</a:t>
             </a:fld>
             <a:endParaRPr lang="en-DE"/>
           </a:p>
@@ -24070,6 +22995,2295 @@
                                           <p:spTgt spid="3">
                                             <p:txEl>
                                               <p:pRg st="8" end="8"/>
+                                            </p:txEl>
+                                          </p:spTgt>
+                                        </p:tgtEl>
+                                        <p:attrNameLst>
+                                          <p:attrName>style.visibility</p:attrName>
+                                        </p:attrNameLst>
+                                      </p:cBhvr>
+                                      <p:to>
+                                        <p:strVal val="visible"/>
+                                      </p:to>
+                                    </p:set>
+                                  </p:childTnLst>
+                                </p:cTn>
+                              </p:par>
+                            </p:childTnLst>
+                          </p:cTn>
+                        </p:par>
+                      </p:childTnLst>
+                    </p:cTn>
+                  </p:par>
+                </p:childTnLst>
+              </p:cTn>
+              <p:prevCondLst>
+                <p:cond evt="onPrev" delay="0">
+                  <p:tgtEl>
+                    <p:sldTgt/>
+                  </p:tgtEl>
+                </p:cond>
+              </p:prevCondLst>
+              <p:nextCondLst>
+                <p:cond evt="onNext" delay="0">
+                  <p:tgtEl>
+                    <p:sldTgt/>
+                  </p:tgtEl>
+                </p:cond>
+              </p:nextCondLst>
+            </p:seq>
+          </p:childTnLst>
+        </p:cTn>
+      </p:par>
+    </p:tnLst>
+  </p:timing>
+</p:sld>
+</file>
+
+<file path=ppt/slides/slide33.xml><?xml version="1.0" encoding="utf-8"?>
+<p:sld xmlns:a="http://schemas.openxmlformats.org/drawingml/2006/main" xmlns:r="http://schemas.openxmlformats.org/officeDocument/2006/relationships" xmlns:p="http://schemas.openxmlformats.org/presentationml/2006/main">
+  <p:cSld>
+    <p:spTree>
+      <p:nvGrpSpPr>
+        <p:cNvPr id="1" name=""/>
+        <p:cNvGrpSpPr/>
+        <p:nvPr/>
+      </p:nvGrpSpPr>
+      <p:grpSpPr>
+        <a:xfrm>
+          <a:off x="0" y="0"/>
+          <a:ext cx="0" cy="0"/>
+          <a:chOff x="0" y="0"/>
+          <a:chExt cx="0" cy="0"/>
+        </a:xfrm>
+      </p:grpSpPr>
+      <p:sp>
+        <p:nvSpPr>
+          <p:cNvPr id="2" name="Title 1">
+            <a:extLst>
+              <a:ext uri="{FF2B5EF4-FFF2-40B4-BE49-F238E27FC236}">
+                <a16:creationId xmlns:a16="http://schemas.microsoft.com/office/drawing/2014/main" id="{2C5A4877-9BB6-4CEF-A53B-3BCB34B74429}"/>
+              </a:ext>
+            </a:extLst>
+          </p:cNvPr>
+          <p:cNvSpPr>
+            <a:spLocks noGrp="1"/>
+          </p:cNvSpPr>
+          <p:nvPr>
+            <p:ph type="title"/>
+          </p:nvPr>
+        </p:nvSpPr>
+        <p:spPr/>
+        <p:txBody>
+          <a:bodyPr/>
+          <a:lstStyle/>
+          <a:p>
+            <a:r>
+              <a:rPr lang="en-US" dirty="0"/>
+              <a:t>Language to grammar</a:t>
+            </a:r>
+            <a:endParaRPr lang="en-DE" dirty="0"/>
+          </a:p>
+        </p:txBody>
+      </p:sp>
+      <p:sp>
+        <p:nvSpPr>
+          <p:cNvPr id="6" name="Content Placeholder 2">
+            <a:extLst>
+              <a:ext uri="{FF2B5EF4-FFF2-40B4-BE49-F238E27FC236}">
+                <a16:creationId xmlns:a16="http://schemas.microsoft.com/office/drawing/2014/main" id="{2A83417C-467B-4AF8-B30A-EFCA09A0A497}"/>
+              </a:ext>
+            </a:extLst>
+          </p:cNvPr>
+          <p:cNvSpPr txBox="1">
+            <a:spLocks/>
+          </p:cNvSpPr>
+          <p:nvPr/>
+        </p:nvSpPr>
+        <p:spPr>
+          <a:xfrm>
+            <a:off x="910770" y="1690688"/>
+            <a:ext cx="10192658" cy="4005944"/>
+          </a:xfrm>
+          <a:prstGeom prst="rect">
+            <a:avLst/>
+          </a:prstGeom>
+        </p:spPr>
+        <p:txBody>
+          <a:bodyPr vert="horz" lIns="91440" tIns="45720" rIns="91440" bIns="45720" rtlCol="0">
+            <a:normAutofit/>
+          </a:bodyPr>
+          <a:lstStyle>
+            <a:lvl1pPr marL="228600" indent="-228600" algn="l" defTabSz="914400" rtl="0" eaLnBrk="1" latinLnBrk="0" hangingPunct="1">
+              <a:lnSpc>
+                <a:spcPct val="90000"/>
+              </a:lnSpc>
+              <a:spcBef>
+                <a:spcPts val="1000"/>
+              </a:spcBef>
+              <a:buFont typeface="Arial" panose="020B0604020202020204" pitchFamily="34" charset="0"/>
+              <a:buChar char="•"/>
+              <a:defRPr sz="2400" kern="1200">
+                <a:solidFill>
+                  <a:schemeClr val="tx1"/>
+                </a:solidFill>
+                <a:latin typeface="Georgia" panose="02040502050405020303" pitchFamily="18" charset="0"/>
+                <a:ea typeface="+mn-ea"/>
+                <a:cs typeface="+mn-cs"/>
+              </a:defRPr>
+            </a:lvl1pPr>
+            <a:lvl2pPr marL="685800" indent="-228600" algn="l" defTabSz="914400" rtl="0" eaLnBrk="1" latinLnBrk="0" hangingPunct="1">
+              <a:lnSpc>
+                <a:spcPct val="90000"/>
+              </a:lnSpc>
+              <a:spcBef>
+                <a:spcPts val="500"/>
+              </a:spcBef>
+              <a:buFont typeface="Arial" panose="020B0604020202020204" pitchFamily="34" charset="0"/>
+              <a:buChar char="•"/>
+              <a:defRPr sz="2400" kern="1200">
+                <a:solidFill>
+                  <a:schemeClr val="tx1"/>
+                </a:solidFill>
+                <a:latin typeface="Georgia" panose="02040502050405020303" pitchFamily="18" charset="0"/>
+                <a:ea typeface="+mn-ea"/>
+                <a:cs typeface="+mn-cs"/>
+              </a:defRPr>
+            </a:lvl2pPr>
+            <a:lvl3pPr marL="1143000" indent="-228600" algn="l" defTabSz="914400" rtl="0" eaLnBrk="1" latinLnBrk="0" hangingPunct="1">
+              <a:lnSpc>
+                <a:spcPct val="90000"/>
+              </a:lnSpc>
+              <a:spcBef>
+                <a:spcPts val="500"/>
+              </a:spcBef>
+              <a:buFont typeface="Arial" panose="020B0604020202020204" pitchFamily="34" charset="0"/>
+              <a:buChar char="•"/>
+              <a:defRPr sz="2400" kern="1200">
+                <a:solidFill>
+                  <a:schemeClr val="tx1"/>
+                </a:solidFill>
+                <a:latin typeface="Georgia" panose="02040502050405020303" pitchFamily="18" charset="0"/>
+                <a:ea typeface="+mn-ea"/>
+                <a:cs typeface="+mn-cs"/>
+              </a:defRPr>
+            </a:lvl3pPr>
+            <a:lvl4pPr marL="1600200" indent="-228600" algn="l" defTabSz="914400" rtl="0" eaLnBrk="1" latinLnBrk="0" hangingPunct="1">
+              <a:lnSpc>
+                <a:spcPct val="90000"/>
+              </a:lnSpc>
+              <a:spcBef>
+                <a:spcPts val="500"/>
+              </a:spcBef>
+              <a:buFont typeface="Arial" panose="020B0604020202020204" pitchFamily="34" charset="0"/>
+              <a:buChar char="•"/>
+              <a:defRPr sz="2400" kern="1200">
+                <a:solidFill>
+                  <a:schemeClr val="tx1"/>
+                </a:solidFill>
+                <a:latin typeface="Georgia" panose="02040502050405020303" pitchFamily="18" charset="0"/>
+                <a:ea typeface="+mn-ea"/>
+                <a:cs typeface="+mn-cs"/>
+              </a:defRPr>
+            </a:lvl4pPr>
+            <a:lvl5pPr marL="2057400" indent="-228600" algn="l" defTabSz="914400" rtl="0" eaLnBrk="1" latinLnBrk="0" hangingPunct="1">
+              <a:lnSpc>
+                <a:spcPct val="90000"/>
+              </a:lnSpc>
+              <a:spcBef>
+                <a:spcPts val="500"/>
+              </a:spcBef>
+              <a:buFont typeface="Arial" panose="020B0604020202020204" pitchFamily="34" charset="0"/>
+              <a:buChar char="•"/>
+              <a:defRPr sz="2400" kern="1200">
+                <a:solidFill>
+                  <a:schemeClr val="tx1"/>
+                </a:solidFill>
+                <a:latin typeface="Georgia" panose="02040502050405020303" pitchFamily="18" charset="0"/>
+                <a:ea typeface="+mn-ea"/>
+                <a:cs typeface="+mn-cs"/>
+              </a:defRPr>
+            </a:lvl5pPr>
+            <a:lvl6pPr marL="2514600" indent="-228600" algn="l" defTabSz="914400" rtl="0" eaLnBrk="1" latinLnBrk="0" hangingPunct="1">
+              <a:lnSpc>
+                <a:spcPct val="90000"/>
+              </a:lnSpc>
+              <a:spcBef>
+                <a:spcPts val="500"/>
+              </a:spcBef>
+              <a:buFont typeface="Arial" panose="020B0604020202020204" pitchFamily="34" charset="0"/>
+              <a:buChar char="•"/>
+              <a:defRPr sz="1800" kern="1200">
+                <a:solidFill>
+                  <a:schemeClr val="tx1"/>
+                </a:solidFill>
+                <a:latin typeface="+mn-lt"/>
+                <a:ea typeface="+mn-ea"/>
+                <a:cs typeface="+mn-cs"/>
+              </a:defRPr>
+            </a:lvl6pPr>
+            <a:lvl7pPr marL="2971800" indent="-228600" algn="l" defTabSz="914400" rtl="0" eaLnBrk="1" latinLnBrk="0" hangingPunct="1">
+              <a:lnSpc>
+                <a:spcPct val="90000"/>
+              </a:lnSpc>
+              <a:spcBef>
+                <a:spcPts val="500"/>
+              </a:spcBef>
+              <a:buFont typeface="Arial" panose="020B0604020202020204" pitchFamily="34" charset="0"/>
+              <a:buChar char="•"/>
+              <a:defRPr sz="1800" kern="1200">
+                <a:solidFill>
+                  <a:schemeClr val="tx1"/>
+                </a:solidFill>
+                <a:latin typeface="+mn-lt"/>
+                <a:ea typeface="+mn-ea"/>
+                <a:cs typeface="+mn-cs"/>
+              </a:defRPr>
+            </a:lvl7pPr>
+            <a:lvl8pPr marL="3429000" indent="-228600" algn="l" defTabSz="914400" rtl="0" eaLnBrk="1" latinLnBrk="0" hangingPunct="1">
+              <a:lnSpc>
+                <a:spcPct val="90000"/>
+              </a:lnSpc>
+              <a:spcBef>
+                <a:spcPts val="500"/>
+              </a:spcBef>
+              <a:buFont typeface="Arial" panose="020B0604020202020204" pitchFamily="34" charset="0"/>
+              <a:buChar char="•"/>
+              <a:defRPr sz="1800" kern="1200">
+                <a:solidFill>
+                  <a:schemeClr val="tx1"/>
+                </a:solidFill>
+                <a:latin typeface="+mn-lt"/>
+                <a:ea typeface="+mn-ea"/>
+                <a:cs typeface="+mn-cs"/>
+              </a:defRPr>
+            </a:lvl8pPr>
+            <a:lvl9pPr marL="3886200" indent="-228600" algn="l" defTabSz="914400" rtl="0" eaLnBrk="1" latinLnBrk="0" hangingPunct="1">
+              <a:lnSpc>
+                <a:spcPct val="90000"/>
+              </a:lnSpc>
+              <a:spcBef>
+                <a:spcPts val="500"/>
+              </a:spcBef>
+              <a:buFont typeface="Arial" panose="020B0604020202020204" pitchFamily="34" charset="0"/>
+              <a:buChar char="•"/>
+              <a:defRPr sz="1800" kern="1200">
+                <a:solidFill>
+                  <a:schemeClr val="tx1"/>
+                </a:solidFill>
+                <a:latin typeface="+mn-lt"/>
+                <a:ea typeface="+mn-ea"/>
+                <a:cs typeface="+mn-cs"/>
+              </a:defRPr>
+            </a:lvl9pPr>
+          </a:lstStyle>
+          <a:p>
+            <a:r>
+              <a:rPr lang="en-US" dirty="0"/>
+              <a:t>We’ve seen grammar –&gt; language </a:t>
+            </a:r>
+          </a:p>
+          <a:p>
+            <a:r>
+              <a:rPr lang="en-US" dirty="0"/>
+              <a:t>We can also go language –&gt; grammar</a:t>
+            </a:r>
+          </a:p>
+          <a:p>
+            <a:r>
+              <a:rPr lang="en-US" dirty="0"/>
+              <a:t>Let’s try to write a grammar that produces all the palindromes in {a, b}*</a:t>
+            </a:r>
+          </a:p>
+          <a:p>
+            <a:pPr marL="0" indent="0">
+              <a:buNone/>
+            </a:pPr>
+            <a:endParaRPr lang="en-US" dirty="0"/>
+          </a:p>
+          <a:p>
+            <a:pPr marL="914400" lvl="1" indent="-457200">
+              <a:buFont typeface="+mj-lt"/>
+              <a:buAutoNum type="arabicPeriod"/>
+            </a:pPr>
+            <a:r>
+              <a:rPr lang="en-US" i="1" dirty="0"/>
+              <a:t>N</a:t>
+            </a:r>
+            <a:r>
+              <a:rPr lang="en-US" dirty="0"/>
+              <a:t> (nonterminal symbols)</a:t>
+            </a:r>
+          </a:p>
+          <a:p>
+            <a:pPr marL="914400" lvl="1" indent="-457200">
+              <a:buFont typeface="+mj-lt"/>
+              <a:buAutoNum type="arabicPeriod"/>
+            </a:pPr>
+            <a:r>
+              <a:rPr lang="el-GR" dirty="0"/>
+              <a:t>Σ</a:t>
+            </a:r>
+            <a:r>
+              <a:rPr lang="en-US" dirty="0"/>
+              <a:t> (terminal symbols)</a:t>
+            </a:r>
+          </a:p>
+          <a:p>
+            <a:pPr marL="914400" lvl="1" indent="-457200">
+              <a:buFont typeface="+mj-lt"/>
+              <a:buAutoNum type="arabicPeriod"/>
+            </a:pPr>
+            <a:r>
+              <a:rPr lang="en-US" i="1" dirty="0"/>
+              <a:t>P</a:t>
+            </a:r>
+            <a:r>
+              <a:rPr lang="en-US" dirty="0"/>
+              <a:t> (production rules)</a:t>
+            </a:r>
+            <a:endParaRPr lang="en-US" i="1" dirty="0"/>
+          </a:p>
+          <a:p>
+            <a:pPr marL="914400" lvl="1" indent="-457200">
+              <a:buFont typeface="+mj-lt"/>
+              <a:buAutoNum type="arabicPeriod"/>
+            </a:pPr>
+            <a:r>
+              <a:rPr lang="en-US" i="1" dirty="0"/>
+              <a:t>S</a:t>
+            </a:r>
+            <a:r>
+              <a:rPr lang="en-US" dirty="0"/>
+              <a:t> (start symbol)</a:t>
+            </a:r>
+          </a:p>
+          <a:p>
+            <a:endParaRPr lang="en-US" dirty="0"/>
+          </a:p>
+        </p:txBody>
+      </p:sp>
+      <p:sp>
+        <p:nvSpPr>
+          <p:cNvPr id="7" name="Content Placeholder 2">
+            <a:extLst>
+              <a:ext uri="{FF2B5EF4-FFF2-40B4-BE49-F238E27FC236}">
+                <a16:creationId xmlns:a16="http://schemas.microsoft.com/office/drawing/2014/main" id="{DA69ABA3-BEA9-4024-9455-7112C65689D7}"/>
+              </a:ext>
+            </a:extLst>
+          </p:cNvPr>
+          <p:cNvSpPr txBox="1">
+            <a:spLocks/>
+          </p:cNvSpPr>
+          <p:nvPr/>
+        </p:nvSpPr>
+        <p:spPr>
+          <a:xfrm>
+            <a:off x="5286828" y="3432405"/>
+            <a:ext cx="5505753" cy="2902859"/>
+          </a:xfrm>
+          <a:prstGeom prst="rect">
+            <a:avLst/>
+          </a:prstGeom>
+        </p:spPr>
+        <p:txBody>
+          <a:bodyPr vert="horz" lIns="91440" tIns="45720" rIns="91440" bIns="45720" rtlCol="0">
+            <a:normAutofit/>
+          </a:bodyPr>
+          <a:lstStyle>
+            <a:lvl1pPr marL="228600" indent="-228600" algn="l" defTabSz="914400" rtl="0" eaLnBrk="1" latinLnBrk="0" hangingPunct="1">
+              <a:lnSpc>
+                <a:spcPct val="90000"/>
+              </a:lnSpc>
+              <a:spcBef>
+                <a:spcPts val="1000"/>
+              </a:spcBef>
+              <a:buFont typeface="Arial" panose="020B0604020202020204" pitchFamily="34" charset="0"/>
+              <a:buChar char="•"/>
+              <a:defRPr sz="2400" kern="1200">
+                <a:solidFill>
+                  <a:schemeClr val="tx1"/>
+                </a:solidFill>
+                <a:latin typeface="Georgia" panose="02040502050405020303" pitchFamily="18" charset="0"/>
+                <a:ea typeface="+mn-ea"/>
+                <a:cs typeface="+mn-cs"/>
+              </a:defRPr>
+            </a:lvl1pPr>
+            <a:lvl2pPr marL="685800" indent="-228600" algn="l" defTabSz="914400" rtl="0" eaLnBrk="1" latinLnBrk="0" hangingPunct="1">
+              <a:lnSpc>
+                <a:spcPct val="90000"/>
+              </a:lnSpc>
+              <a:spcBef>
+                <a:spcPts val="500"/>
+              </a:spcBef>
+              <a:buFont typeface="Arial" panose="020B0604020202020204" pitchFamily="34" charset="0"/>
+              <a:buChar char="•"/>
+              <a:defRPr sz="2400" kern="1200">
+                <a:solidFill>
+                  <a:schemeClr val="tx1"/>
+                </a:solidFill>
+                <a:latin typeface="Georgia" panose="02040502050405020303" pitchFamily="18" charset="0"/>
+                <a:ea typeface="+mn-ea"/>
+                <a:cs typeface="+mn-cs"/>
+              </a:defRPr>
+            </a:lvl2pPr>
+            <a:lvl3pPr marL="1143000" indent="-228600" algn="l" defTabSz="914400" rtl="0" eaLnBrk="1" latinLnBrk="0" hangingPunct="1">
+              <a:lnSpc>
+                <a:spcPct val="90000"/>
+              </a:lnSpc>
+              <a:spcBef>
+                <a:spcPts val="500"/>
+              </a:spcBef>
+              <a:buFont typeface="Arial" panose="020B0604020202020204" pitchFamily="34" charset="0"/>
+              <a:buChar char="•"/>
+              <a:defRPr sz="2400" kern="1200">
+                <a:solidFill>
+                  <a:schemeClr val="tx1"/>
+                </a:solidFill>
+                <a:latin typeface="Georgia" panose="02040502050405020303" pitchFamily="18" charset="0"/>
+                <a:ea typeface="+mn-ea"/>
+                <a:cs typeface="+mn-cs"/>
+              </a:defRPr>
+            </a:lvl3pPr>
+            <a:lvl4pPr marL="1600200" indent="-228600" algn="l" defTabSz="914400" rtl="0" eaLnBrk="1" latinLnBrk="0" hangingPunct="1">
+              <a:lnSpc>
+                <a:spcPct val="90000"/>
+              </a:lnSpc>
+              <a:spcBef>
+                <a:spcPts val="500"/>
+              </a:spcBef>
+              <a:buFont typeface="Arial" panose="020B0604020202020204" pitchFamily="34" charset="0"/>
+              <a:buChar char="•"/>
+              <a:defRPr sz="2400" kern="1200">
+                <a:solidFill>
+                  <a:schemeClr val="tx1"/>
+                </a:solidFill>
+                <a:latin typeface="Georgia" panose="02040502050405020303" pitchFamily="18" charset="0"/>
+                <a:ea typeface="+mn-ea"/>
+                <a:cs typeface="+mn-cs"/>
+              </a:defRPr>
+            </a:lvl4pPr>
+            <a:lvl5pPr marL="2057400" indent="-228600" algn="l" defTabSz="914400" rtl="0" eaLnBrk="1" latinLnBrk="0" hangingPunct="1">
+              <a:lnSpc>
+                <a:spcPct val="90000"/>
+              </a:lnSpc>
+              <a:spcBef>
+                <a:spcPts val="500"/>
+              </a:spcBef>
+              <a:buFont typeface="Arial" panose="020B0604020202020204" pitchFamily="34" charset="0"/>
+              <a:buChar char="•"/>
+              <a:defRPr sz="2400" kern="1200">
+                <a:solidFill>
+                  <a:schemeClr val="tx1"/>
+                </a:solidFill>
+                <a:latin typeface="Georgia" panose="02040502050405020303" pitchFamily="18" charset="0"/>
+                <a:ea typeface="+mn-ea"/>
+                <a:cs typeface="+mn-cs"/>
+              </a:defRPr>
+            </a:lvl5pPr>
+            <a:lvl6pPr marL="2514600" indent="-228600" algn="l" defTabSz="914400" rtl="0" eaLnBrk="1" latinLnBrk="0" hangingPunct="1">
+              <a:lnSpc>
+                <a:spcPct val="90000"/>
+              </a:lnSpc>
+              <a:spcBef>
+                <a:spcPts val="500"/>
+              </a:spcBef>
+              <a:buFont typeface="Arial" panose="020B0604020202020204" pitchFamily="34" charset="0"/>
+              <a:buChar char="•"/>
+              <a:defRPr sz="1800" kern="1200">
+                <a:solidFill>
+                  <a:schemeClr val="tx1"/>
+                </a:solidFill>
+                <a:latin typeface="+mn-lt"/>
+                <a:ea typeface="+mn-ea"/>
+                <a:cs typeface="+mn-cs"/>
+              </a:defRPr>
+            </a:lvl6pPr>
+            <a:lvl7pPr marL="2971800" indent="-228600" algn="l" defTabSz="914400" rtl="0" eaLnBrk="1" latinLnBrk="0" hangingPunct="1">
+              <a:lnSpc>
+                <a:spcPct val="90000"/>
+              </a:lnSpc>
+              <a:spcBef>
+                <a:spcPts val="500"/>
+              </a:spcBef>
+              <a:buFont typeface="Arial" panose="020B0604020202020204" pitchFamily="34" charset="0"/>
+              <a:buChar char="•"/>
+              <a:defRPr sz="1800" kern="1200">
+                <a:solidFill>
+                  <a:schemeClr val="tx1"/>
+                </a:solidFill>
+                <a:latin typeface="+mn-lt"/>
+                <a:ea typeface="+mn-ea"/>
+                <a:cs typeface="+mn-cs"/>
+              </a:defRPr>
+            </a:lvl7pPr>
+            <a:lvl8pPr marL="3429000" indent="-228600" algn="l" defTabSz="914400" rtl="0" eaLnBrk="1" latinLnBrk="0" hangingPunct="1">
+              <a:lnSpc>
+                <a:spcPct val="90000"/>
+              </a:lnSpc>
+              <a:spcBef>
+                <a:spcPts val="500"/>
+              </a:spcBef>
+              <a:buFont typeface="Arial" panose="020B0604020202020204" pitchFamily="34" charset="0"/>
+              <a:buChar char="•"/>
+              <a:defRPr sz="1800" kern="1200">
+                <a:solidFill>
+                  <a:schemeClr val="tx1"/>
+                </a:solidFill>
+                <a:latin typeface="+mn-lt"/>
+                <a:ea typeface="+mn-ea"/>
+                <a:cs typeface="+mn-cs"/>
+              </a:defRPr>
+            </a:lvl8pPr>
+            <a:lvl9pPr marL="3886200" indent="-228600" algn="l" defTabSz="914400" rtl="0" eaLnBrk="1" latinLnBrk="0" hangingPunct="1">
+              <a:lnSpc>
+                <a:spcPct val="90000"/>
+              </a:lnSpc>
+              <a:spcBef>
+                <a:spcPts val="500"/>
+              </a:spcBef>
+              <a:buFont typeface="Arial" panose="020B0604020202020204" pitchFamily="34" charset="0"/>
+              <a:buChar char="•"/>
+              <a:defRPr sz="1800" kern="1200">
+                <a:solidFill>
+                  <a:schemeClr val="tx1"/>
+                </a:solidFill>
+                <a:latin typeface="+mn-lt"/>
+                <a:ea typeface="+mn-ea"/>
+                <a:cs typeface="+mn-cs"/>
+              </a:defRPr>
+            </a:lvl9pPr>
+          </a:lstStyle>
+          <a:p>
+            <a:pPr marL="914400" lvl="1" indent="-457200">
+              <a:buFont typeface="+mj-lt"/>
+              <a:buAutoNum type="arabicPeriod"/>
+            </a:pPr>
+            <a:r>
+              <a:rPr lang="en-US" dirty="0"/>
+              <a:t>{S}</a:t>
+            </a:r>
+          </a:p>
+          <a:p>
+            <a:pPr marL="914400" lvl="1" indent="-457200">
+              <a:buFont typeface="+mj-lt"/>
+              <a:buAutoNum type="arabicPeriod"/>
+            </a:pPr>
+            <a:r>
+              <a:rPr lang="en-US" dirty="0"/>
+              <a:t>{a, b}</a:t>
+            </a:r>
+          </a:p>
+          <a:p>
+            <a:pPr marL="914400" lvl="1" indent="-457200">
+              <a:buFont typeface="+mj-lt"/>
+              <a:buAutoNum type="arabicPeriod"/>
+            </a:pPr>
+            <a:r>
+              <a:rPr lang="en-US" dirty="0"/>
+              <a:t>1. S </a:t>
+            </a:r>
+            <a:r>
+              <a:rPr lang="en-US" dirty="0">
+                <a:sym typeface="Wingdings" panose="05000000000000000000" pitchFamily="2" charset="2"/>
+              </a:rPr>
+              <a:t> </a:t>
+            </a:r>
+            <a:r>
+              <a:rPr lang="en-US" dirty="0" err="1">
+                <a:sym typeface="Wingdings" panose="05000000000000000000" pitchFamily="2" charset="2"/>
+              </a:rPr>
+              <a:t>aSa</a:t>
+            </a:r>
+            <a:endParaRPr lang="en-US" dirty="0">
+              <a:sym typeface="Wingdings" panose="05000000000000000000" pitchFamily="2" charset="2"/>
+            </a:endParaRPr>
+          </a:p>
+          <a:p>
+            <a:pPr marL="457200" lvl="1" indent="0">
+              <a:buNone/>
+            </a:pPr>
+            <a:r>
+              <a:rPr lang="en-US" dirty="0">
+                <a:sym typeface="Wingdings" panose="05000000000000000000" pitchFamily="2" charset="2"/>
+              </a:rPr>
+              <a:t>	2. S  </a:t>
+            </a:r>
+            <a:r>
+              <a:rPr lang="en-US" dirty="0" err="1">
+                <a:sym typeface="Wingdings" panose="05000000000000000000" pitchFamily="2" charset="2"/>
+              </a:rPr>
+              <a:t>bSb</a:t>
+            </a:r>
+            <a:endParaRPr lang="en-US" dirty="0">
+              <a:sym typeface="Wingdings" panose="05000000000000000000" pitchFamily="2" charset="2"/>
+            </a:endParaRPr>
+          </a:p>
+          <a:p>
+            <a:pPr marL="457200" lvl="1" indent="0">
+              <a:buNone/>
+            </a:pPr>
+            <a:r>
+              <a:rPr lang="en-US" dirty="0">
+                <a:sym typeface="Wingdings" panose="05000000000000000000" pitchFamily="2" charset="2"/>
+              </a:rPr>
+              <a:t>	3. S  </a:t>
+            </a:r>
+            <a:r>
+              <a:rPr lang="en-US" i="1" dirty="0">
+                <a:sym typeface="Wingdings" panose="05000000000000000000" pitchFamily="2" charset="2"/>
+              </a:rPr>
+              <a:t>e</a:t>
+            </a:r>
+            <a:endParaRPr lang="en-US" dirty="0">
+              <a:sym typeface="Wingdings" panose="05000000000000000000" pitchFamily="2" charset="2"/>
+            </a:endParaRPr>
+          </a:p>
+          <a:p>
+            <a:pPr marL="457200" lvl="1" indent="0">
+              <a:buNone/>
+            </a:pPr>
+            <a:r>
+              <a:rPr lang="en-US" dirty="0">
+                <a:sym typeface="Wingdings" panose="05000000000000000000" pitchFamily="2" charset="2"/>
+              </a:rPr>
+              <a:t>	4. S  a</a:t>
+            </a:r>
+          </a:p>
+          <a:p>
+            <a:pPr marL="457200" lvl="1" indent="0">
+              <a:buNone/>
+            </a:pPr>
+            <a:r>
+              <a:rPr lang="en-US" dirty="0">
+                <a:sym typeface="Wingdings" panose="05000000000000000000" pitchFamily="2" charset="2"/>
+              </a:rPr>
+              <a:t>	5. S  b</a:t>
+            </a:r>
+            <a:endParaRPr lang="en-US" b="1" i="1" dirty="0"/>
+          </a:p>
+        </p:txBody>
+      </p:sp>
+      <p:sp>
+        <p:nvSpPr>
+          <p:cNvPr id="3" name="Footer Placeholder 2">
+            <a:extLst>
+              <a:ext uri="{FF2B5EF4-FFF2-40B4-BE49-F238E27FC236}">
+                <a16:creationId xmlns:a16="http://schemas.microsoft.com/office/drawing/2014/main" id="{8BBF9FD2-1658-AF47-E58E-AB444A310C72}"/>
+              </a:ext>
+            </a:extLst>
+          </p:cNvPr>
+          <p:cNvSpPr>
+            <a:spLocks noGrp="1"/>
+          </p:cNvSpPr>
+          <p:nvPr>
+            <p:ph type="ftr" sz="quarter" idx="11"/>
+          </p:nvPr>
+        </p:nvSpPr>
+        <p:spPr/>
+        <p:txBody>
+          <a:bodyPr/>
+          <a:lstStyle/>
+          <a:p>
+            <a:r>
+              <a:rPr lang="en-US"/>
+              <a:t>Fausto Carcassi – A day with the pLoT</a:t>
+            </a:r>
+            <a:endParaRPr lang="en-DE"/>
+          </a:p>
+        </p:txBody>
+      </p:sp>
+      <p:sp>
+        <p:nvSpPr>
+          <p:cNvPr id="4" name="Slide Number Placeholder 3">
+            <a:extLst>
+              <a:ext uri="{FF2B5EF4-FFF2-40B4-BE49-F238E27FC236}">
+                <a16:creationId xmlns:a16="http://schemas.microsoft.com/office/drawing/2014/main" id="{0E35C101-5901-D683-C251-AE8431DAF5EA}"/>
+              </a:ext>
+            </a:extLst>
+          </p:cNvPr>
+          <p:cNvSpPr>
+            <a:spLocks noGrp="1"/>
+          </p:cNvSpPr>
+          <p:nvPr>
+            <p:ph type="sldNum" sz="quarter" idx="12"/>
+          </p:nvPr>
+        </p:nvSpPr>
+        <p:spPr/>
+        <p:txBody>
+          <a:bodyPr/>
+          <a:lstStyle/>
+          <a:p>
+            <a:fld id="{87C6F9F5-FD91-41AF-9631-9F406EBEB36A}" type="slidenum">
+              <a:rPr lang="en-DE" smtClean="0"/>
+              <a:t>33</a:t>
+            </a:fld>
+            <a:endParaRPr lang="en-DE"/>
+          </a:p>
+        </p:txBody>
+      </p:sp>
+    </p:spTree>
+    <p:extLst>
+      <p:ext uri="{BB962C8B-B14F-4D97-AF65-F5344CB8AC3E}">
+        <p14:creationId xmlns:p14="http://schemas.microsoft.com/office/powerpoint/2010/main" val="2559043070"/>
+      </p:ext>
+    </p:extLst>
+  </p:cSld>
+  <p:clrMapOvr>
+    <a:masterClrMapping/>
+  </p:clrMapOvr>
+  <p:timing>
+    <p:tnLst>
+      <p:par>
+        <p:cTn id="1" dur="indefinite" restart="never" nodeType="tmRoot">
+          <p:childTnLst>
+            <p:seq concurrent="1" nextAc="seek">
+              <p:cTn id="2" dur="indefinite" nodeType="mainSeq">
+                <p:childTnLst>
+                  <p:par>
+                    <p:cTn id="3" fill="hold">
+                      <p:stCondLst>
+                        <p:cond delay="indefinite"/>
+                      </p:stCondLst>
+                      <p:childTnLst>
+                        <p:par>
+                          <p:cTn id="4" fill="hold">
+                            <p:stCondLst>
+                              <p:cond delay="0"/>
+                            </p:stCondLst>
+                            <p:childTnLst>
+                              <p:par>
+                                <p:cTn id="5" presetID="1" presetClass="entr" presetSubtype="0" fill="hold" nodeType="clickEffect">
+                                  <p:stCondLst>
+                                    <p:cond delay="0"/>
+                                  </p:stCondLst>
+                                  <p:childTnLst>
+                                    <p:set>
+                                      <p:cBhvr>
+                                        <p:cTn id="6" dur="1" fill="hold">
+                                          <p:stCondLst>
+                                            <p:cond delay="0"/>
+                                          </p:stCondLst>
+                                        </p:cTn>
+                                        <p:tgtEl>
+                                          <p:spTgt spid="6">
+                                            <p:txEl>
+                                              <p:pRg st="0" end="0"/>
+                                            </p:txEl>
+                                          </p:spTgt>
+                                        </p:tgtEl>
+                                        <p:attrNameLst>
+                                          <p:attrName>style.visibility</p:attrName>
+                                        </p:attrNameLst>
+                                      </p:cBhvr>
+                                      <p:to>
+                                        <p:strVal val="visible"/>
+                                      </p:to>
+                                    </p:set>
+                                  </p:childTnLst>
+                                </p:cTn>
+                              </p:par>
+                            </p:childTnLst>
+                          </p:cTn>
+                        </p:par>
+                      </p:childTnLst>
+                    </p:cTn>
+                  </p:par>
+                  <p:par>
+                    <p:cTn id="7" fill="hold">
+                      <p:stCondLst>
+                        <p:cond delay="indefinite"/>
+                      </p:stCondLst>
+                      <p:childTnLst>
+                        <p:par>
+                          <p:cTn id="8" fill="hold">
+                            <p:stCondLst>
+                              <p:cond delay="0"/>
+                            </p:stCondLst>
+                            <p:childTnLst>
+                              <p:par>
+                                <p:cTn id="9" presetID="1" presetClass="entr" presetSubtype="0" fill="hold" nodeType="clickEffect">
+                                  <p:stCondLst>
+                                    <p:cond delay="0"/>
+                                  </p:stCondLst>
+                                  <p:childTnLst>
+                                    <p:set>
+                                      <p:cBhvr>
+                                        <p:cTn id="10" dur="1" fill="hold">
+                                          <p:stCondLst>
+                                            <p:cond delay="0"/>
+                                          </p:stCondLst>
+                                        </p:cTn>
+                                        <p:tgtEl>
+                                          <p:spTgt spid="6">
+                                            <p:txEl>
+                                              <p:pRg st="1" end="1"/>
+                                            </p:txEl>
+                                          </p:spTgt>
+                                        </p:tgtEl>
+                                        <p:attrNameLst>
+                                          <p:attrName>style.visibility</p:attrName>
+                                        </p:attrNameLst>
+                                      </p:cBhvr>
+                                      <p:to>
+                                        <p:strVal val="visible"/>
+                                      </p:to>
+                                    </p:set>
+                                  </p:childTnLst>
+                                </p:cTn>
+                              </p:par>
+                            </p:childTnLst>
+                          </p:cTn>
+                        </p:par>
+                      </p:childTnLst>
+                    </p:cTn>
+                  </p:par>
+                  <p:par>
+                    <p:cTn id="11" fill="hold">
+                      <p:stCondLst>
+                        <p:cond delay="indefinite"/>
+                      </p:stCondLst>
+                      <p:childTnLst>
+                        <p:par>
+                          <p:cTn id="12" fill="hold">
+                            <p:stCondLst>
+                              <p:cond delay="0"/>
+                            </p:stCondLst>
+                            <p:childTnLst>
+                              <p:par>
+                                <p:cTn id="13" presetID="1" presetClass="entr" presetSubtype="0" fill="hold" nodeType="clickEffect">
+                                  <p:stCondLst>
+                                    <p:cond delay="0"/>
+                                  </p:stCondLst>
+                                  <p:childTnLst>
+                                    <p:set>
+                                      <p:cBhvr>
+                                        <p:cTn id="14" dur="1" fill="hold">
+                                          <p:stCondLst>
+                                            <p:cond delay="0"/>
+                                          </p:stCondLst>
+                                        </p:cTn>
+                                        <p:tgtEl>
+                                          <p:spTgt spid="6">
+                                            <p:txEl>
+                                              <p:pRg st="2" end="2"/>
+                                            </p:txEl>
+                                          </p:spTgt>
+                                        </p:tgtEl>
+                                        <p:attrNameLst>
+                                          <p:attrName>style.visibility</p:attrName>
+                                        </p:attrNameLst>
+                                      </p:cBhvr>
+                                      <p:to>
+                                        <p:strVal val="visible"/>
+                                      </p:to>
+                                    </p:set>
+                                  </p:childTnLst>
+                                </p:cTn>
+                              </p:par>
+                            </p:childTnLst>
+                          </p:cTn>
+                        </p:par>
+                      </p:childTnLst>
+                    </p:cTn>
+                  </p:par>
+                  <p:par>
+                    <p:cTn id="15" fill="hold">
+                      <p:stCondLst>
+                        <p:cond delay="indefinite"/>
+                      </p:stCondLst>
+                      <p:childTnLst>
+                        <p:par>
+                          <p:cTn id="16" fill="hold">
+                            <p:stCondLst>
+                              <p:cond delay="0"/>
+                            </p:stCondLst>
+                            <p:childTnLst>
+                              <p:par>
+                                <p:cTn id="17" presetID="1" presetClass="entr" presetSubtype="0" fill="hold" nodeType="clickEffect">
+                                  <p:stCondLst>
+                                    <p:cond delay="0"/>
+                                  </p:stCondLst>
+                                  <p:childTnLst>
+                                    <p:set>
+                                      <p:cBhvr>
+                                        <p:cTn id="18" dur="1" fill="hold">
+                                          <p:stCondLst>
+                                            <p:cond delay="0"/>
+                                          </p:stCondLst>
+                                        </p:cTn>
+                                        <p:tgtEl>
+                                          <p:spTgt spid="6">
+                                            <p:txEl>
+                                              <p:pRg st="4" end="4"/>
+                                            </p:txEl>
+                                          </p:spTgt>
+                                        </p:tgtEl>
+                                        <p:attrNameLst>
+                                          <p:attrName>style.visibility</p:attrName>
+                                        </p:attrNameLst>
+                                      </p:cBhvr>
+                                      <p:to>
+                                        <p:strVal val="visible"/>
+                                      </p:to>
+                                    </p:set>
+                                  </p:childTnLst>
+                                </p:cTn>
+                              </p:par>
+                            </p:childTnLst>
+                          </p:cTn>
+                        </p:par>
+                      </p:childTnLst>
+                    </p:cTn>
+                  </p:par>
+                  <p:par>
+                    <p:cTn id="19" fill="hold">
+                      <p:stCondLst>
+                        <p:cond delay="indefinite"/>
+                      </p:stCondLst>
+                      <p:childTnLst>
+                        <p:par>
+                          <p:cTn id="20" fill="hold">
+                            <p:stCondLst>
+                              <p:cond delay="0"/>
+                            </p:stCondLst>
+                            <p:childTnLst>
+                              <p:par>
+                                <p:cTn id="21" presetID="1" presetClass="entr" presetSubtype="0" fill="hold" nodeType="clickEffect">
+                                  <p:stCondLst>
+                                    <p:cond delay="0"/>
+                                  </p:stCondLst>
+                                  <p:childTnLst>
+                                    <p:set>
+                                      <p:cBhvr>
+                                        <p:cTn id="22" dur="1" fill="hold">
+                                          <p:stCondLst>
+                                            <p:cond delay="0"/>
+                                          </p:stCondLst>
+                                        </p:cTn>
+                                        <p:tgtEl>
+                                          <p:spTgt spid="6">
+                                            <p:txEl>
+                                              <p:pRg st="5" end="5"/>
+                                            </p:txEl>
+                                          </p:spTgt>
+                                        </p:tgtEl>
+                                        <p:attrNameLst>
+                                          <p:attrName>style.visibility</p:attrName>
+                                        </p:attrNameLst>
+                                      </p:cBhvr>
+                                      <p:to>
+                                        <p:strVal val="visible"/>
+                                      </p:to>
+                                    </p:set>
+                                  </p:childTnLst>
+                                </p:cTn>
+                              </p:par>
+                            </p:childTnLst>
+                          </p:cTn>
+                        </p:par>
+                      </p:childTnLst>
+                    </p:cTn>
+                  </p:par>
+                  <p:par>
+                    <p:cTn id="23" fill="hold">
+                      <p:stCondLst>
+                        <p:cond delay="indefinite"/>
+                      </p:stCondLst>
+                      <p:childTnLst>
+                        <p:par>
+                          <p:cTn id="24" fill="hold">
+                            <p:stCondLst>
+                              <p:cond delay="0"/>
+                            </p:stCondLst>
+                            <p:childTnLst>
+                              <p:par>
+                                <p:cTn id="25" presetID="1" presetClass="entr" presetSubtype="0" fill="hold" nodeType="clickEffect">
+                                  <p:stCondLst>
+                                    <p:cond delay="0"/>
+                                  </p:stCondLst>
+                                  <p:childTnLst>
+                                    <p:set>
+                                      <p:cBhvr>
+                                        <p:cTn id="26" dur="1" fill="hold">
+                                          <p:stCondLst>
+                                            <p:cond delay="0"/>
+                                          </p:stCondLst>
+                                        </p:cTn>
+                                        <p:tgtEl>
+                                          <p:spTgt spid="6">
+                                            <p:txEl>
+                                              <p:pRg st="6" end="6"/>
+                                            </p:txEl>
+                                          </p:spTgt>
+                                        </p:tgtEl>
+                                        <p:attrNameLst>
+                                          <p:attrName>style.visibility</p:attrName>
+                                        </p:attrNameLst>
+                                      </p:cBhvr>
+                                      <p:to>
+                                        <p:strVal val="visible"/>
+                                      </p:to>
+                                    </p:set>
+                                  </p:childTnLst>
+                                </p:cTn>
+                              </p:par>
+                            </p:childTnLst>
+                          </p:cTn>
+                        </p:par>
+                      </p:childTnLst>
+                    </p:cTn>
+                  </p:par>
+                  <p:par>
+                    <p:cTn id="27" fill="hold">
+                      <p:stCondLst>
+                        <p:cond delay="indefinite"/>
+                      </p:stCondLst>
+                      <p:childTnLst>
+                        <p:par>
+                          <p:cTn id="28" fill="hold">
+                            <p:stCondLst>
+                              <p:cond delay="0"/>
+                            </p:stCondLst>
+                            <p:childTnLst>
+                              <p:par>
+                                <p:cTn id="29" presetID="1" presetClass="entr" presetSubtype="0" fill="hold" nodeType="clickEffect">
+                                  <p:stCondLst>
+                                    <p:cond delay="0"/>
+                                  </p:stCondLst>
+                                  <p:childTnLst>
+                                    <p:set>
+                                      <p:cBhvr>
+                                        <p:cTn id="30" dur="1" fill="hold">
+                                          <p:stCondLst>
+                                            <p:cond delay="0"/>
+                                          </p:stCondLst>
+                                        </p:cTn>
+                                        <p:tgtEl>
+                                          <p:spTgt spid="6">
+                                            <p:txEl>
+                                              <p:pRg st="7" end="7"/>
+                                            </p:txEl>
+                                          </p:spTgt>
+                                        </p:tgtEl>
+                                        <p:attrNameLst>
+                                          <p:attrName>style.visibility</p:attrName>
+                                        </p:attrNameLst>
+                                      </p:cBhvr>
+                                      <p:to>
+                                        <p:strVal val="visible"/>
+                                      </p:to>
+                                    </p:set>
+                                  </p:childTnLst>
+                                </p:cTn>
+                              </p:par>
+                            </p:childTnLst>
+                          </p:cTn>
+                        </p:par>
+                      </p:childTnLst>
+                    </p:cTn>
+                  </p:par>
+                  <p:par>
+                    <p:cTn id="31" fill="hold">
+                      <p:stCondLst>
+                        <p:cond delay="indefinite"/>
+                      </p:stCondLst>
+                      <p:childTnLst>
+                        <p:par>
+                          <p:cTn id="32" fill="hold">
+                            <p:stCondLst>
+                              <p:cond delay="0"/>
+                            </p:stCondLst>
+                            <p:childTnLst>
+                              <p:par>
+                                <p:cTn id="33" presetID="1" presetClass="entr" presetSubtype="0" fill="hold" nodeType="clickEffect">
+                                  <p:stCondLst>
+                                    <p:cond delay="0"/>
+                                  </p:stCondLst>
+                                  <p:childTnLst>
+                                    <p:set>
+                                      <p:cBhvr>
+                                        <p:cTn id="34" dur="1" fill="hold">
+                                          <p:stCondLst>
+                                            <p:cond delay="0"/>
+                                          </p:stCondLst>
+                                        </p:cTn>
+                                        <p:tgtEl>
+                                          <p:spTgt spid="7">
+                                            <p:txEl>
+                                              <p:pRg st="0" end="0"/>
+                                            </p:txEl>
+                                          </p:spTgt>
+                                        </p:tgtEl>
+                                        <p:attrNameLst>
+                                          <p:attrName>style.visibility</p:attrName>
+                                        </p:attrNameLst>
+                                      </p:cBhvr>
+                                      <p:to>
+                                        <p:strVal val="visible"/>
+                                      </p:to>
+                                    </p:set>
+                                  </p:childTnLst>
+                                </p:cTn>
+                              </p:par>
+                            </p:childTnLst>
+                          </p:cTn>
+                        </p:par>
+                      </p:childTnLst>
+                    </p:cTn>
+                  </p:par>
+                  <p:par>
+                    <p:cTn id="35" fill="hold">
+                      <p:stCondLst>
+                        <p:cond delay="indefinite"/>
+                      </p:stCondLst>
+                      <p:childTnLst>
+                        <p:par>
+                          <p:cTn id="36" fill="hold">
+                            <p:stCondLst>
+                              <p:cond delay="0"/>
+                            </p:stCondLst>
+                            <p:childTnLst>
+                              <p:par>
+                                <p:cTn id="37" presetID="1" presetClass="entr" presetSubtype="0" fill="hold" nodeType="clickEffect">
+                                  <p:stCondLst>
+                                    <p:cond delay="0"/>
+                                  </p:stCondLst>
+                                  <p:childTnLst>
+                                    <p:set>
+                                      <p:cBhvr>
+                                        <p:cTn id="38" dur="1" fill="hold">
+                                          <p:stCondLst>
+                                            <p:cond delay="0"/>
+                                          </p:stCondLst>
+                                        </p:cTn>
+                                        <p:tgtEl>
+                                          <p:spTgt spid="7">
+                                            <p:txEl>
+                                              <p:pRg st="1" end="1"/>
+                                            </p:txEl>
+                                          </p:spTgt>
+                                        </p:tgtEl>
+                                        <p:attrNameLst>
+                                          <p:attrName>style.visibility</p:attrName>
+                                        </p:attrNameLst>
+                                      </p:cBhvr>
+                                      <p:to>
+                                        <p:strVal val="visible"/>
+                                      </p:to>
+                                    </p:set>
+                                  </p:childTnLst>
+                                </p:cTn>
+                              </p:par>
+                            </p:childTnLst>
+                          </p:cTn>
+                        </p:par>
+                      </p:childTnLst>
+                    </p:cTn>
+                  </p:par>
+                  <p:par>
+                    <p:cTn id="39" fill="hold">
+                      <p:stCondLst>
+                        <p:cond delay="indefinite"/>
+                      </p:stCondLst>
+                      <p:childTnLst>
+                        <p:par>
+                          <p:cTn id="40" fill="hold">
+                            <p:stCondLst>
+                              <p:cond delay="0"/>
+                            </p:stCondLst>
+                            <p:childTnLst>
+                              <p:par>
+                                <p:cTn id="41" presetID="1" presetClass="entr" presetSubtype="0" fill="hold" nodeType="clickEffect">
+                                  <p:stCondLst>
+                                    <p:cond delay="0"/>
+                                  </p:stCondLst>
+                                  <p:childTnLst>
+                                    <p:set>
+                                      <p:cBhvr>
+                                        <p:cTn id="42" dur="1" fill="hold">
+                                          <p:stCondLst>
+                                            <p:cond delay="0"/>
+                                          </p:stCondLst>
+                                        </p:cTn>
+                                        <p:tgtEl>
+                                          <p:spTgt spid="7">
+                                            <p:txEl>
+                                              <p:pRg st="2" end="2"/>
+                                            </p:txEl>
+                                          </p:spTgt>
+                                        </p:tgtEl>
+                                        <p:attrNameLst>
+                                          <p:attrName>style.visibility</p:attrName>
+                                        </p:attrNameLst>
+                                      </p:cBhvr>
+                                      <p:to>
+                                        <p:strVal val="visible"/>
+                                      </p:to>
+                                    </p:set>
+                                  </p:childTnLst>
+                                </p:cTn>
+                              </p:par>
+                            </p:childTnLst>
+                          </p:cTn>
+                        </p:par>
+                      </p:childTnLst>
+                    </p:cTn>
+                  </p:par>
+                  <p:par>
+                    <p:cTn id="43" fill="hold">
+                      <p:stCondLst>
+                        <p:cond delay="indefinite"/>
+                      </p:stCondLst>
+                      <p:childTnLst>
+                        <p:par>
+                          <p:cTn id="44" fill="hold">
+                            <p:stCondLst>
+                              <p:cond delay="0"/>
+                            </p:stCondLst>
+                            <p:childTnLst>
+                              <p:par>
+                                <p:cTn id="45" presetID="1" presetClass="entr" presetSubtype="0" fill="hold" nodeType="clickEffect">
+                                  <p:stCondLst>
+                                    <p:cond delay="0"/>
+                                  </p:stCondLst>
+                                  <p:childTnLst>
+                                    <p:set>
+                                      <p:cBhvr>
+                                        <p:cTn id="46" dur="1" fill="hold">
+                                          <p:stCondLst>
+                                            <p:cond delay="0"/>
+                                          </p:stCondLst>
+                                        </p:cTn>
+                                        <p:tgtEl>
+                                          <p:spTgt spid="7">
+                                            <p:txEl>
+                                              <p:pRg st="3" end="3"/>
+                                            </p:txEl>
+                                          </p:spTgt>
+                                        </p:tgtEl>
+                                        <p:attrNameLst>
+                                          <p:attrName>style.visibility</p:attrName>
+                                        </p:attrNameLst>
+                                      </p:cBhvr>
+                                      <p:to>
+                                        <p:strVal val="visible"/>
+                                      </p:to>
+                                    </p:set>
+                                  </p:childTnLst>
+                                </p:cTn>
+                              </p:par>
+                            </p:childTnLst>
+                          </p:cTn>
+                        </p:par>
+                      </p:childTnLst>
+                    </p:cTn>
+                  </p:par>
+                  <p:par>
+                    <p:cTn id="47" fill="hold">
+                      <p:stCondLst>
+                        <p:cond delay="indefinite"/>
+                      </p:stCondLst>
+                      <p:childTnLst>
+                        <p:par>
+                          <p:cTn id="48" fill="hold">
+                            <p:stCondLst>
+                              <p:cond delay="0"/>
+                            </p:stCondLst>
+                            <p:childTnLst>
+                              <p:par>
+                                <p:cTn id="49" presetID="1" presetClass="entr" presetSubtype="0" fill="hold" nodeType="clickEffect">
+                                  <p:stCondLst>
+                                    <p:cond delay="0"/>
+                                  </p:stCondLst>
+                                  <p:childTnLst>
+                                    <p:set>
+                                      <p:cBhvr>
+                                        <p:cTn id="50" dur="1" fill="hold">
+                                          <p:stCondLst>
+                                            <p:cond delay="0"/>
+                                          </p:stCondLst>
+                                        </p:cTn>
+                                        <p:tgtEl>
+                                          <p:spTgt spid="7">
+                                            <p:txEl>
+                                              <p:pRg st="4" end="4"/>
+                                            </p:txEl>
+                                          </p:spTgt>
+                                        </p:tgtEl>
+                                        <p:attrNameLst>
+                                          <p:attrName>style.visibility</p:attrName>
+                                        </p:attrNameLst>
+                                      </p:cBhvr>
+                                      <p:to>
+                                        <p:strVal val="visible"/>
+                                      </p:to>
+                                    </p:set>
+                                  </p:childTnLst>
+                                </p:cTn>
+                              </p:par>
+                            </p:childTnLst>
+                          </p:cTn>
+                        </p:par>
+                      </p:childTnLst>
+                    </p:cTn>
+                  </p:par>
+                  <p:par>
+                    <p:cTn id="51" fill="hold">
+                      <p:stCondLst>
+                        <p:cond delay="indefinite"/>
+                      </p:stCondLst>
+                      <p:childTnLst>
+                        <p:par>
+                          <p:cTn id="52" fill="hold">
+                            <p:stCondLst>
+                              <p:cond delay="0"/>
+                            </p:stCondLst>
+                            <p:childTnLst>
+                              <p:par>
+                                <p:cTn id="53" presetID="1" presetClass="entr" presetSubtype="0" fill="hold" nodeType="clickEffect">
+                                  <p:stCondLst>
+                                    <p:cond delay="0"/>
+                                  </p:stCondLst>
+                                  <p:childTnLst>
+                                    <p:set>
+                                      <p:cBhvr>
+                                        <p:cTn id="54" dur="1" fill="hold">
+                                          <p:stCondLst>
+                                            <p:cond delay="0"/>
+                                          </p:stCondLst>
+                                        </p:cTn>
+                                        <p:tgtEl>
+                                          <p:spTgt spid="7">
+                                            <p:txEl>
+                                              <p:pRg st="5" end="5"/>
+                                            </p:txEl>
+                                          </p:spTgt>
+                                        </p:tgtEl>
+                                        <p:attrNameLst>
+                                          <p:attrName>style.visibility</p:attrName>
+                                        </p:attrNameLst>
+                                      </p:cBhvr>
+                                      <p:to>
+                                        <p:strVal val="visible"/>
+                                      </p:to>
+                                    </p:set>
+                                  </p:childTnLst>
+                                </p:cTn>
+                              </p:par>
+                            </p:childTnLst>
+                          </p:cTn>
+                        </p:par>
+                      </p:childTnLst>
+                    </p:cTn>
+                  </p:par>
+                  <p:par>
+                    <p:cTn id="55" fill="hold">
+                      <p:stCondLst>
+                        <p:cond delay="indefinite"/>
+                      </p:stCondLst>
+                      <p:childTnLst>
+                        <p:par>
+                          <p:cTn id="56" fill="hold">
+                            <p:stCondLst>
+                              <p:cond delay="0"/>
+                            </p:stCondLst>
+                            <p:childTnLst>
+                              <p:par>
+                                <p:cTn id="57" presetID="1" presetClass="entr" presetSubtype="0" fill="hold" nodeType="clickEffect">
+                                  <p:stCondLst>
+                                    <p:cond delay="0"/>
+                                  </p:stCondLst>
+                                  <p:childTnLst>
+                                    <p:set>
+                                      <p:cBhvr>
+                                        <p:cTn id="58" dur="1" fill="hold">
+                                          <p:stCondLst>
+                                            <p:cond delay="0"/>
+                                          </p:stCondLst>
+                                        </p:cTn>
+                                        <p:tgtEl>
+                                          <p:spTgt spid="7">
+                                            <p:txEl>
+                                              <p:pRg st="6" end="6"/>
+                                            </p:txEl>
+                                          </p:spTgt>
+                                        </p:tgtEl>
+                                        <p:attrNameLst>
+                                          <p:attrName>style.visibility</p:attrName>
+                                        </p:attrNameLst>
+                                      </p:cBhvr>
+                                      <p:to>
+                                        <p:strVal val="visible"/>
+                                      </p:to>
+                                    </p:set>
+                                  </p:childTnLst>
+                                </p:cTn>
+                              </p:par>
+                            </p:childTnLst>
+                          </p:cTn>
+                        </p:par>
+                      </p:childTnLst>
+                    </p:cTn>
+                  </p:par>
+                </p:childTnLst>
+              </p:cTn>
+              <p:prevCondLst>
+                <p:cond evt="onPrev" delay="0">
+                  <p:tgtEl>
+                    <p:sldTgt/>
+                  </p:tgtEl>
+                </p:cond>
+              </p:prevCondLst>
+              <p:nextCondLst>
+                <p:cond evt="onNext" delay="0">
+                  <p:tgtEl>
+                    <p:sldTgt/>
+                  </p:tgtEl>
+                </p:cond>
+              </p:nextCondLst>
+            </p:seq>
+          </p:childTnLst>
+        </p:cTn>
+      </p:par>
+    </p:tnLst>
+  </p:timing>
+</p:sld>
+</file>
+
+<file path=ppt/slides/slide34.xml><?xml version="1.0" encoding="utf-8"?>
+<p:sld xmlns:a="http://schemas.openxmlformats.org/drawingml/2006/main" xmlns:r="http://schemas.openxmlformats.org/officeDocument/2006/relationships" xmlns:p="http://schemas.openxmlformats.org/presentationml/2006/main">
+  <p:cSld>
+    <p:spTree>
+      <p:nvGrpSpPr>
+        <p:cNvPr id="1" name=""/>
+        <p:cNvGrpSpPr/>
+        <p:nvPr/>
+      </p:nvGrpSpPr>
+      <p:grpSpPr>
+        <a:xfrm>
+          <a:off x="0" y="0"/>
+          <a:ext cx="0" cy="0"/>
+          <a:chOff x="0" y="0"/>
+          <a:chExt cx="0" cy="0"/>
+        </a:xfrm>
+      </p:grpSpPr>
+      <p:sp>
+        <p:nvSpPr>
+          <p:cNvPr id="2" name="Title 1">
+            <a:extLst>
+              <a:ext uri="{FF2B5EF4-FFF2-40B4-BE49-F238E27FC236}">
+                <a16:creationId xmlns:a16="http://schemas.microsoft.com/office/drawing/2014/main" id="{2C5A4877-9BB6-4CEF-A53B-3BCB34B74429}"/>
+              </a:ext>
+            </a:extLst>
+          </p:cNvPr>
+          <p:cNvSpPr>
+            <a:spLocks noGrp="1"/>
+          </p:cNvSpPr>
+          <p:nvPr>
+            <p:ph type="title"/>
+          </p:nvPr>
+        </p:nvSpPr>
+        <p:spPr/>
+        <p:txBody>
+          <a:bodyPr/>
+          <a:lstStyle/>
+          <a:p>
+            <a:r>
+              <a:rPr lang="en-US" dirty="0"/>
+              <a:t>Language to grammar</a:t>
+            </a:r>
+            <a:endParaRPr lang="en-DE" dirty="0"/>
+          </a:p>
+        </p:txBody>
+      </p:sp>
+      <p:sp>
+        <p:nvSpPr>
+          <p:cNvPr id="6" name="Content Placeholder 2">
+            <a:extLst>
+              <a:ext uri="{FF2B5EF4-FFF2-40B4-BE49-F238E27FC236}">
+                <a16:creationId xmlns:a16="http://schemas.microsoft.com/office/drawing/2014/main" id="{2A83417C-467B-4AF8-B30A-EFCA09A0A497}"/>
+              </a:ext>
+            </a:extLst>
+          </p:cNvPr>
+          <p:cNvSpPr txBox="1">
+            <a:spLocks/>
+          </p:cNvSpPr>
+          <p:nvPr/>
+        </p:nvSpPr>
+        <p:spPr>
+          <a:xfrm>
+            <a:off x="910770" y="1690688"/>
+            <a:ext cx="10192658" cy="4005944"/>
+          </a:xfrm>
+          <a:prstGeom prst="rect">
+            <a:avLst/>
+          </a:prstGeom>
+        </p:spPr>
+        <p:txBody>
+          <a:bodyPr vert="horz" lIns="91440" tIns="45720" rIns="91440" bIns="45720" rtlCol="0">
+            <a:normAutofit/>
+          </a:bodyPr>
+          <a:lstStyle>
+            <a:lvl1pPr marL="228600" indent="-228600" algn="l" defTabSz="914400" rtl="0" eaLnBrk="1" latinLnBrk="0" hangingPunct="1">
+              <a:lnSpc>
+                <a:spcPct val="90000"/>
+              </a:lnSpc>
+              <a:spcBef>
+                <a:spcPts val="1000"/>
+              </a:spcBef>
+              <a:buFont typeface="Arial" panose="020B0604020202020204" pitchFamily="34" charset="0"/>
+              <a:buChar char="•"/>
+              <a:defRPr sz="2400" kern="1200">
+                <a:solidFill>
+                  <a:schemeClr val="tx1"/>
+                </a:solidFill>
+                <a:latin typeface="Georgia" panose="02040502050405020303" pitchFamily="18" charset="0"/>
+                <a:ea typeface="+mn-ea"/>
+                <a:cs typeface="+mn-cs"/>
+              </a:defRPr>
+            </a:lvl1pPr>
+            <a:lvl2pPr marL="685800" indent="-228600" algn="l" defTabSz="914400" rtl="0" eaLnBrk="1" latinLnBrk="0" hangingPunct="1">
+              <a:lnSpc>
+                <a:spcPct val="90000"/>
+              </a:lnSpc>
+              <a:spcBef>
+                <a:spcPts val="500"/>
+              </a:spcBef>
+              <a:buFont typeface="Arial" panose="020B0604020202020204" pitchFamily="34" charset="0"/>
+              <a:buChar char="•"/>
+              <a:defRPr sz="2400" kern="1200">
+                <a:solidFill>
+                  <a:schemeClr val="tx1"/>
+                </a:solidFill>
+                <a:latin typeface="Georgia" panose="02040502050405020303" pitchFamily="18" charset="0"/>
+                <a:ea typeface="+mn-ea"/>
+                <a:cs typeface="+mn-cs"/>
+              </a:defRPr>
+            </a:lvl2pPr>
+            <a:lvl3pPr marL="1143000" indent="-228600" algn="l" defTabSz="914400" rtl="0" eaLnBrk="1" latinLnBrk="0" hangingPunct="1">
+              <a:lnSpc>
+                <a:spcPct val="90000"/>
+              </a:lnSpc>
+              <a:spcBef>
+                <a:spcPts val="500"/>
+              </a:spcBef>
+              <a:buFont typeface="Arial" panose="020B0604020202020204" pitchFamily="34" charset="0"/>
+              <a:buChar char="•"/>
+              <a:defRPr sz="2400" kern="1200">
+                <a:solidFill>
+                  <a:schemeClr val="tx1"/>
+                </a:solidFill>
+                <a:latin typeface="Georgia" panose="02040502050405020303" pitchFamily="18" charset="0"/>
+                <a:ea typeface="+mn-ea"/>
+                <a:cs typeface="+mn-cs"/>
+              </a:defRPr>
+            </a:lvl3pPr>
+            <a:lvl4pPr marL="1600200" indent="-228600" algn="l" defTabSz="914400" rtl="0" eaLnBrk="1" latinLnBrk="0" hangingPunct="1">
+              <a:lnSpc>
+                <a:spcPct val="90000"/>
+              </a:lnSpc>
+              <a:spcBef>
+                <a:spcPts val="500"/>
+              </a:spcBef>
+              <a:buFont typeface="Arial" panose="020B0604020202020204" pitchFamily="34" charset="0"/>
+              <a:buChar char="•"/>
+              <a:defRPr sz="2400" kern="1200">
+                <a:solidFill>
+                  <a:schemeClr val="tx1"/>
+                </a:solidFill>
+                <a:latin typeface="Georgia" panose="02040502050405020303" pitchFamily="18" charset="0"/>
+                <a:ea typeface="+mn-ea"/>
+                <a:cs typeface="+mn-cs"/>
+              </a:defRPr>
+            </a:lvl4pPr>
+            <a:lvl5pPr marL="2057400" indent="-228600" algn="l" defTabSz="914400" rtl="0" eaLnBrk="1" latinLnBrk="0" hangingPunct="1">
+              <a:lnSpc>
+                <a:spcPct val="90000"/>
+              </a:lnSpc>
+              <a:spcBef>
+                <a:spcPts val="500"/>
+              </a:spcBef>
+              <a:buFont typeface="Arial" panose="020B0604020202020204" pitchFamily="34" charset="0"/>
+              <a:buChar char="•"/>
+              <a:defRPr sz="2400" kern="1200">
+                <a:solidFill>
+                  <a:schemeClr val="tx1"/>
+                </a:solidFill>
+                <a:latin typeface="Georgia" panose="02040502050405020303" pitchFamily="18" charset="0"/>
+                <a:ea typeface="+mn-ea"/>
+                <a:cs typeface="+mn-cs"/>
+              </a:defRPr>
+            </a:lvl5pPr>
+            <a:lvl6pPr marL="2514600" indent="-228600" algn="l" defTabSz="914400" rtl="0" eaLnBrk="1" latinLnBrk="0" hangingPunct="1">
+              <a:lnSpc>
+                <a:spcPct val="90000"/>
+              </a:lnSpc>
+              <a:spcBef>
+                <a:spcPts val="500"/>
+              </a:spcBef>
+              <a:buFont typeface="Arial" panose="020B0604020202020204" pitchFamily="34" charset="0"/>
+              <a:buChar char="•"/>
+              <a:defRPr sz="1800" kern="1200">
+                <a:solidFill>
+                  <a:schemeClr val="tx1"/>
+                </a:solidFill>
+                <a:latin typeface="+mn-lt"/>
+                <a:ea typeface="+mn-ea"/>
+                <a:cs typeface="+mn-cs"/>
+              </a:defRPr>
+            </a:lvl6pPr>
+            <a:lvl7pPr marL="2971800" indent="-228600" algn="l" defTabSz="914400" rtl="0" eaLnBrk="1" latinLnBrk="0" hangingPunct="1">
+              <a:lnSpc>
+                <a:spcPct val="90000"/>
+              </a:lnSpc>
+              <a:spcBef>
+                <a:spcPts val="500"/>
+              </a:spcBef>
+              <a:buFont typeface="Arial" panose="020B0604020202020204" pitchFamily="34" charset="0"/>
+              <a:buChar char="•"/>
+              <a:defRPr sz="1800" kern="1200">
+                <a:solidFill>
+                  <a:schemeClr val="tx1"/>
+                </a:solidFill>
+                <a:latin typeface="+mn-lt"/>
+                <a:ea typeface="+mn-ea"/>
+                <a:cs typeface="+mn-cs"/>
+              </a:defRPr>
+            </a:lvl7pPr>
+            <a:lvl8pPr marL="3429000" indent="-228600" algn="l" defTabSz="914400" rtl="0" eaLnBrk="1" latinLnBrk="0" hangingPunct="1">
+              <a:lnSpc>
+                <a:spcPct val="90000"/>
+              </a:lnSpc>
+              <a:spcBef>
+                <a:spcPts val="500"/>
+              </a:spcBef>
+              <a:buFont typeface="Arial" panose="020B0604020202020204" pitchFamily="34" charset="0"/>
+              <a:buChar char="•"/>
+              <a:defRPr sz="1800" kern="1200">
+                <a:solidFill>
+                  <a:schemeClr val="tx1"/>
+                </a:solidFill>
+                <a:latin typeface="+mn-lt"/>
+                <a:ea typeface="+mn-ea"/>
+                <a:cs typeface="+mn-cs"/>
+              </a:defRPr>
+            </a:lvl8pPr>
+            <a:lvl9pPr marL="3886200" indent="-228600" algn="l" defTabSz="914400" rtl="0" eaLnBrk="1" latinLnBrk="0" hangingPunct="1">
+              <a:lnSpc>
+                <a:spcPct val="90000"/>
+              </a:lnSpc>
+              <a:spcBef>
+                <a:spcPts val="500"/>
+              </a:spcBef>
+              <a:buFont typeface="Arial" panose="020B0604020202020204" pitchFamily="34" charset="0"/>
+              <a:buChar char="•"/>
+              <a:defRPr sz="1800" kern="1200">
+                <a:solidFill>
+                  <a:schemeClr val="tx1"/>
+                </a:solidFill>
+                <a:latin typeface="+mn-lt"/>
+                <a:ea typeface="+mn-ea"/>
+                <a:cs typeface="+mn-cs"/>
+              </a:defRPr>
+            </a:lvl9pPr>
+          </a:lstStyle>
+          <a:p>
+            <a:r>
+              <a:rPr lang="en-US" dirty="0"/>
+              <a:t>All strings with the form: </a:t>
+            </a:r>
+            <a:r>
+              <a:rPr lang="en-US" dirty="0" err="1"/>
+              <a:t>a</a:t>
+            </a:r>
+            <a:r>
+              <a:rPr lang="en-US" i="1" baseline="30000" dirty="0" err="1"/>
+              <a:t>n</a:t>
+            </a:r>
+            <a:r>
+              <a:rPr lang="en-US" dirty="0" err="1"/>
+              <a:t>b</a:t>
+            </a:r>
+            <a:r>
+              <a:rPr lang="en-US" i="1" baseline="30000" dirty="0" err="1"/>
+              <a:t>n</a:t>
+            </a:r>
+            <a:endParaRPr lang="en-US" i="1" baseline="30000" dirty="0"/>
+          </a:p>
+          <a:p>
+            <a:endParaRPr lang="en-US" i="1" dirty="0"/>
+          </a:p>
+          <a:p>
+            <a:pPr marL="914400" lvl="1" indent="-457200">
+              <a:buFont typeface="+mj-lt"/>
+              <a:buAutoNum type="arabicPeriod"/>
+            </a:pPr>
+            <a:r>
+              <a:rPr lang="en-US" i="1" dirty="0"/>
+              <a:t>N</a:t>
+            </a:r>
+            <a:r>
+              <a:rPr lang="en-US" dirty="0"/>
+              <a:t> (nonterminal symbols)</a:t>
+            </a:r>
+          </a:p>
+          <a:p>
+            <a:pPr marL="914400" lvl="1" indent="-457200">
+              <a:buFont typeface="+mj-lt"/>
+              <a:buAutoNum type="arabicPeriod"/>
+            </a:pPr>
+            <a:r>
+              <a:rPr lang="el-GR" dirty="0"/>
+              <a:t>Σ</a:t>
+            </a:r>
+            <a:r>
+              <a:rPr lang="en-US" dirty="0"/>
+              <a:t> (terminal symbols)</a:t>
+            </a:r>
+          </a:p>
+          <a:p>
+            <a:pPr marL="914400" lvl="1" indent="-457200">
+              <a:buFont typeface="+mj-lt"/>
+              <a:buAutoNum type="arabicPeriod"/>
+            </a:pPr>
+            <a:r>
+              <a:rPr lang="en-US" i="1" dirty="0"/>
+              <a:t>P</a:t>
+            </a:r>
+            <a:r>
+              <a:rPr lang="en-US" dirty="0"/>
+              <a:t> (production rules)</a:t>
+            </a:r>
+            <a:endParaRPr lang="en-US" i="1" dirty="0"/>
+          </a:p>
+          <a:p>
+            <a:pPr marL="914400" lvl="1" indent="-457200">
+              <a:buFont typeface="+mj-lt"/>
+              <a:buAutoNum type="arabicPeriod"/>
+            </a:pPr>
+            <a:r>
+              <a:rPr lang="en-US" i="1" dirty="0"/>
+              <a:t>S</a:t>
+            </a:r>
+            <a:r>
+              <a:rPr lang="en-US" dirty="0"/>
+              <a:t> (start symbol)</a:t>
+            </a:r>
+          </a:p>
+          <a:p>
+            <a:endParaRPr lang="en-US" dirty="0"/>
+          </a:p>
+        </p:txBody>
+      </p:sp>
+      <p:sp>
+        <p:nvSpPr>
+          <p:cNvPr id="7" name="Content Placeholder 2">
+            <a:extLst>
+              <a:ext uri="{FF2B5EF4-FFF2-40B4-BE49-F238E27FC236}">
+                <a16:creationId xmlns:a16="http://schemas.microsoft.com/office/drawing/2014/main" id="{DA69ABA3-BEA9-4024-9455-7112C65689D7}"/>
+              </a:ext>
+            </a:extLst>
+          </p:cNvPr>
+          <p:cNvSpPr txBox="1">
+            <a:spLocks/>
+          </p:cNvSpPr>
+          <p:nvPr/>
+        </p:nvSpPr>
+        <p:spPr>
+          <a:xfrm>
+            <a:off x="5412619" y="2522840"/>
+            <a:ext cx="5505753" cy="2902859"/>
+          </a:xfrm>
+          <a:prstGeom prst="rect">
+            <a:avLst/>
+          </a:prstGeom>
+        </p:spPr>
+        <p:txBody>
+          <a:bodyPr vert="horz" lIns="91440" tIns="45720" rIns="91440" bIns="45720" rtlCol="0">
+            <a:normAutofit/>
+          </a:bodyPr>
+          <a:lstStyle>
+            <a:lvl1pPr marL="228600" indent="-228600" algn="l" defTabSz="914400" rtl="0" eaLnBrk="1" latinLnBrk="0" hangingPunct="1">
+              <a:lnSpc>
+                <a:spcPct val="90000"/>
+              </a:lnSpc>
+              <a:spcBef>
+                <a:spcPts val="1000"/>
+              </a:spcBef>
+              <a:buFont typeface="Arial" panose="020B0604020202020204" pitchFamily="34" charset="0"/>
+              <a:buChar char="•"/>
+              <a:defRPr sz="2400" kern="1200">
+                <a:solidFill>
+                  <a:schemeClr val="tx1"/>
+                </a:solidFill>
+                <a:latin typeface="Georgia" panose="02040502050405020303" pitchFamily="18" charset="0"/>
+                <a:ea typeface="+mn-ea"/>
+                <a:cs typeface="+mn-cs"/>
+              </a:defRPr>
+            </a:lvl1pPr>
+            <a:lvl2pPr marL="685800" indent="-228600" algn="l" defTabSz="914400" rtl="0" eaLnBrk="1" latinLnBrk="0" hangingPunct="1">
+              <a:lnSpc>
+                <a:spcPct val="90000"/>
+              </a:lnSpc>
+              <a:spcBef>
+                <a:spcPts val="500"/>
+              </a:spcBef>
+              <a:buFont typeface="Arial" panose="020B0604020202020204" pitchFamily="34" charset="0"/>
+              <a:buChar char="•"/>
+              <a:defRPr sz="2400" kern="1200">
+                <a:solidFill>
+                  <a:schemeClr val="tx1"/>
+                </a:solidFill>
+                <a:latin typeface="Georgia" panose="02040502050405020303" pitchFamily="18" charset="0"/>
+                <a:ea typeface="+mn-ea"/>
+                <a:cs typeface="+mn-cs"/>
+              </a:defRPr>
+            </a:lvl2pPr>
+            <a:lvl3pPr marL="1143000" indent="-228600" algn="l" defTabSz="914400" rtl="0" eaLnBrk="1" latinLnBrk="0" hangingPunct="1">
+              <a:lnSpc>
+                <a:spcPct val="90000"/>
+              </a:lnSpc>
+              <a:spcBef>
+                <a:spcPts val="500"/>
+              </a:spcBef>
+              <a:buFont typeface="Arial" panose="020B0604020202020204" pitchFamily="34" charset="0"/>
+              <a:buChar char="•"/>
+              <a:defRPr sz="2400" kern="1200">
+                <a:solidFill>
+                  <a:schemeClr val="tx1"/>
+                </a:solidFill>
+                <a:latin typeface="Georgia" panose="02040502050405020303" pitchFamily="18" charset="0"/>
+                <a:ea typeface="+mn-ea"/>
+                <a:cs typeface="+mn-cs"/>
+              </a:defRPr>
+            </a:lvl3pPr>
+            <a:lvl4pPr marL="1600200" indent="-228600" algn="l" defTabSz="914400" rtl="0" eaLnBrk="1" latinLnBrk="0" hangingPunct="1">
+              <a:lnSpc>
+                <a:spcPct val="90000"/>
+              </a:lnSpc>
+              <a:spcBef>
+                <a:spcPts val="500"/>
+              </a:spcBef>
+              <a:buFont typeface="Arial" panose="020B0604020202020204" pitchFamily="34" charset="0"/>
+              <a:buChar char="•"/>
+              <a:defRPr sz="2400" kern="1200">
+                <a:solidFill>
+                  <a:schemeClr val="tx1"/>
+                </a:solidFill>
+                <a:latin typeface="Georgia" panose="02040502050405020303" pitchFamily="18" charset="0"/>
+                <a:ea typeface="+mn-ea"/>
+                <a:cs typeface="+mn-cs"/>
+              </a:defRPr>
+            </a:lvl4pPr>
+            <a:lvl5pPr marL="2057400" indent="-228600" algn="l" defTabSz="914400" rtl="0" eaLnBrk="1" latinLnBrk="0" hangingPunct="1">
+              <a:lnSpc>
+                <a:spcPct val="90000"/>
+              </a:lnSpc>
+              <a:spcBef>
+                <a:spcPts val="500"/>
+              </a:spcBef>
+              <a:buFont typeface="Arial" panose="020B0604020202020204" pitchFamily="34" charset="0"/>
+              <a:buChar char="•"/>
+              <a:defRPr sz="2400" kern="1200">
+                <a:solidFill>
+                  <a:schemeClr val="tx1"/>
+                </a:solidFill>
+                <a:latin typeface="Georgia" panose="02040502050405020303" pitchFamily="18" charset="0"/>
+                <a:ea typeface="+mn-ea"/>
+                <a:cs typeface="+mn-cs"/>
+              </a:defRPr>
+            </a:lvl5pPr>
+            <a:lvl6pPr marL="2514600" indent="-228600" algn="l" defTabSz="914400" rtl="0" eaLnBrk="1" latinLnBrk="0" hangingPunct="1">
+              <a:lnSpc>
+                <a:spcPct val="90000"/>
+              </a:lnSpc>
+              <a:spcBef>
+                <a:spcPts val="500"/>
+              </a:spcBef>
+              <a:buFont typeface="Arial" panose="020B0604020202020204" pitchFamily="34" charset="0"/>
+              <a:buChar char="•"/>
+              <a:defRPr sz="1800" kern="1200">
+                <a:solidFill>
+                  <a:schemeClr val="tx1"/>
+                </a:solidFill>
+                <a:latin typeface="+mn-lt"/>
+                <a:ea typeface="+mn-ea"/>
+                <a:cs typeface="+mn-cs"/>
+              </a:defRPr>
+            </a:lvl6pPr>
+            <a:lvl7pPr marL="2971800" indent="-228600" algn="l" defTabSz="914400" rtl="0" eaLnBrk="1" latinLnBrk="0" hangingPunct="1">
+              <a:lnSpc>
+                <a:spcPct val="90000"/>
+              </a:lnSpc>
+              <a:spcBef>
+                <a:spcPts val="500"/>
+              </a:spcBef>
+              <a:buFont typeface="Arial" panose="020B0604020202020204" pitchFamily="34" charset="0"/>
+              <a:buChar char="•"/>
+              <a:defRPr sz="1800" kern="1200">
+                <a:solidFill>
+                  <a:schemeClr val="tx1"/>
+                </a:solidFill>
+                <a:latin typeface="+mn-lt"/>
+                <a:ea typeface="+mn-ea"/>
+                <a:cs typeface="+mn-cs"/>
+              </a:defRPr>
+            </a:lvl7pPr>
+            <a:lvl8pPr marL="3429000" indent="-228600" algn="l" defTabSz="914400" rtl="0" eaLnBrk="1" latinLnBrk="0" hangingPunct="1">
+              <a:lnSpc>
+                <a:spcPct val="90000"/>
+              </a:lnSpc>
+              <a:spcBef>
+                <a:spcPts val="500"/>
+              </a:spcBef>
+              <a:buFont typeface="Arial" panose="020B0604020202020204" pitchFamily="34" charset="0"/>
+              <a:buChar char="•"/>
+              <a:defRPr sz="1800" kern="1200">
+                <a:solidFill>
+                  <a:schemeClr val="tx1"/>
+                </a:solidFill>
+                <a:latin typeface="+mn-lt"/>
+                <a:ea typeface="+mn-ea"/>
+                <a:cs typeface="+mn-cs"/>
+              </a:defRPr>
+            </a:lvl8pPr>
+            <a:lvl9pPr marL="3886200" indent="-228600" algn="l" defTabSz="914400" rtl="0" eaLnBrk="1" latinLnBrk="0" hangingPunct="1">
+              <a:lnSpc>
+                <a:spcPct val="90000"/>
+              </a:lnSpc>
+              <a:spcBef>
+                <a:spcPts val="500"/>
+              </a:spcBef>
+              <a:buFont typeface="Arial" panose="020B0604020202020204" pitchFamily="34" charset="0"/>
+              <a:buChar char="•"/>
+              <a:defRPr sz="1800" kern="1200">
+                <a:solidFill>
+                  <a:schemeClr val="tx1"/>
+                </a:solidFill>
+                <a:latin typeface="+mn-lt"/>
+                <a:ea typeface="+mn-ea"/>
+                <a:cs typeface="+mn-cs"/>
+              </a:defRPr>
+            </a:lvl9pPr>
+          </a:lstStyle>
+          <a:p>
+            <a:pPr marL="914400" lvl="1" indent="-457200">
+              <a:buFont typeface="+mj-lt"/>
+              <a:buAutoNum type="arabicPeriod"/>
+            </a:pPr>
+            <a:r>
+              <a:rPr lang="en-US" dirty="0"/>
+              <a:t>{S}</a:t>
+            </a:r>
+          </a:p>
+          <a:p>
+            <a:pPr marL="914400" lvl="1" indent="-457200">
+              <a:buFont typeface="+mj-lt"/>
+              <a:buAutoNum type="arabicPeriod"/>
+            </a:pPr>
+            <a:r>
+              <a:rPr lang="en-US" dirty="0"/>
+              <a:t>{a, b}</a:t>
+            </a:r>
+          </a:p>
+          <a:p>
+            <a:pPr marL="914400" lvl="1" indent="-457200">
+              <a:buFont typeface="+mj-lt"/>
+              <a:buAutoNum type="arabicPeriod"/>
+            </a:pPr>
+            <a:r>
+              <a:rPr lang="en-US" dirty="0"/>
+              <a:t>1. S </a:t>
+            </a:r>
+            <a:r>
+              <a:rPr lang="en-US" dirty="0">
+                <a:sym typeface="Wingdings" panose="05000000000000000000" pitchFamily="2" charset="2"/>
+              </a:rPr>
+              <a:t> </a:t>
+            </a:r>
+            <a:r>
+              <a:rPr lang="en-US" dirty="0" err="1">
+                <a:sym typeface="Wingdings" panose="05000000000000000000" pitchFamily="2" charset="2"/>
+              </a:rPr>
+              <a:t>aSb</a:t>
+            </a:r>
+            <a:endParaRPr lang="en-US" dirty="0">
+              <a:sym typeface="Wingdings" panose="05000000000000000000" pitchFamily="2" charset="2"/>
+            </a:endParaRPr>
+          </a:p>
+          <a:p>
+            <a:pPr marL="457200" lvl="1" indent="0">
+              <a:buNone/>
+            </a:pPr>
+            <a:r>
+              <a:rPr lang="en-US" dirty="0">
+                <a:sym typeface="Wingdings" panose="05000000000000000000" pitchFamily="2" charset="2"/>
+              </a:rPr>
+              <a:t>	2. S  </a:t>
+            </a:r>
+            <a:r>
+              <a:rPr lang="en-US" i="1" dirty="0">
+                <a:sym typeface="Wingdings" panose="05000000000000000000" pitchFamily="2" charset="2"/>
+              </a:rPr>
+              <a:t>e</a:t>
+            </a:r>
+            <a:endParaRPr lang="en-US" b="1" i="1" dirty="0"/>
+          </a:p>
+        </p:txBody>
+      </p:sp>
+      <p:sp>
+        <p:nvSpPr>
+          <p:cNvPr id="3" name="Footer Placeholder 2">
+            <a:extLst>
+              <a:ext uri="{FF2B5EF4-FFF2-40B4-BE49-F238E27FC236}">
+                <a16:creationId xmlns:a16="http://schemas.microsoft.com/office/drawing/2014/main" id="{D6FCE2DD-FB00-9AA0-0A2D-15A77AEEAE19}"/>
+              </a:ext>
+            </a:extLst>
+          </p:cNvPr>
+          <p:cNvSpPr>
+            <a:spLocks noGrp="1"/>
+          </p:cNvSpPr>
+          <p:nvPr>
+            <p:ph type="ftr" sz="quarter" idx="11"/>
+          </p:nvPr>
+        </p:nvSpPr>
+        <p:spPr/>
+        <p:txBody>
+          <a:bodyPr/>
+          <a:lstStyle/>
+          <a:p>
+            <a:r>
+              <a:rPr lang="en-US"/>
+              <a:t>Fausto Carcassi – A day with the pLoT</a:t>
+            </a:r>
+            <a:endParaRPr lang="en-DE"/>
+          </a:p>
+        </p:txBody>
+      </p:sp>
+      <p:sp>
+        <p:nvSpPr>
+          <p:cNvPr id="4" name="Slide Number Placeholder 3">
+            <a:extLst>
+              <a:ext uri="{FF2B5EF4-FFF2-40B4-BE49-F238E27FC236}">
+                <a16:creationId xmlns:a16="http://schemas.microsoft.com/office/drawing/2014/main" id="{88122E8F-C5EF-A8B1-885A-DFC9DD56BAE1}"/>
+              </a:ext>
+            </a:extLst>
+          </p:cNvPr>
+          <p:cNvSpPr>
+            <a:spLocks noGrp="1"/>
+          </p:cNvSpPr>
+          <p:nvPr>
+            <p:ph type="sldNum" sz="quarter" idx="12"/>
+          </p:nvPr>
+        </p:nvSpPr>
+        <p:spPr/>
+        <p:txBody>
+          <a:bodyPr/>
+          <a:lstStyle/>
+          <a:p>
+            <a:fld id="{87C6F9F5-FD91-41AF-9631-9F406EBEB36A}" type="slidenum">
+              <a:rPr lang="en-DE" smtClean="0"/>
+              <a:t>34</a:t>
+            </a:fld>
+            <a:endParaRPr lang="en-DE"/>
+          </a:p>
+        </p:txBody>
+      </p:sp>
+    </p:spTree>
+    <p:extLst>
+      <p:ext uri="{BB962C8B-B14F-4D97-AF65-F5344CB8AC3E}">
+        <p14:creationId xmlns:p14="http://schemas.microsoft.com/office/powerpoint/2010/main" val="1430274685"/>
+      </p:ext>
+    </p:extLst>
+  </p:cSld>
+  <p:clrMapOvr>
+    <a:masterClrMapping/>
+  </p:clrMapOvr>
+  <p:timing>
+    <p:tnLst>
+      <p:par>
+        <p:cTn id="1" dur="indefinite" restart="never" nodeType="tmRoot">
+          <p:childTnLst>
+            <p:seq concurrent="1" nextAc="seek">
+              <p:cTn id="2" dur="indefinite" nodeType="mainSeq">
+                <p:childTnLst>
+                  <p:par>
+                    <p:cTn id="3" fill="hold">
+                      <p:stCondLst>
+                        <p:cond delay="indefinite"/>
+                      </p:stCondLst>
+                      <p:childTnLst>
+                        <p:par>
+                          <p:cTn id="4" fill="hold">
+                            <p:stCondLst>
+                              <p:cond delay="0"/>
+                            </p:stCondLst>
+                            <p:childTnLst>
+                              <p:par>
+                                <p:cTn id="5" presetID="1" presetClass="entr" presetSubtype="0" fill="hold" nodeType="clickEffect">
+                                  <p:stCondLst>
+                                    <p:cond delay="0"/>
+                                  </p:stCondLst>
+                                  <p:childTnLst>
+                                    <p:set>
+                                      <p:cBhvr>
+                                        <p:cTn id="6" dur="1" fill="hold">
+                                          <p:stCondLst>
+                                            <p:cond delay="0"/>
+                                          </p:stCondLst>
+                                        </p:cTn>
+                                        <p:tgtEl>
+                                          <p:spTgt spid="7">
+                                            <p:txEl>
+                                              <p:pRg st="0" end="0"/>
+                                            </p:txEl>
+                                          </p:spTgt>
+                                        </p:tgtEl>
+                                        <p:attrNameLst>
+                                          <p:attrName>style.visibility</p:attrName>
+                                        </p:attrNameLst>
+                                      </p:cBhvr>
+                                      <p:to>
+                                        <p:strVal val="visible"/>
+                                      </p:to>
+                                    </p:set>
+                                  </p:childTnLst>
+                                </p:cTn>
+                              </p:par>
+                            </p:childTnLst>
+                          </p:cTn>
+                        </p:par>
+                      </p:childTnLst>
+                    </p:cTn>
+                  </p:par>
+                  <p:par>
+                    <p:cTn id="7" fill="hold">
+                      <p:stCondLst>
+                        <p:cond delay="indefinite"/>
+                      </p:stCondLst>
+                      <p:childTnLst>
+                        <p:par>
+                          <p:cTn id="8" fill="hold">
+                            <p:stCondLst>
+                              <p:cond delay="0"/>
+                            </p:stCondLst>
+                            <p:childTnLst>
+                              <p:par>
+                                <p:cTn id="9" presetID="1" presetClass="entr" presetSubtype="0" fill="hold" nodeType="clickEffect">
+                                  <p:stCondLst>
+                                    <p:cond delay="0"/>
+                                  </p:stCondLst>
+                                  <p:childTnLst>
+                                    <p:set>
+                                      <p:cBhvr>
+                                        <p:cTn id="10" dur="1" fill="hold">
+                                          <p:stCondLst>
+                                            <p:cond delay="0"/>
+                                          </p:stCondLst>
+                                        </p:cTn>
+                                        <p:tgtEl>
+                                          <p:spTgt spid="7">
+                                            <p:txEl>
+                                              <p:pRg st="1" end="1"/>
+                                            </p:txEl>
+                                          </p:spTgt>
+                                        </p:tgtEl>
+                                        <p:attrNameLst>
+                                          <p:attrName>style.visibility</p:attrName>
+                                        </p:attrNameLst>
+                                      </p:cBhvr>
+                                      <p:to>
+                                        <p:strVal val="visible"/>
+                                      </p:to>
+                                    </p:set>
+                                  </p:childTnLst>
+                                </p:cTn>
+                              </p:par>
+                            </p:childTnLst>
+                          </p:cTn>
+                        </p:par>
+                      </p:childTnLst>
+                    </p:cTn>
+                  </p:par>
+                  <p:par>
+                    <p:cTn id="11" fill="hold">
+                      <p:stCondLst>
+                        <p:cond delay="indefinite"/>
+                      </p:stCondLst>
+                      <p:childTnLst>
+                        <p:par>
+                          <p:cTn id="12" fill="hold">
+                            <p:stCondLst>
+                              <p:cond delay="0"/>
+                            </p:stCondLst>
+                            <p:childTnLst>
+                              <p:par>
+                                <p:cTn id="13" presetID="1" presetClass="entr" presetSubtype="0" fill="hold" nodeType="clickEffect">
+                                  <p:stCondLst>
+                                    <p:cond delay="0"/>
+                                  </p:stCondLst>
+                                  <p:childTnLst>
+                                    <p:set>
+                                      <p:cBhvr>
+                                        <p:cTn id="14" dur="1" fill="hold">
+                                          <p:stCondLst>
+                                            <p:cond delay="0"/>
+                                          </p:stCondLst>
+                                        </p:cTn>
+                                        <p:tgtEl>
+                                          <p:spTgt spid="7">
+                                            <p:txEl>
+                                              <p:pRg st="2" end="2"/>
+                                            </p:txEl>
+                                          </p:spTgt>
+                                        </p:tgtEl>
+                                        <p:attrNameLst>
+                                          <p:attrName>style.visibility</p:attrName>
+                                        </p:attrNameLst>
+                                      </p:cBhvr>
+                                      <p:to>
+                                        <p:strVal val="visible"/>
+                                      </p:to>
+                                    </p:set>
+                                  </p:childTnLst>
+                                </p:cTn>
+                              </p:par>
+                            </p:childTnLst>
+                          </p:cTn>
+                        </p:par>
+                      </p:childTnLst>
+                    </p:cTn>
+                  </p:par>
+                  <p:par>
+                    <p:cTn id="15" fill="hold">
+                      <p:stCondLst>
+                        <p:cond delay="indefinite"/>
+                      </p:stCondLst>
+                      <p:childTnLst>
+                        <p:par>
+                          <p:cTn id="16" fill="hold">
+                            <p:stCondLst>
+                              <p:cond delay="0"/>
+                            </p:stCondLst>
+                            <p:childTnLst>
+                              <p:par>
+                                <p:cTn id="17" presetID="1" presetClass="entr" presetSubtype="0" fill="hold" nodeType="clickEffect">
+                                  <p:stCondLst>
+                                    <p:cond delay="0"/>
+                                  </p:stCondLst>
+                                  <p:childTnLst>
+                                    <p:set>
+                                      <p:cBhvr>
+                                        <p:cTn id="18" dur="1" fill="hold">
+                                          <p:stCondLst>
+                                            <p:cond delay="0"/>
+                                          </p:stCondLst>
+                                        </p:cTn>
+                                        <p:tgtEl>
+                                          <p:spTgt spid="7">
+                                            <p:txEl>
+                                              <p:pRg st="3" end="3"/>
                                             </p:txEl>
                                           </p:spTgt>
                                         </p:tgtEl>
@@ -29348,6 +30562,26 @@
 <file path=ppt/tags/tag1.xml><?xml version="1.0" encoding="utf-8"?>
 <p:tagLst xmlns:a="http://schemas.openxmlformats.org/drawingml/2006/main" xmlns:r="http://schemas.openxmlformats.org/officeDocument/2006/relationships" xmlns:p="http://schemas.openxmlformats.org/presentationml/2006/main">
   <p:tag name="OUTPUTDPI" val="1200"/>
+  <p:tag name="ORIGINALHEIGHT" val="294,7131"/>
+  <p:tag name="ORIGINALWIDTH" val="4845,894"/>
+  <p:tag name="OUTPUTTYPE" val="PNG"/>
+  <p:tag name="IGUANATEXVERSION" val="160"/>
+  <p:tag name="LATEXADDIN" val="\documentclass{article}&#10;\usepackage{amsmath, mathtools}&#10;\pagestyle{empty}&#10;\begin{document}&#10;\begin{equation*}&#10;P(\text{Improvement} \mid \text{`Yes' from mum}) = &#10;\frac{&#10;P(\text{`Yes' from mum} \mid \text{Improvement}) P(\text{Improvement})&#10;}{&#10;P(D)&#10;}&#10;\end{equation*}&#10;\end{document}"/>
+  <p:tag name="IGUANATEXSIZE" val="24"/>
+  <p:tag name="IGUANATEXCURSOR" val="236"/>
+  <p:tag name="TRANSPARENCY" val="True"/>
+  <p:tag name="LATEXENGINEID" val="0"/>
+  <p:tag name="TEMPFOLDER" val="C:\temp\"/>
+  <p:tag name="LATEXFORMHEIGHT" val="320"/>
+  <p:tag name="LATEXFORMWIDTH" val="690,6"/>
+  <p:tag name="LATEXFORMWRAP" val="True"/>
+  <p:tag name="BITMAPVECTOR" val="0"/>
+</p:tagLst>
+</file>
+
+<file path=ppt/tags/tag2.xml><?xml version="1.0" encoding="utf-8"?>
+<p:tagLst xmlns:a="http://schemas.openxmlformats.org/drawingml/2006/main" xmlns:r="http://schemas.openxmlformats.org/officeDocument/2006/relationships" xmlns:p="http://schemas.openxmlformats.org/presentationml/2006/main">
+  <p:tag name="OUTPUTDPI" val="1200"/>
   <p:tag name="ORIGINALHEIGHT" val="620,1724"/>
   <p:tag name="ORIGINALWIDTH" val="1551,556"/>
   <p:tag name="OUTPUTTYPE" val="PNG"/>
